--- a/PRESENTATIONS/2024-11-wot-week/Presentations/2024-11-29-WoT-Requirements-McCool.pptx
+++ b/PRESENTATIONS/2024-11-wot-week/Presentations/2024-11-29-WoT-Requirements-McCool.pptx
@@ -6,26 +6,27 @@
     <p:sldMasterId id="2147483660" r:id="rId2"/>
   </p:sldMasterIdLst>
   <p:notesMasterIdLst>
-    <p:notesMasterId r:id="rId20"/>
+    <p:notesMasterId r:id="rId21"/>
   </p:notesMasterIdLst>
   <p:sldIdLst>
     <p:sldId id="256" r:id="rId3"/>
     <p:sldId id="257" r:id="rId4"/>
     <p:sldId id="258" r:id="rId5"/>
-    <p:sldId id="271" r:id="rId6"/>
-    <p:sldId id="265" r:id="rId7"/>
-    <p:sldId id="270" r:id="rId8"/>
-    <p:sldId id="267" r:id="rId9"/>
-    <p:sldId id="269" r:id="rId10"/>
-    <p:sldId id="266" r:id="rId11"/>
-    <p:sldId id="273" r:id="rId12"/>
-    <p:sldId id="274" r:id="rId13"/>
-    <p:sldId id="259" r:id="rId14"/>
-    <p:sldId id="260" r:id="rId15"/>
-    <p:sldId id="272" r:id="rId16"/>
-    <p:sldId id="261" r:id="rId17"/>
-    <p:sldId id="263" r:id="rId18"/>
-    <p:sldId id="268" r:id="rId19"/>
+    <p:sldId id="275" r:id="rId6"/>
+    <p:sldId id="271" r:id="rId7"/>
+    <p:sldId id="265" r:id="rId8"/>
+    <p:sldId id="270" r:id="rId9"/>
+    <p:sldId id="267" r:id="rId10"/>
+    <p:sldId id="269" r:id="rId11"/>
+    <p:sldId id="266" r:id="rId12"/>
+    <p:sldId id="273" r:id="rId13"/>
+    <p:sldId id="274" r:id="rId14"/>
+    <p:sldId id="259" r:id="rId15"/>
+    <p:sldId id="260" r:id="rId16"/>
+    <p:sldId id="272" r:id="rId17"/>
+    <p:sldId id="261" r:id="rId18"/>
+    <p:sldId id="263" r:id="rId19"/>
+    <p:sldId id="268" r:id="rId20"/>
   </p:sldIdLst>
   <p:sldSz cx="12192000" cy="6858000"/>
   <p:notesSz cx="6858000" cy="9144000"/>
@@ -146,7 +147,7 @@
 <file path=ppt/revisionInfo.xml><?xml version="1.0" encoding="utf-8"?>
 <p1510:revInfo xmlns:a="http://schemas.openxmlformats.org/drawingml/2006/main" xmlns:r="http://schemas.openxmlformats.org/officeDocument/2006/relationships" xmlns:p1510="http://schemas.microsoft.com/office/powerpoint/2015/10/main">
   <p1510:revLst>
-    <p1510:client id="{F6D2B1F6-82E7-4A84-A384-34466B774B69}" v="1" dt="2024-11-29T09:16:06.726"/>
+    <p1510:client id="{F6D2B1F6-82E7-4A84-A384-34466B774B69}" v="5" dt="2024-11-29T10:27:09.711"/>
   </p1510:revLst>
 </p1510:revInfo>
 </file>
@@ -155,13 +156,169 @@
 <pc:chgInfo xmlns:a="http://schemas.openxmlformats.org/drawingml/2006/main" xmlns:r="http://schemas.openxmlformats.org/officeDocument/2006/relationships" xmlns:ac="http://schemas.microsoft.com/office/drawing/2013/main/command" xmlns:pc="http://schemas.microsoft.com/office/powerpoint/2013/main/command">
   <pc:docChgLst>
     <pc:chgData name="Mccool, Michael" userId="9022b910-48f5-4b36-ad75-783e2c5f7356" providerId="ADAL" clId="{F6D2B1F6-82E7-4A84-A384-34466B774B69}"/>
-    <pc:docChg chg="custSel modSld">
-      <pc:chgData name="Mccool, Michael" userId="9022b910-48f5-4b36-ad75-783e2c5f7356" providerId="ADAL" clId="{F6D2B1F6-82E7-4A84-A384-34466B774B69}" dt="2024-11-29T09:16:26.290" v="11" actId="27636"/>
+    <pc:docChg chg="custSel addSld modSld">
+      <pc:chgData name="Mccool, Michael" userId="9022b910-48f5-4b36-ad75-783e2c5f7356" providerId="ADAL" clId="{F6D2B1F6-82E7-4A84-A384-34466B774B69}" dt="2024-11-29T11:09:55.090" v="596" actId="20577"/>
       <pc:docMkLst>
         <pc:docMk/>
       </pc:docMkLst>
       <pc:sldChg chg="modSp mod">
-        <pc:chgData name="Mccool, Michael" userId="9022b910-48f5-4b36-ad75-783e2c5f7356" providerId="ADAL" clId="{F6D2B1F6-82E7-4A84-A384-34466B774B69}" dt="2024-11-29T09:16:06.799" v="9" actId="20577"/>
+        <pc:chgData name="Mccool, Michael" userId="9022b910-48f5-4b36-ad75-783e2c5f7356" providerId="ADAL" clId="{F6D2B1F6-82E7-4A84-A384-34466B774B69}" dt="2024-11-29T09:48:45.760" v="77" actId="20577"/>
+        <pc:sldMkLst>
+          <pc:docMk/>
+          <pc:sldMk cId="172328536" sldId="256"/>
+        </pc:sldMkLst>
+        <pc:spChg chg="mod">
+          <ac:chgData name="Mccool, Michael" userId="9022b910-48f5-4b36-ad75-783e2c5f7356" providerId="ADAL" clId="{F6D2B1F6-82E7-4A84-A384-34466B774B69}" dt="2024-11-29T09:48:26.171" v="64" actId="20577"/>
+          <ac:spMkLst>
+            <pc:docMk/>
+            <pc:sldMk cId="172328536" sldId="256"/>
+            <ac:spMk id="3" creationId="{C0E957DB-7468-C943-8F4B-9FE90A3CB8D2}"/>
+          </ac:spMkLst>
+        </pc:spChg>
+        <pc:spChg chg="mod">
+          <ac:chgData name="Mccool, Michael" userId="9022b910-48f5-4b36-ad75-783e2c5f7356" providerId="ADAL" clId="{F6D2B1F6-82E7-4A84-A384-34466B774B69}" dt="2024-11-29T09:48:45.760" v="77" actId="20577"/>
+          <ac:spMkLst>
+            <pc:docMk/>
+            <pc:sldMk cId="172328536" sldId="256"/>
+            <ac:spMk id="4" creationId="{708488F1-92D7-254A-A373-03160DC753D3}"/>
+          </ac:spMkLst>
+        </pc:spChg>
+      </pc:sldChg>
+      <pc:sldChg chg="modSp mod">
+        <pc:chgData name="Mccool, Michael" userId="9022b910-48f5-4b36-ad75-783e2c5f7356" providerId="ADAL" clId="{F6D2B1F6-82E7-4A84-A384-34466B774B69}" dt="2024-11-29T09:49:15.244" v="89" actId="20577"/>
+        <pc:sldMkLst>
+          <pc:docMk/>
+          <pc:sldMk cId="2239956326" sldId="257"/>
+        </pc:sldMkLst>
+        <pc:spChg chg="mod">
+          <ac:chgData name="Mccool, Michael" userId="9022b910-48f5-4b36-ad75-783e2c5f7356" providerId="ADAL" clId="{F6D2B1F6-82E7-4A84-A384-34466B774B69}" dt="2024-11-29T09:49:15.244" v="89" actId="20577"/>
+          <ac:spMkLst>
+            <pc:docMk/>
+            <pc:sldMk cId="2239956326" sldId="257"/>
+            <ac:spMk id="6" creationId="{C403CDDC-3456-C849-BC93-92466B8AD9BE}"/>
+          </ac:spMkLst>
+        </pc:spChg>
+      </pc:sldChg>
+      <pc:sldChg chg="addSp delSp modSp mod">
+        <pc:chgData name="Mccool, Michael" userId="9022b910-48f5-4b36-ad75-783e2c5f7356" providerId="ADAL" clId="{F6D2B1F6-82E7-4A84-A384-34466B774B69}" dt="2024-11-29T10:24:08.256" v="472" actId="20577"/>
+        <pc:sldMkLst>
+          <pc:docMk/>
+          <pc:sldMk cId="7820121" sldId="258"/>
+        </pc:sldMkLst>
+        <pc:spChg chg="mod">
+          <ac:chgData name="Mccool, Michael" userId="9022b910-48f5-4b36-ad75-783e2c5f7356" providerId="ADAL" clId="{F6D2B1F6-82E7-4A84-A384-34466B774B69}" dt="2024-11-29T10:23:06.717" v="433" actId="20577"/>
+          <ac:spMkLst>
+            <pc:docMk/>
+            <pc:sldMk cId="7820121" sldId="258"/>
+            <ac:spMk id="2" creationId="{CA69588A-E604-DC85-2066-D7B5C1DC2F29}"/>
+          </ac:spMkLst>
+        </pc:spChg>
+        <pc:spChg chg="mod">
+          <ac:chgData name="Mccool, Michael" userId="9022b910-48f5-4b36-ad75-783e2c5f7356" providerId="ADAL" clId="{F6D2B1F6-82E7-4A84-A384-34466B774B69}" dt="2024-11-29T09:49:25.803" v="101" actId="20577"/>
+          <ac:spMkLst>
+            <pc:docMk/>
+            <pc:sldMk cId="7820121" sldId="258"/>
+            <ac:spMk id="4" creationId="{3FB245D6-3D50-A687-FDC6-1E7069C831BB}"/>
+          </ac:spMkLst>
+        </pc:spChg>
+        <pc:spChg chg="mod">
+          <ac:chgData name="Mccool, Michael" userId="9022b910-48f5-4b36-ad75-783e2c5f7356" providerId="ADAL" clId="{F6D2B1F6-82E7-4A84-A384-34466B774B69}" dt="2024-11-29T10:21:27.937" v="280" actId="20577"/>
+          <ac:spMkLst>
+            <pc:docMk/>
+            <pc:sldMk cId="7820121" sldId="258"/>
+            <ac:spMk id="10" creationId="{1E88C1A4-0BAA-FF6E-F1DE-A404DCE185F4}"/>
+          </ac:spMkLst>
+        </pc:spChg>
+        <pc:spChg chg="mod">
+          <ac:chgData name="Mccool, Michael" userId="9022b910-48f5-4b36-ad75-783e2c5f7356" providerId="ADAL" clId="{F6D2B1F6-82E7-4A84-A384-34466B774B69}" dt="2024-11-29T10:21:17.924" v="268" actId="20577"/>
+          <ac:spMkLst>
+            <pc:docMk/>
+            <pc:sldMk cId="7820121" sldId="258"/>
+            <ac:spMk id="11" creationId="{5700AC7F-180D-45CF-5638-5E2C1E9F4FDC}"/>
+          </ac:spMkLst>
+        </pc:spChg>
+        <pc:spChg chg="mod">
+          <ac:chgData name="Mccool, Michael" userId="9022b910-48f5-4b36-ad75-783e2c5f7356" providerId="ADAL" clId="{F6D2B1F6-82E7-4A84-A384-34466B774B69}" dt="2024-11-29T10:22:36.592" v="424" actId="14100"/>
+          <ac:spMkLst>
+            <pc:docMk/>
+            <pc:sldMk cId="7820121" sldId="258"/>
+            <ac:spMk id="12" creationId="{AD051246-51C9-F928-7E8F-DED90FE39B53}"/>
+          </ac:spMkLst>
+        </pc:spChg>
+        <pc:spChg chg="mod">
+          <ac:chgData name="Mccool, Michael" userId="9022b910-48f5-4b36-ad75-783e2c5f7356" providerId="ADAL" clId="{F6D2B1F6-82E7-4A84-A384-34466B774B69}" dt="2024-11-29T10:24:08.256" v="472" actId="20577"/>
+          <ac:spMkLst>
+            <pc:docMk/>
+            <pc:sldMk cId="7820121" sldId="258"/>
+            <ac:spMk id="33" creationId="{B4072504-A8CE-D749-C944-D7207B7F9578}"/>
+          </ac:spMkLst>
+        </pc:spChg>
+        <pc:cxnChg chg="add del mod">
+          <ac:chgData name="Mccool, Michael" userId="9022b910-48f5-4b36-ad75-783e2c5f7356" providerId="ADAL" clId="{F6D2B1F6-82E7-4A84-A384-34466B774B69}" dt="2024-11-29T10:22:53.389" v="428" actId="478"/>
+          <ac:cxnSpMkLst>
+            <pc:docMk/>
+            <pc:sldMk cId="7820121" sldId="258"/>
+            <ac:cxnSpMk id="25" creationId="{2C2EB780-A781-157B-378A-D54F3FF7E8F5}"/>
+          </ac:cxnSpMkLst>
+        </pc:cxnChg>
+        <pc:cxnChg chg="mod">
+          <ac:chgData name="Mccool, Michael" userId="9022b910-48f5-4b36-ad75-783e2c5f7356" providerId="ADAL" clId="{F6D2B1F6-82E7-4A84-A384-34466B774B69}" dt="2024-11-29T10:22:36.592" v="424" actId="14100"/>
+          <ac:cxnSpMkLst>
+            <pc:docMk/>
+            <pc:sldMk cId="7820121" sldId="258"/>
+            <ac:cxnSpMk id="27" creationId="{1BB76307-E814-FC56-A677-A79E978AFAAD}"/>
+          </ac:cxnSpMkLst>
+        </pc:cxnChg>
+        <pc:cxnChg chg="mod">
+          <ac:chgData name="Mccool, Michael" userId="9022b910-48f5-4b36-ad75-783e2c5f7356" providerId="ADAL" clId="{F6D2B1F6-82E7-4A84-A384-34466B774B69}" dt="2024-11-29T10:22:36.592" v="424" actId="14100"/>
+          <ac:cxnSpMkLst>
+            <pc:docMk/>
+            <pc:sldMk cId="7820121" sldId="258"/>
+            <ac:cxnSpMk id="30" creationId="{12A1ED80-547A-C81E-98E8-085C1E1E12F2}"/>
+          </ac:cxnSpMkLst>
+        </pc:cxnChg>
+        <pc:cxnChg chg="mod">
+          <ac:chgData name="Mccool, Michael" userId="9022b910-48f5-4b36-ad75-783e2c5f7356" providerId="ADAL" clId="{F6D2B1F6-82E7-4A84-A384-34466B774B69}" dt="2024-11-29T10:23:57.564" v="455" actId="14100"/>
+          <ac:cxnSpMkLst>
+            <pc:docMk/>
+            <pc:sldMk cId="7820121" sldId="258"/>
+            <ac:cxnSpMk id="34" creationId="{75A5CA03-3735-C5AF-BFED-C6C87F829DE1}"/>
+          </ac:cxnSpMkLst>
+        </pc:cxnChg>
+      </pc:sldChg>
+      <pc:sldChg chg="modSp mod">
+        <pc:chgData name="Mccool, Michael" userId="9022b910-48f5-4b36-ad75-783e2c5f7356" providerId="ADAL" clId="{F6D2B1F6-82E7-4A84-A384-34466B774B69}" dt="2024-11-29T11:09:55.090" v="596" actId="20577"/>
+        <pc:sldMkLst>
+          <pc:docMk/>
+          <pc:sldMk cId="164438552" sldId="259"/>
+        </pc:sldMkLst>
+        <pc:spChg chg="mod">
+          <ac:chgData name="Mccool, Michael" userId="9022b910-48f5-4b36-ad75-783e2c5f7356" providerId="ADAL" clId="{F6D2B1F6-82E7-4A84-A384-34466B774B69}" dt="2024-11-29T09:50:28.042" v="198" actId="20577"/>
+          <ac:spMkLst>
+            <pc:docMk/>
+            <pc:sldMk cId="164438552" sldId="259"/>
+            <ac:spMk id="4" creationId="{3FB245D6-3D50-A687-FDC6-1E7069C831BB}"/>
+          </ac:spMkLst>
+        </pc:spChg>
+        <pc:spChg chg="mod">
+          <ac:chgData name="Mccool, Michael" userId="9022b910-48f5-4b36-ad75-783e2c5f7356" providerId="ADAL" clId="{F6D2B1F6-82E7-4A84-A384-34466B774B69}" dt="2024-11-29T11:09:55.090" v="596" actId="20577"/>
+          <ac:spMkLst>
+            <pc:docMk/>
+            <pc:sldMk cId="164438552" sldId="259"/>
+            <ac:spMk id="10" creationId="{1E88C1A4-0BAA-FF6E-F1DE-A404DCE185F4}"/>
+          </ac:spMkLst>
+        </pc:spChg>
+        <pc:spChg chg="mod">
+          <ac:chgData name="Mccool, Michael" userId="9022b910-48f5-4b36-ad75-783e2c5f7356" providerId="ADAL" clId="{F6D2B1F6-82E7-4A84-A384-34466B774B69}" dt="2024-11-29T11:09:48.340" v="584" actId="20577"/>
+          <ac:spMkLst>
+            <pc:docMk/>
+            <pc:sldMk cId="164438552" sldId="259"/>
+            <ac:spMk id="11" creationId="{5700AC7F-180D-45CF-5638-5E2C1E9F4FDC}"/>
+          </ac:spMkLst>
+        </pc:spChg>
+      </pc:sldChg>
+      <pc:sldChg chg="modSp mod">
+        <pc:chgData name="Mccool, Michael" userId="9022b910-48f5-4b36-ad75-783e2c5f7356" providerId="ADAL" clId="{F6D2B1F6-82E7-4A84-A384-34466B774B69}" dt="2024-11-29T09:50:36.134" v="210" actId="20577"/>
         <pc:sldMkLst>
           <pc:docMk/>
           <pc:sldMk cId="868142888" sldId="260"/>
@@ -174,9 +331,32 @@
             <ac:spMk id="3" creationId="{F54CD475-00EA-85CF-318A-DD9C80F09357}"/>
           </ac:spMkLst>
         </pc:spChg>
+        <pc:spChg chg="mod">
+          <ac:chgData name="Mccool, Michael" userId="9022b910-48f5-4b36-ad75-783e2c5f7356" providerId="ADAL" clId="{F6D2B1F6-82E7-4A84-A384-34466B774B69}" dt="2024-11-29T09:50:36.134" v="210" actId="20577"/>
+          <ac:spMkLst>
+            <pc:docMk/>
+            <pc:sldMk cId="868142888" sldId="260"/>
+            <ac:spMk id="4" creationId="{FC0324D6-CCAD-24D7-9788-A5224D187440}"/>
+          </ac:spMkLst>
+        </pc:spChg>
       </pc:sldChg>
       <pc:sldChg chg="modSp mod">
-        <pc:chgData name="Mccool, Michael" userId="9022b910-48f5-4b36-ad75-783e2c5f7356" providerId="ADAL" clId="{F6D2B1F6-82E7-4A84-A384-34466B774B69}" dt="2024-11-29T09:16:26.290" v="11" actId="27636"/>
+        <pc:chgData name="Mccool, Michael" userId="9022b910-48f5-4b36-ad75-783e2c5f7356" providerId="ADAL" clId="{F6D2B1F6-82E7-4A84-A384-34466B774B69}" dt="2024-11-29T09:50:47.616" v="232" actId="20577"/>
+        <pc:sldMkLst>
+          <pc:docMk/>
+          <pc:sldMk cId="1516491476" sldId="261"/>
+        </pc:sldMkLst>
+        <pc:spChg chg="mod">
+          <ac:chgData name="Mccool, Michael" userId="9022b910-48f5-4b36-ad75-783e2c5f7356" providerId="ADAL" clId="{F6D2B1F6-82E7-4A84-A384-34466B774B69}" dt="2024-11-29T09:50:47.616" v="232" actId="20577"/>
+          <ac:spMkLst>
+            <pc:docMk/>
+            <pc:sldMk cId="1516491476" sldId="261"/>
+            <ac:spMk id="4" creationId="{8EC9F71E-D9A0-1887-F7E3-880607CCFD88}"/>
+          </ac:spMkLst>
+        </pc:spChg>
+      </pc:sldChg>
+      <pc:sldChg chg="modSp mod">
+        <pc:chgData name="Mccool, Michael" userId="9022b910-48f5-4b36-ad75-783e2c5f7356" providerId="ADAL" clId="{F6D2B1F6-82E7-4A84-A384-34466B774B69}" dt="2024-11-29T09:50:53.103" v="244" actId="20577"/>
         <pc:sldMkLst>
           <pc:docMk/>
           <pc:sldMk cId="946746563" sldId="263"/>
@@ -189,6 +369,189 @@
             <ac:spMk id="3" creationId="{7F0EBC67-8742-919E-17D8-C6F2A6E96979}"/>
           </ac:spMkLst>
         </pc:spChg>
+        <pc:spChg chg="mod">
+          <ac:chgData name="Mccool, Michael" userId="9022b910-48f5-4b36-ad75-783e2c5f7356" providerId="ADAL" clId="{F6D2B1F6-82E7-4A84-A384-34466B774B69}" dt="2024-11-29T09:50:53.103" v="244" actId="20577"/>
+          <ac:spMkLst>
+            <pc:docMk/>
+            <pc:sldMk cId="946746563" sldId="263"/>
+            <ac:spMk id="4" creationId="{AB1CC309-C96B-D3EF-4F11-81381327840A}"/>
+          </ac:spMkLst>
+        </pc:spChg>
+      </pc:sldChg>
+      <pc:sldChg chg="modSp mod">
+        <pc:chgData name="Mccool, Michael" userId="9022b910-48f5-4b36-ad75-783e2c5f7356" providerId="ADAL" clId="{F6D2B1F6-82E7-4A84-A384-34466B774B69}" dt="2024-11-29T09:49:37.136" v="131" actId="20577"/>
+        <pc:sldMkLst>
+          <pc:docMk/>
+          <pc:sldMk cId="2251823845" sldId="265"/>
+        </pc:sldMkLst>
+        <pc:spChg chg="mod">
+          <ac:chgData name="Mccool, Michael" userId="9022b910-48f5-4b36-ad75-783e2c5f7356" providerId="ADAL" clId="{F6D2B1F6-82E7-4A84-A384-34466B774B69}" dt="2024-11-29T09:49:37.136" v="131" actId="20577"/>
+          <ac:spMkLst>
+            <pc:docMk/>
+            <pc:sldMk cId="2251823845" sldId="265"/>
+            <ac:spMk id="4" creationId="{DA4CFF18-CB81-C769-6110-7D2674DA1D38}"/>
+          </ac:spMkLst>
+        </pc:spChg>
+      </pc:sldChg>
+      <pc:sldChg chg="modSp mod">
+        <pc:chgData name="Mccool, Michael" userId="9022b910-48f5-4b36-ad75-783e2c5f7356" providerId="ADAL" clId="{F6D2B1F6-82E7-4A84-A384-34466B774B69}" dt="2024-11-29T09:50:13.136" v="176" actId="20577"/>
+        <pc:sldMkLst>
+          <pc:docMk/>
+          <pc:sldMk cId="2351600870" sldId="266"/>
+        </pc:sldMkLst>
+        <pc:spChg chg="mod">
+          <ac:chgData name="Mccool, Michael" userId="9022b910-48f5-4b36-ad75-783e2c5f7356" providerId="ADAL" clId="{F6D2B1F6-82E7-4A84-A384-34466B774B69}" dt="2024-11-29T09:50:13.136" v="176" actId="20577"/>
+          <ac:spMkLst>
+            <pc:docMk/>
+            <pc:sldMk cId="2351600870" sldId="266"/>
+            <ac:spMk id="4" creationId="{DA4CFF18-CB81-C769-6110-7D2674DA1D38}"/>
+          </ac:spMkLst>
+        </pc:spChg>
+      </pc:sldChg>
+      <pc:sldChg chg="modSp mod">
+        <pc:chgData name="Mccool, Michael" userId="9022b910-48f5-4b36-ad75-783e2c5f7356" providerId="ADAL" clId="{F6D2B1F6-82E7-4A84-A384-34466B774B69}" dt="2024-11-29T09:49:53.502" v="152" actId="20577"/>
+        <pc:sldMkLst>
+          <pc:docMk/>
+          <pc:sldMk cId="1689043559" sldId="267"/>
+        </pc:sldMkLst>
+        <pc:spChg chg="mod">
+          <ac:chgData name="Mccool, Michael" userId="9022b910-48f5-4b36-ad75-783e2c5f7356" providerId="ADAL" clId="{F6D2B1F6-82E7-4A84-A384-34466B774B69}" dt="2024-11-29T09:49:53.502" v="152" actId="20577"/>
+          <ac:spMkLst>
+            <pc:docMk/>
+            <pc:sldMk cId="1689043559" sldId="267"/>
+            <ac:spMk id="4" creationId="{88B61E79-BDC2-AE20-45FB-743225958058}"/>
+          </ac:spMkLst>
+        </pc:spChg>
+      </pc:sldChg>
+      <pc:sldChg chg="modSp mod">
+        <pc:chgData name="Mccool, Michael" userId="9022b910-48f5-4b36-ad75-783e2c5f7356" providerId="ADAL" clId="{F6D2B1F6-82E7-4A84-A384-34466B774B69}" dt="2024-11-29T09:50:59.533" v="256" actId="20577"/>
+        <pc:sldMkLst>
+          <pc:docMk/>
+          <pc:sldMk cId="1111354711" sldId="268"/>
+        </pc:sldMkLst>
+        <pc:spChg chg="mod">
+          <ac:chgData name="Mccool, Michael" userId="9022b910-48f5-4b36-ad75-783e2c5f7356" providerId="ADAL" clId="{F6D2B1F6-82E7-4A84-A384-34466B774B69}" dt="2024-11-29T09:50:59.533" v="256" actId="20577"/>
+          <ac:spMkLst>
+            <pc:docMk/>
+            <pc:sldMk cId="1111354711" sldId="268"/>
+            <ac:spMk id="4" creationId="{F0163247-FC3A-0E7A-B262-3D59C7A10154}"/>
+          </ac:spMkLst>
+        </pc:spChg>
+      </pc:sldChg>
+      <pc:sldChg chg="modSp mod">
+        <pc:chgData name="Mccool, Michael" userId="9022b910-48f5-4b36-ad75-783e2c5f7356" providerId="ADAL" clId="{F6D2B1F6-82E7-4A84-A384-34466B774B69}" dt="2024-11-29T09:50:06.479" v="164" actId="20577"/>
+        <pc:sldMkLst>
+          <pc:docMk/>
+          <pc:sldMk cId="1388342694" sldId="269"/>
+        </pc:sldMkLst>
+        <pc:spChg chg="mod">
+          <ac:chgData name="Mccool, Michael" userId="9022b910-48f5-4b36-ad75-783e2c5f7356" providerId="ADAL" clId="{F6D2B1F6-82E7-4A84-A384-34466B774B69}" dt="2024-11-29T09:50:06.479" v="164" actId="20577"/>
+          <ac:spMkLst>
+            <pc:docMk/>
+            <pc:sldMk cId="1388342694" sldId="269"/>
+            <ac:spMk id="4" creationId="{DA4CFF18-CB81-C769-6110-7D2674DA1D38}"/>
+          </ac:spMkLst>
+        </pc:spChg>
+      </pc:sldChg>
+      <pc:sldChg chg="modSp mod">
+        <pc:chgData name="Mccool, Michael" userId="9022b910-48f5-4b36-ad75-783e2c5f7356" providerId="ADAL" clId="{F6D2B1F6-82E7-4A84-A384-34466B774B69}" dt="2024-11-29T09:49:42.258" v="140" actId="20577"/>
+        <pc:sldMkLst>
+          <pc:docMk/>
+          <pc:sldMk cId="647747090" sldId="270"/>
+        </pc:sldMkLst>
+        <pc:spChg chg="mod">
+          <ac:chgData name="Mccool, Michael" userId="9022b910-48f5-4b36-ad75-783e2c5f7356" providerId="ADAL" clId="{F6D2B1F6-82E7-4A84-A384-34466B774B69}" dt="2024-11-29T09:49:42.258" v="140" actId="20577"/>
+          <ac:spMkLst>
+            <pc:docMk/>
+            <pc:sldMk cId="647747090" sldId="270"/>
+            <ac:spMk id="4" creationId="{6E94C948-FC6C-16B5-8840-C8832351E29E}"/>
+          </ac:spMkLst>
+        </pc:spChg>
+      </pc:sldChg>
+      <pc:sldChg chg="modSp mod">
+        <pc:chgData name="Mccool, Michael" userId="9022b910-48f5-4b36-ad75-783e2c5f7356" providerId="ADAL" clId="{F6D2B1F6-82E7-4A84-A384-34466B774B69}" dt="2024-11-29T09:49:31.323" v="110" actId="20577"/>
+        <pc:sldMkLst>
+          <pc:docMk/>
+          <pc:sldMk cId="2098326459" sldId="271"/>
+        </pc:sldMkLst>
+        <pc:spChg chg="mod">
+          <ac:chgData name="Mccool, Michael" userId="9022b910-48f5-4b36-ad75-783e2c5f7356" providerId="ADAL" clId="{F6D2B1F6-82E7-4A84-A384-34466B774B69}" dt="2024-11-29T09:49:31.323" v="110" actId="20577"/>
+          <ac:spMkLst>
+            <pc:docMk/>
+            <pc:sldMk cId="2098326459" sldId="271"/>
+            <ac:spMk id="4" creationId="{2612E129-339C-67B4-536E-1621186A7AC1}"/>
+          </ac:spMkLst>
+        </pc:spChg>
+      </pc:sldChg>
+      <pc:sldChg chg="modSp mod">
+        <pc:chgData name="Mccool, Michael" userId="9022b910-48f5-4b36-ad75-783e2c5f7356" providerId="ADAL" clId="{F6D2B1F6-82E7-4A84-A384-34466B774B69}" dt="2024-11-29T09:50:41.796" v="220" actId="20577"/>
+        <pc:sldMkLst>
+          <pc:docMk/>
+          <pc:sldMk cId="380438929" sldId="272"/>
+        </pc:sldMkLst>
+        <pc:spChg chg="mod">
+          <ac:chgData name="Mccool, Michael" userId="9022b910-48f5-4b36-ad75-783e2c5f7356" providerId="ADAL" clId="{F6D2B1F6-82E7-4A84-A384-34466B774B69}" dt="2024-11-29T09:50:41.796" v="220" actId="20577"/>
+          <ac:spMkLst>
+            <pc:docMk/>
+            <pc:sldMk cId="380438929" sldId="272"/>
+            <ac:spMk id="4" creationId="{D1B5EC43-454F-9F9A-6AAF-35DECCEA12C9}"/>
+          </ac:spMkLst>
+        </pc:spChg>
+      </pc:sldChg>
+      <pc:sldChg chg="addSp delSp modSp add mod modAnim">
+        <pc:chgData name="Mccool, Michael" userId="9022b910-48f5-4b36-ad75-783e2c5f7356" providerId="ADAL" clId="{F6D2B1F6-82E7-4A84-A384-34466B774B69}" dt="2024-11-29T10:27:09.711" v="572"/>
+        <pc:sldMkLst>
+          <pc:docMk/>
+          <pc:sldMk cId="1834871051" sldId="275"/>
+        </pc:sldMkLst>
+        <pc:spChg chg="mod">
+          <ac:chgData name="Mccool, Michael" userId="9022b910-48f5-4b36-ad75-783e2c5f7356" providerId="ADAL" clId="{F6D2B1F6-82E7-4A84-A384-34466B774B69}" dt="2024-11-29T10:26:22.814" v="571" actId="20577"/>
+          <ac:spMkLst>
+            <pc:docMk/>
+            <pc:sldMk cId="1834871051" sldId="275"/>
+            <ac:spMk id="2" creationId="{CA69588A-E604-DC85-2066-D7B5C1DC2F29}"/>
+          </ac:spMkLst>
+        </pc:spChg>
+        <pc:spChg chg="del">
+          <ac:chgData name="Mccool, Michael" userId="9022b910-48f5-4b36-ad75-783e2c5f7356" providerId="ADAL" clId="{F6D2B1F6-82E7-4A84-A384-34466B774B69}" dt="2024-11-29T10:23:26.910" v="449" actId="478"/>
+          <ac:spMkLst>
+            <pc:docMk/>
+            <pc:sldMk cId="1834871051" sldId="275"/>
+            <ac:spMk id="12" creationId="{AD051246-51C9-F928-7E8F-DED90FE39B53}"/>
+          </ac:spMkLst>
+        </pc:spChg>
+        <pc:spChg chg="add mod">
+          <ac:chgData name="Mccool, Michael" userId="9022b910-48f5-4b36-ad75-783e2c5f7356" providerId="ADAL" clId="{F6D2B1F6-82E7-4A84-A384-34466B774B69}" dt="2024-11-29T10:26:05.199" v="562" actId="20577"/>
+          <ac:spMkLst>
+            <pc:docMk/>
+            <pc:sldMk cId="1834871051" sldId="275"/>
+            <ac:spMk id="23" creationId="{C0299CCA-0A9E-66C8-C627-8C64901EFA8C}"/>
+          </ac:spMkLst>
+        </pc:spChg>
+        <pc:cxnChg chg="del mod">
+          <ac:chgData name="Mccool, Michael" userId="9022b910-48f5-4b36-ad75-783e2c5f7356" providerId="ADAL" clId="{F6D2B1F6-82E7-4A84-A384-34466B774B69}" dt="2024-11-29T10:23:38.255" v="452" actId="478"/>
+          <ac:cxnSpMkLst>
+            <pc:docMk/>
+            <pc:sldMk cId="1834871051" sldId="275"/>
+            <ac:cxnSpMk id="27" creationId="{1BB76307-E814-FC56-A677-A79E978AFAAD}"/>
+          </ac:cxnSpMkLst>
+        </pc:cxnChg>
+        <pc:cxnChg chg="mod">
+          <ac:chgData name="Mccool, Michael" userId="9022b910-48f5-4b36-ad75-783e2c5f7356" providerId="ADAL" clId="{F6D2B1F6-82E7-4A84-A384-34466B774B69}" dt="2024-11-29T10:24:46.974" v="477" actId="14100"/>
+          <ac:cxnSpMkLst>
+            <pc:docMk/>
+            <pc:sldMk cId="1834871051" sldId="275"/>
+            <ac:cxnSpMk id="30" creationId="{12A1ED80-547A-C81E-98E8-085C1E1E12F2}"/>
+          </ac:cxnSpMkLst>
+        </pc:cxnChg>
+        <pc:cxnChg chg="mod">
+          <ac:chgData name="Mccool, Michael" userId="9022b910-48f5-4b36-ad75-783e2c5f7356" providerId="ADAL" clId="{F6D2B1F6-82E7-4A84-A384-34466B774B69}" dt="2024-11-29T10:23:30.894" v="450" actId="14100"/>
+          <ac:cxnSpMkLst>
+            <pc:docMk/>
+            <pc:sldMk cId="1834871051" sldId="275"/>
+            <ac:cxnSpMk id="34" creationId="{75A5CA03-3735-C5AF-BFED-C6C87F829DE1}"/>
+          </ac:cxnSpMkLst>
+        </pc:cxnChg>
       </pc:sldChg>
     </pc:docChg>
   </pc:docChgLst>
@@ -5279,13 +5642,13 @@
           <a:p>
             <a:r>
               <a:rPr lang="en-US" dirty="0"/>
-              <a:t>26 September 2024/24 October 2024 (update)</a:t>
-            </a:r>
-          </a:p>
-          <a:p>
-            <a:r>
-              <a:rPr lang="en-US" dirty="0"/>
-              <a:t>TPAC 2024</a:t>
+              <a:t>29 November 2024</a:t>
+            </a:r>
+          </a:p>
+          <a:p>
+            <a:r>
+              <a:rPr lang="en-US" dirty="0"/>
+              <a:t>WoT F2F 2024</a:t>
             </a:r>
           </a:p>
         </p:txBody>
@@ -5313,7 +5676,7 @@
           <a:p>
             <a:r>
               <a:rPr lang="en-US" dirty="0"/>
-              <a:t>W3C Web of Things (WoT) WG/IG – TPAC 2024</a:t>
+              <a:t>W3C Web of Things (WoT) WG/IG – WoT F2F 2024</a:t>
             </a:r>
           </a:p>
         </p:txBody>
@@ -5353,7 +5716,7 @@
           <p:cNvPr id="2" name="Title 1">
             <a:extLst>
               <a:ext uri="{FF2B5EF4-FFF2-40B4-BE49-F238E27FC236}">
-                <a16:creationId xmlns:a16="http://schemas.microsoft.com/office/drawing/2014/main" id="{27BD08AE-A7D3-A7CC-2D3B-9A42401070CD}"/>
+                <a16:creationId xmlns:a16="http://schemas.microsoft.com/office/drawing/2014/main" id="{769E973D-CE91-F537-C36E-42E63A38EE3B}"/>
               </a:ext>
             </a:extLst>
           </p:cNvPr>
@@ -5370,10 +5733,9 @@
           <a:lstStyle/>
           <a:p>
             <a:r>
-              <a:rPr lang="en-US" dirty="0"/>
-              <a:t>Requirements Test Case 1</a:t>
-            </a:r>
-            <a:endParaRPr lang="en-CA" dirty="0"/>
+              <a:rPr lang="en-CA" dirty="0"/>
+              <a:t>Requirements: Examples </a:t>
+            </a:r>
           </a:p>
         </p:txBody>
       </p:sp>
@@ -5382,7 +5744,7 @@
           <p:cNvPr id="3" name="Content Placeholder 2">
             <a:extLst>
               <a:ext uri="{FF2B5EF4-FFF2-40B4-BE49-F238E27FC236}">
-                <a16:creationId xmlns:a16="http://schemas.microsoft.com/office/drawing/2014/main" id="{A7A65574-2940-B2C1-135F-514C1822D384}"/>
+                <a16:creationId xmlns:a16="http://schemas.microsoft.com/office/drawing/2014/main" id="{D013F29C-27EF-B00F-BC36-D2551C84A203}"/>
               </a:ext>
             </a:extLst>
           </p:cNvPr>
@@ -5396,7 +5758,7 @@
         <p:spPr/>
         <p:txBody>
           <a:bodyPr>
-            <a:normAutofit fontScale="92500"/>
+            <a:normAutofit fontScale="92500" lnSpcReduction="10000"/>
           </a:bodyPr>
           <a:lstStyle/>
           <a:p>
@@ -5404,98 +5766,153 @@
               <a:buNone/>
             </a:pPr>
             <a:r>
-              <a:rPr lang="en-US" dirty="0"/>
-              <a:t>See </a:t>
-            </a:r>
-            <a:r>
-              <a:rPr lang="en-US" dirty="0">
+              <a:rPr lang="en-CA" dirty="0"/>
+              <a:t>Based on </a:t>
+            </a:r>
+            <a:r>
+              <a:rPr lang="en-CA" dirty="0">
                 <a:hlinkClick r:id="rId2"/>
               </a:rPr>
-              <a:t>https://w3c.github.io/wot-usecases/#sec-user-stories</a:t>
-            </a:r>
-            <a:endParaRPr lang="en-US" dirty="0"/>
-          </a:p>
-          <a:p>
-            <a:pPr marL="0" indent="0">
-              <a:buNone/>
-            </a:pPr>
-            <a:r>
-              <a:rPr lang="en-US" b="1" dirty="0"/>
-              <a:t>5.1.1 Connection Oriented Protocols</a:t>
-            </a:r>
-          </a:p>
-          <a:p>
-            <a:r>
-              <a:rPr lang="en-US" b="1" dirty="0"/>
-              <a:t>Who (As a...):</a:t>
-            </a:r>
-          </a:p>
-          <a:p>
-            <a:pPr lvl="1"/>
-            <a:r>
-              <a:rPr lang="en-US" dirty="0"/>
-              <a:t>Deployer of devices with connection oriented protocols.</a:t>
-            </a:r>
-          </a:p>
-          <a:p>
-            <a:r>
-              <a:rPr lang="en-US" b="1" dirty="0"/>
-              <a:t>What (I need...):</a:t>
-            </a:r>
-          </a:p>
-          <a:p>
-            <a:pPr lvl="1"/>
-            <a:r>
-              <a:rPr lang="en-US" dirty="0"/>
-              <a:t>Reusable Connection descriptions in a TD.</a:t>
-            </a:r>
-          </a:p>
-          <a:p>
-            <a:pPr lvl="1"/>
-            <a:r>
-              <a:rPr lang="en-US" b="1" dirty="0"/>
-              <a:t>Details: </a:t>
-            </a:r>
-            <a:r>
-              <a:rPr lang="en-US" dirty="0"/>
-              <a:t>For protocols that are based on an initial connection and then subsequent messages, a Consumer can reuse the initial connection rather than opening a new connection each time.</a:t>
-            </a:r>
-          </a:p>
-          <a:p>
-            <a:r>
-              <a:rPr lang="en-US" b="1" dirty="0"/>
-              <a:t>Why (so that I can...):</a:t>
-            </a:r>
-          </a:p>
-          <a:p>
-            <a:pPr lvl="1"/>
-            <a:r>
-              <a:rPr lang="en-US" dirty="0"/>
-              <a:t>Better describe connection oriented protocols such as MQTT and </a:t>
-            </a:r>
-            <a:r>
-              <a:rPr lang="en-US" dirty="0" err="1"/>
-              <a:t>WebSockets</a:t>
-            </a:r>
-            <a:r>
-              <a:rPr lang="en-US" dirty="0"/>
-              <a:t>.</a:t>
-            </a:r>
-          </a:p>
-          <a:p>
-            <a:pPr lvl="1"/>
-            <a:r>
-              <a:rPr lang="en-US" b="1" dirty="0"/>
-              <a:t>Motivating Use Case: </a:t>
-            </a:r>
-            <a:r>
-              <a:rPr lang="en-US" dirty="0">
-                <a:hlinkClick r:id="rId3"/>
-              </a:rPr>
-              <a:t>Open Field Agriculture</a:t>
+              <a:t>https://github.com/w3c/wot-thing-description/issues/2039</a:t>
             </a:r>
             <a:endParaRPr lang="en-CA" dirty="0"/>
           </a:p>
+          <a:p>
+            <a:r>
+              <a:rPr lang="en-CA" dirty="0"/>
+              <a:t>As a </a:t>
+            </a:r>
+            <a:r>
+              <a:rPr lang="en-CA" b="1" i="1" dirty="0"/>
+              <a:t>consumer of WoT TDs</a:t>
+            </a:r>
+            <a:r>
+              <a:rPr lang="en-CA" dirty="0"/>
+              <a:t>, </a:t>
+            </a:r>
+            <a:br>
+              <a:rPr lang="en-CA" dirty="0"/>
+            </a:br>
+            <a:r>
+              <a:rPr lang="en-CA" dirty="0"/>
+              <a:t>I want </a:t>
+            </a:r>
+            <a:r>
+              <a:rPr lang="en-CA" b="1" i="1" dirty="0"/>
+              <a:t>to know when or if writing a property returns a value</a:t>
+            </a:r>
+            <a:br>
+              <a:rPr lang="en-CA" dirty="0"/>
+            </a:br>
+            <a:r>
+              <a:rPr lang="en-CA" dirty="0"/>
+              <a:t>so that </a:t>
+            </a:r>
+            <a:r>
+              <a:rPr lang="en-CA" b="1" i="1" dirty="0"/>
+              <a:t>I can understand when I can use this value to confirm writes.</a:t>
+            </a:r>
+          </a:p>
+          <a:p>
+            <a:r>
+              <a:rPr lang="en-CA" dirty="0"/>
+              <a:t>As a </a:t>
+            </a:r>
+            <a:r>
+              <a:rPr lang="en-CA" b="1" i="1" dirty="0"/>
+              <a:t>producer of WoT TDs</a:t>
+            </a:r>
+            <a:r>
+              <a:rPr lang="en-CA" dirty="0"/>
+              <a:t>, </a:t>
+            </a:r>
+            <a:br>
+              <a:rPr lang="en-CA" dirty="0"/>
+            </a:br>
+            <a:r>
+              <a:rPr lang="en-CA" dirty="0"/>
+              <a:t>I want </a:t>
+            </a:r>
+            <a:r>
+              <a:rPr lang="en-CA" b="1" i="1" dirty="0"/>
+              <a:t>to be able to specify simple security schemes inline</a:t>
+            </a:r>
+            <a:br>
+              <a:rPr lang="en-CA" i="1" dirty="0"/>
+            </a:br>
+            <a:r>
+              <a:rPr lang="en-CA" dirty="0"/>
+              <a:t>so that </a:t>
+            </a:r>
+            <a:r>
+              <a:rPr lang="en-CA" b="1" i="1" dirty="0"/>
+              <a:t>TDs are less verbose and easier to write in simple cases.</a:t>
+            </a:r>
+          </a:p>
+          <a:p>
+            <a:r>
+              <a:rPr lang="en-CA" dirty="0"/>
+              <a:t>As a </a:t>
+            </a:r>
+            <a:r>
+              <a:rPr lang="en-CA" b="1" i="1" dirty="0"/>
+              <a:t>consumer of WoT TDs,</a:t>
+            </a:r>
+            <a:br>
+              <a:rPr lang="en-CA" b="1" i="1" dirty="0"/>
+            </a:br>
+            <a:r>
+              <a:rPr lang="en-CA" dirty="0"/>
+              <a:t>I want </a:t>
+            </a:r>
+            <a:r>
+              <a:rPr lang="en-CA" b="1" i="1" dirty="0"/>
+              <a:t>to identify TDs limited to a finite feature subset</a:t>
+            </a:r>
+            <a:br>
+              <a:rPr lang="en-CA" b="1" i="1" dirty="0"/>
+            </a:br>
+            <a:r>
+              <a:rPr lang="en-CA" dirty="0"/>
+              <a:t>so that </a:t>
+            </a:r>
+            <a:r>
+              <a:rPr lang="en-CA" b="1" i="1" dirty="0"/>
+              <a:t>I can ensure interoperability.</a:t>
+            </a:r>
+          </a:p>
+          <a:p>
+            <a:r>
+              <a:rPr lang="en-CA" dirty="0"/>
+              <a:t>As a </a:t>
+            </a:r>
+            <a:r>
+              <a:rPr lang="en-CA" b="1" i="1" dirty="0"/>
+              <a:t>producer of WoT TDs,</a:t>
+            </a:r>
+            <a:br>
+              <a:rPr lang="en-CA" b="1" i="1" dirty="0"/>
+            </a:br>
+            <a:r>
+              <a:rPr lang="en-CA" dirty="0"/>
+              <a:t>I want </a:t>
+            </a:r>
+            <a:r>
+              <a:rPr lang="en-CA" b="1" i="1" dirty="0"/>
+              <a:t>to signal when TDs have been limited to a finite feature subset</a:t>
+            </a:r>
+            <a:br>
+              <a:rPr lang="en-CA" b="1" i="1" dirty="0"/>
+            </a:br>
+            <a:r>
+              <a:rPr lang="en-CA" dirty="0"/>
+              <a:t>so that </a:t>
+            </a:r>
+            <a:r>
+              <a:rPr lang="en-CA" b="1" i="1" dirty="0"/>
+              <a:t>I can ensure interoperability.</a:t>
+            </a:r>
+          </a:p>
         </p:txBody>
       </p:sp>
       <p:sp>
@@ -5503,7 +5920,7 @@
           <p:cNvPr id="4" name="Footer Placeholder 3">
             <a:extLst>
               <a:ext uri="{FF2B5EF4-FFF2-40B4-BE49-F238E27FC236}">
-                <a16:creationId xmlns:a16="http://schemas.microsoft.com/office/drawing/2014/main" id="{5498D644-9A4E-CEB1-085E-14A2BF250BF6}"/>
+                <a16:creationId xmlns:a16="http://schemas.microsoft.com/office/drawing/2014/main" id="{DA4CFF18-CB81-C769-6110-7D2674DA1D38}"/>
               </a:ext>
             </a:extLst>
           </p:cNvPr>
@@ -5520,7 +5937,7 @@
           <a:lstStyle/>
           <a:p>
             <a:r>
-              <a:rPr lang="en-US"/>
+              <a:rPr lang="en-US" dirty="0"/>
               <a:t>W3C Web of Things (WoT) WG/IG</a:t>
             </a:r>
           </a:p>
@@ -5531,7 +5948,7 @@
           <p:cNvPr id="5" name="Slide Number Placeholder 4">
             <a:extLst>
               <a:ext uri="{FF2B5EF4-FFF2-40B4-BE49-F238E27FC236}">
-                <a16:creationId xmlns:a16="http://schemas.microsoft.com/office/drawing/2014/main" id="{0B77BF06-DBCD-F2EF-712D-331E2AF59DE8}"/>
+                <a16:creationId xmlns:a16="http://schemas.microsoft.com/office/drawing/2014/main" id="{79A95C01-BB2A-CD05-C1DE-85A40A68DCAE}"/>
               </a:ext>
             </a:extLst>
           </p:cNvPr>
@@ -5560,7 +5977,7 @@
           <p:cNvPr id="6" name="Date Placeholder 5">
             <a:extLst>
               <a:ext uri="{FF2B5EF4-FFF2-40B4-BE49-F238E27FC236}">
-                <a16:creationId xmlns:a16="http://schemas.microsoft.com/office/drawing/2014/main" id="{E95D477F-BCBB-D7E7-3DFA-31F096C2D32E}"/>
+                <a16:creationId xmlns:a16="http://schemas.microsoft.com/office/drawing/2014/main" id="{DF295013-68B0-18F5-660A-EF1F187929AE}"/>
               </a:ext>
             </a:extLst>
           </p:cNvPr>
@@ -5576,18 +5993,17 @@
           <a:bodyPr/>
           <a:lstStyle/>
           <a:p>
-            <a:fld id="{B929AB1E-7FD9-0A40-B7C0-508CCACB3E9A}" type="datetime1">
-              <a:rPr lang="en-CA" smtClean="0"/>
-              <a:t>2024-11-29</a:t>
-            </a:fld>
-            <a:endParaRPr lang="en-US"/>
+            <a:r>
+              <a:rPr lang="en-CA" dirty="0"/>
+              <a:t>2024-09-26</a:t>
+            </a:r>
           </a:p>
         </p:txBody>
       </p:sp>
     </p:spTree>
     <p:extLst>
       <p:ext uri="{BB962C8B-B14F-4D97-AF65-F5344CB8AC3E}">
-        <p14:creationId xmlns:p14="http://schemas.microsoft.com/office/powerpoint/2010/main" val="3803658581"/>
+        <p14:creationId xmlns:p14="http://schemas.microsoft.com/office/powerpoint/2010/main" val="2351600870"/>
       </p:ext>
     </p:extLst>
   </p:cSld>
@@ -5637,7 +6053,7 @@
           <a:p>
             <a:r>
               <a:rPr lang="en-US" dirty="0"/>
-              <a:t>Requirements Test Case 2</a:t>
+              <a:t>Requirements Test Case 1</a:t>
             </a:r>
             <a:endParaRPr lang="en-CA" dirty="0"/>
           </a:p>
@@ -5662,7 +6078,7 @@
         <p:spPr/>
         <p:txBody>
           <a:bodyPr>
-            <a:normAutofit fontScale="85000" lnSpcReduction="20000"/>
+            <a:normAutofit fontScale="92500"/>
           </a:bodyPr>
           <a:lstStyle/>
           <a:p>
@@ -5687,7 +6103,7 @@
             </a:pPr>
             <a:r>
               <a:rPr lang="en-US" b="1" dirty="0"/>
-              <a:t>5.1.2 Reusable Defaults per TD</a:t>
+              <a:t>5.1.1 Connection Oriented Protocols</a:t>
             </a:r>
           </a:p>
           <a:p>
@@ -5700,7 +6116,7 @@
             <a:pPr lvl="1"/>
             <a:r>
               <a:rPr lang="en-US" dirty="0"/>
-              <a:t>Designer/Developer of TDs</a:t>
+              <a:t>Deployer of devices with connection oriented protocols.</a:t>
             </a:r>
           </a:p>
           <a:p>
@@ -5713,7 +6129,18 @@
             <a:pPr lvl="1"/>
             <a:r>
               <a:rPr lang="en-US" dirty="0"/>
-              <a:t>Reusable Connection descriptions in a TD</a:t>
+              <a:t>Reusable Connection descriptions in a TD.</a:t>
+            </a:r>
+          </a:p>
+          <a:p>
+            <a:pPr lvl="1"/>
+            <a:r>
+              <a:rPr lang="en-US" b="1" dirty="0"/>
+              <a:t>Details: </a:t>
+            </a:r>
+            <a:r>
+              <a:rPr lang="en-US" dirty="0"/>
+              <a:t>For protocols that are based on an initial connection and then subsequent messages, a Consumer can reuse the initial connection rather than opening a new connection each time.</a:t>
             </a:r>
           </a:p>
           <a:p>
@@ -5726,73 +6153,28 @@
             <a:pPr lvl="1"/>
             <a:r>
               <a:rPr lang="en-US" dirty="0"/>
-              <a:t>Simplify TDs in cases without usage of default terms or to avoid redundancy</a:t>
+              <a:t>Better describe connection oriented protocols such as MQTT and </a:t>
+            </a:r>
+            <a:r>
+              <a:rPr lang="en-US" dirty="0" err="1"/>
+              <a:t>WebSockets</a:t>
+            </a:r>
+            <a:r>
+              <a:rPr lang="en-US" dirty="0"/>
+              <a:t>.</a:t>
             </a:r>
           </a:p>
           <a:p>
             <a:pPr lvl="1"/>
             <a:r>
               <a:rPr lang="en-US" b="1" dirty="0"/>
-              <a:t>Motivating Use Case Category: </a:t>
+              <a:t>Motivating Use Case: </a:t>
             </a:r>
             <a:r>
               <a:rPr lang="en-US" dirty="0">
                 <a:hlinkClick r:id="rId3"/>
               </a:rPr>
-              <a:t>TD Creation Simplification</a:t>
-            </a:r>
-            <a:r>
-              <a:rPr lang="en-US" dirty="0"/>
-              <a:t>.</a:t>
-            </a:r>
-          </a:p>
-          <a:p>
-            <a:pPr lvl="1"/>
-            <a:r>
-              <a:rPr lang="en-US" b="1" dirty="0"/>
-              <a:t>Details: </a:t>
-            </a:r>
-            <a:r>
-              <a:rPr lang="en-US" dirty="0"/>
-              <a:t>There are at least three sub-problems that motivate this feature:</a:t>
-            </a:r>
-          </a:p>
-          <a:p>
-            <a:pPr marL="1371600" lvl="2" indent="-457200">
-              <a:buFont typeface="+mj-lt"/>
-              <a:buAutoNum type="arabicPeriod"/>
-            </a:pPr>
-            <a:r>
-              <a:rPr lang="en-US" dirty="0"/>
-              <a:t>If the media type is common across forms but is not application/</a:t>
-            </a:r>
-            <a:r>
-              <a:rPr lang="en-US" dirty="0" err="1"/>
-              <a:t>json</a:t>
-            </a:r>
-            <a:r>
-              <a:rPr lang="en-US" dirty="0"/>
-              <a:t>, it otherwise needs to be repeated in each form.</a:t>
-            </a:r>
-          </a:p>
-          <a:p>
-            <a:pPr marL="1371600" lvl="2" indent="-457200">
-              <a:buFont typeface="+mj-lt"/>
-              <a:buAutoNum type="arabicPeriod"/>
-            </a:pPr>
-            <a:r>
-              <a:rPr lang="en-US" dirty="0"/>
-              <a:t>If there are common protocol stack configurations such as different default verbs, baud rates, and endianness, they otherwise need to be repeated in each form.</a:t>
-            </a:r>
-          </a:p>
-          <a:p>
-            <a:pPr marL="1371600" lvl="2" indent="-457200">
-              <a:buFont typeface="+mj-lt"/>
-              <a:buAutoNum type="arabicPeriod"/>
-            </a:pPr>
-            <a:r>
-              <a:rPr lang="en-US" dirty="0"/>
-              <a:t>Multiple bases are not otherwise possible, so each form repeats multiple bases. This is relevant (for example) when a TD has both local and public IP addresses.</a:t>
+              <a:t>Open Field Agriculture</a:t>
             </a:r>
             <a:endParaRPr lang="en-CA" dirty="0"/>
           </a:p>
@@ -5887,7 +6269,7 @@
     </p:spTree>
     <p:extLst>
       <p:ext uri="{BB962C8B-B14F-4D97-AF65-F5344CB8AC3E}">
-        <p14:creationId xmlns:p14="http://schemas.microsoft.com/office/powerpoint/2010/main" val="3258864522"/>
+        <p14:creationId xmlns:p14="http://schemas.microsoft.com/office/powerpoint/2010/main" val="3803658581"/>
       </p:ext>
     </p:extLst>
   </p:cSld>
@@ -5919,6 +6301,306 @@
           <p:cNvPr id="2" name="Title 1">
             <a:extLst>
               <a:ext uri="{FF2B5EF4-FFF2-40B4-BE49-F238E27FC236}">
+                <a16:creationId xmlns:a16="http://schemas.microsoft.com/office/drawing/2014/main" id="{27BD08AE-A7D3-A7CC-2D3B-9A42401070CD}"/>
+              </a:ext>
+            </a:extLst>
+          </p:cNvPr>
+          <p:cNvSpPr>
+            <a:spLocks noGrp="1"/>
+          </p:cNvSpPr>
+          <p:nvPr>
+            <p:ph type="title"/>
+          </p:nvPr>
+        </p:nvSpPr>
+        <p:spPr/>
+        <p:txBody>
+          <a:bodyPr/>
+          <a:lstStyle/>
+          <a:p>
+            <a:r>
+              <a:rPr lang="en-US" dirty="0"/>
+              <a:t>Requirements Test Case 2</a:t>
+            </a:r>
+            <a:endParaRPr lang="en-CA" dirty="0"/>
+          </a:p>
+        </p:txBody>
+      </p:sp>
+      <p:sp>
+        <p:nvSpPr>
+          <p:cNvPr id="3" name="Content Placeholder 2">
+            <a:extLst>
+              <a:ext uri="{FF2B5EF4-FFF2-40B4-BE49-F238E27FC236}">
+                <a16:creationId xmlns:a16="http://schemas.microsoft.com/office/drawing/2014/main" id="{A7A65574-2940-B2C1-135F-514C1822D384}"/>
+              </a:ext>
+            </a:extLst>
+          </p:cNvPr>
+          <p:cNvSpPr>
+            <a:spLocks noGrp="1"/>
+          </p:cNvSpPr>
+          <p:nvPr>
+            <p:ph idx="1"/>
+          </p:nvPr>
+        </p:nvSpPr>
+        <p:spPr/>
+        <p:txBody>
+          <a:bodyPr>
+            <a:normAutofit fontScale="85000" lnSpcReduction="20000"/>
+          </a:bodyPr>
+          <a:lstStyle/>
+          <a:p>
+            <a:pPr marL="0" indent="0">
+              <a:buNone/>
+            </a:pPr>
+            <a:r>
+              <a:rPr lang="en-US" dirty="0"/>
+              <a:t>See </a:t>
+            </a:r>
+            <a:r>
+              <a:rPr lang="en-US" dirty="0">
+                <a:hlinkClick r:id="rId2"/>
+              </a:rPr>
+              <a:t>https://w3c.github.io/wot-usecases/#sec-user-stories</a:t>
+            </a:r>
+            <a:endParaRPr lang="en-US" dirty="0"/>
+          </a:p>
+          <a:p>
+            <a:pPr marL="0" indent="0">
+              <a:buNone/>
+            </a:pPr>
+            <a:r>
+              <a:rPr lang="en-US" b="1" dirty="0"/>
+              <a:t>5.1.2 Reusable Defaults per TD</a:t>
+            </a:r>
+          </a:p>
+          <a:p>
+            <a:r>
+              <a:rPr lang="en-US" b="1" dirty="0"/>
+              <a:t>Who (As a...):</a:t>
+            </a:r>
+          </a:p>
+          <a:p>
+            <a:pPr lvl="1"/>
+            <a:r>
+              <a:rPr lang="en-US" dirty="0"/>
+              <a:t>Designer/Developer of TDs</a:t>
+            </a:r>
+          </a:p>
+          <a:p>
+            <a:r>
+              <a:rPr lang="en-US" b="1" dirty="0"/>
+              <a:t>What (I need...):</a:t>
+            </a:r>
+          </a:p>
+          <a:p>
+            <a:pPr lvl="1"/>
+            <a:r>
+              <a:rPr lang="en-US" dirty="0"/>
+              <a:t>Reusable Connection descriptions in a TD</a:t>
+            </a:r>
+          </a:p>
+          <a:p>
+            <a:r>
+              <a:rPr lang="en-US" b="1" dirty="0"/>
+              <a:t>Why (so that I can...):</a:t>
+            </a:r>
+          </a:p>
+          <a:p>
+            <a:pPr lvl="1"/>
+            <a:r>
+              <a:rPr lang="en-US" dirty="0"/>
+              <a:t>Simplify TDs in cases without usage of default terms or to avoid redundancy</a:t>
+            </a:r>
+          </a:p>
+          <a:p>
+            <a:pPr lvl="1"/>
+            <a:r>
+              <a:rPr lang="en-US" b="1" dirty="0"/>
+              <a:t>Motivating Use Case Category: </a:t>
+            </a:r>
+            <a:r>
+              <a:rPr lang="en-US" dirty="0">
+                <a:hlinkClick r:id="rId3"/>
+              </a:rPr>
+              <a:t>TD Creation Simplification</a:t>
+            </a:r>
+            <a:r>
+              <a:rPr lang="en-US" dirty="0"/>
+              <a:t>.</a:t>
+            </a:r>
+          </a:p>
+          <a:p>
+            <a:pPr lvl="1"/>
+            <a:r>
+              <a:rPr lang="en-US" b="1" dirty="0"/>
+              <a:t>Details: </a:t>
+            </a:r>
+            <a:r>
+              <a:rPr lang="en-US" dirty="0"/>
+              <a:t>There are at least three sub-problems that motivate this feature:</a:t>
+            </a:r>
+          </a:p>
+          <a:p>
+            <a:pPr marL="1371600" lvl="2" indent="-457200">
+              <a:buFont typeface="+mj-lt"/>
+              <a:buAutoNum type="arabicPeriod"/>
+            </a:pPr>
+            <a:r>
+              <a:rPr lang="en-US" dirty="0"/>
+              <a:t>If the media type is common across forms but is not application/</a:t>
+            </a:r>
+            <a:r>
+              <a:rPr lang="en-US" dirty="0" err="1"/>
+              <a:t>json</a:t>
+            </a:r>
+            <a:r>
+              <a:rPr lang="en-US" dirty="0"/>
+              <a:t>, it otherwise needs to be repeated in each form.</a:t>
+            </a:r>
+          </a:p>
+          <a:p>
+            <a:pPr marL="1371600" lvl="2" indent="-457200">
+              <a:buFont typeface="+mj-lt"/>
+              <a:buAutoNum type="arabicPeriod"/>
+            </a:pPr>
+            <a:r>
+              <a:rPr lang="en-US" dirty="0"/>
+              <a:t>If there are common protocol stack configurations such as different default verbs, baud rates, and endianness, they otherwise need to be repeated in each form.</a:t>
+            </a:r>
+          </a:p>
+          <a:p>
+            <a:pPr marL="1371600" lvl="2" indent="-457200">
+              <a:buFont typeface="+mj-lt"/>
+              <a:buAutoNum type="arabicPeriod"/>
+            </a:pPr>
+            <a:r>
+              <a:rPr lang="en-US" dirty="0"/>
+              <a:t>Multiple bases are not otherwise possible, so each form repeats multiple bases. This is relevant (for example) when a TD has both local and public IP addresses.</a:t>
+            </a:r>
+            <a:endParaRPr lang="en-CA" dirty="0"/>
+          </a:p>
+        </p:txBody>
+      </p:sp>
+      <p:sp>
+        <p:nvSpPr>
+          <p:cNvPr id="4" name="Footer Placeholder 3">
+            <a:extLst>
+              <a:ext uri="{FF2B5EF4-FFF2-40B4-BE49-F238E27FC236}">
+                <a16:creationId xmlns:a16="http://schemas.microsoft.com/office/drawing/2014/main" id="{5498D644-9A4E-CEB1-085E-14A2BF250BF6}"/>
+              </a:ext>
+            </a:extLst>
+          </p:cNvPr>
+          <p:cNvSpPr>
+            <a:spLocks noGrp="1"/>
+          </p:cNvSpPr>
+          <p:nvPr>
+            <p:ph type="ftr" sz="quarter" idx="11"/>
+          </p:nvPr>
+        </p:nvSpPr>
+        <p:spPr/>
+        <p:txBody>
+          <a:bodyPr/>
+          <a:lstStyle/>
+          <a:p>
+            <a:r>
+              <a:rPr lang="en-US"/>
+              <a:t>W3C Web of Things (WoT) WG/IG</a:t>
+            </a:r>
+          </a:p>
+        </p:txBody>
+      </p:sp>
+      <p:sp>
+        <p:nvSpPr>
+          <p:cNvPr id="5" name="Slide Number Placeholder 4">
+            <a:extLst>
+              <a:ext uri="{FF2B5EF4-FFF2-40B4-BE49-F238E27FC236}">
+                <a16:creationId xmlns:a16="http://schemas.microsoft.com/office/drawing/2014/main" id="{0B77BF06-DBCD-F2EF-712D-331E2AF59DE8}"/>
+              </a:ext>
+            </a:extLst>
+          </p:cNvPr>
+          <p:cNvSpPr>
+            <a:spLocks noGrp="1"/>
+          </p:cNvSpPr>
+          <p:nvPr>
+            <p:ph type="sldNum" sz="quarter" idx="12"/>
+          </p:nvPr>
+        </p:nvSpPr>
+        <p:spPr/>
+        <p:txBody>
+          <a:bodyPr/>
+          <a:lstStyle/>
+          <a:p>
+            <a:fld id="{055BDE2E-7167-1944-9FEE-E44668D91CB6}" type="slidenum">
+              <a:rPr lang="en-US" smtClean="0"/>
+              <a:t>12</a:t>
+            </a:fld>
+            <a:endParaRPr lang="en-US"/>
+          </a:p>
+        </p:txBody>
+      </p:sp>
+      <p:sp>
+        <p:nvSpPr>
+          <p:cNvPr id="6" name="Date Placeholder 5">
+            <a:extLst>
+              <a:ext uri="{FF2B5EF4-FFF2-40B4-BE49-F238E27FC236}">
+                <a16:creationId xmlns:a16="http://schemas.microsoft.com/office/drawing/2014/main" id="{E95D477F-BCBB-D7E7-3DFA-31F096C2D32E}"/>
+              </a:ext>
+            </a:extLst>
+          </p:cNvPr>
+          <p:cNvSpPr>
+            <a:spLocks noGrp="1"/>
+          </p:cNvSpPr>
+          <p:nvPr>
+            <p:ph type="dt" sz="half" idx="10"/>
+          </p:nvPr>
+        </p:nvSpPr>
+        <p:spPr/>
+        <p:txBody>
+          <a:bodyPr/>
+          <a:lstStyle/>
+          <a:p>
+            <a:fld id="{B929AB1E-7FD9-0A40-B7C0-508CCACB3E9A}" type="datetime1">
+              <a:rPr lang="en-CA" smtClean="0"/>
+              <a:t>2024-11-29</a:t>
+            </a:fld>
+            <a:endParaRPr lang="en-US"/>
+          </a:p>
+        </p:txBody>
+      </p:sp>
+    </p:spTree>
+    <p:extLst>
+      <p:ext uri="{BB962C8B-B14F-4D97-AF65-F5344CB8AC3E}">
+        <p14:creationId xmlns:p14="http://schemas.microsoft.com/office/powerpoint/2010/main" val="3258864522"/>
+      </p:ext>
+    </p:extLst>
+  </p:cSld>
+  <p:clrMapOvr>
+    <a:masterClrMapping/>
+  </p:clrMapOvr>
+</p:sld>
+</file>
+
+<file path=ppt/slides/slide13.xml><?xml version="1.0" encoding="utf-8"?>
+<p:sld xmlns:a="http://schemas.openxmlformats.org/drawingml/2006/main" xmlns:r="http://schemas.openxmlformats.org/officeDocument/2006/relationships" xmlns:p="http://schemas.openxmlformats.org/presentationml/2006/main">
+  <p:cSld>
+    <p:spTree>
+      <p:nvGrpSpPr>
+        <p:cNvPr id="1" name=""/>
+        <p:cNvGrpSpPr/>
+        <p:nvPr/>
+      </p:nvGrpSpPr>
+      <p:grpSpPr>
+        <a:xfrm>
+          <a:off x="0" y="0"/>
+          <a:ext cx="0" cy="0"/>
+          <a:chOff x="0" y="0"/>
+          <a:chExt cx="0" cy="0"/>
+        </a:xfrm>
+      </p:grpSpPr>
+      <p:sp>
+        <p:nvSpPr>
+          <p:cNvPr id="2" name="Title 1">
+            <a:extLst>
+              <a:ext uri="{FF2B5EF4-FFF2-40B4-BE49-F238E27FC236}">
                 <a16:creationId xmlns:a16="http://schemas.microsoft.com/office/drawing/2014/main" id="{CA69588A-E604-DC85-2066-D7B5C1DC2F29}"/>
               </a:ext>
             </a:extLst>
@@ -5972,7 +6654,7 @@
           <a:p>
             <a:r>
               <a:rPr lang="en-US" dirty="0"/>
-              <a:t>W3C Web of Things (WoT) WG/IG – TPAC 2024 - Updated</a:t>
+              <a:t>W3C Web of Things (WoT) WG/IG</a:t>
             </a:r>
           </a:p>
         </p:txBody>
@@ -6000,7 +6682,7 @@
           <a:p>
             <a:fld id="{055BDE2E-7167-1944-9FEE-E44668D91CB6}" type="slidenum">
               <a:rPr lang="en-US" smtClean="0"/>
-              <a:t>12</a:t>
+              <a:t>13</a:t>
             </a:fld>
             <a:endParaRPr lang="en-US"/>
           </a:p>
@@ -6228,8 +6910,16 @@
             <a:pPr algn="ctr"/>
             <a:r>
               <a:rPr lang="en-US" dirty="0"/>
-              <a:t>Requirement 2</a:t>
-            </a:r>
+              <a:t>Requirement 2:</a:t>
+            </a:r>
+            <a:br>
+              <a:rPr lang="en-US" dirty="0"/>
+            </a:br>
+            <a:r>
+              <a:rPr lang="en-US"/>
+              <a:t>User Story</a:t>
+            </a:r>
+            <a:endParaRPr lang="en-US" dirty="0"/>
           </a:p>
         </p:txBody>
       </p:sp>
@@ -6280,7 +6970,14 @@
             <a:pPr algn="ctr"/>
             <a:r>
               <a:rPr lang="en-US" dirty="0"/>
-              <a:t>Requirement 1</a:t>
+              <a:t>Requirement 1:</a:t>
+            </a:r>
+            <a:br>
+              <a:rPr lang="en-US" dirty="0"/>
+            </a:br>
+            <a:r>
+              <a:rPr lang="en-US" dirty="0"/>
+              <a:t>User Story</a:t>
             </a:r>
           </a:p>
         </p:txBody>
@@ -6798,270 +7495,6 @@
 </p:sld>
 </file>
 
-<file path=ppt/slides/slide13.xml><?xml version="1.0" encoding="utf-8"?>
-<p:sld xmlns:a="http://schemas.openxmlformats.org/drawingml/2006/main" xmlns:r="http://schemas.openxmlformats.org/officeDocument/2006/relationships" xmlns:p="http://schemas.openxmlformats.org/presentationml/2006/main">
-  <p:cSld>
-    <p:spTree>
-      <p:nvGrpSpPr>
-        <p:cNvPr id="1" name=""/>
-        <p:cNvGrpSpPr/>
-        <p:nvPr/>
-      </p:nvGrpSpPr>
-      <p:grpSpPr>
-        <a:xfrm>
-          <a:off x="0" y="0"/>
-          <a:ext cx="0" cy="0"/>
-          <a:chOff x="0" y="0"/>
-          <a:chExt cx="0" cy="0"/>
-        </a:xfrm>
-      </p:grpSpPr>
-      <p:sp>
-        <p:nvSpPr>
-          <p:cNvPr id="2" name="Title 1">
-            <a:extLst>
-              <a:ext uri="{FF2B5EF4-FFF2-40B4-BE49-F238E27FC236}">
-                <a16:creationId xmlns:a16="http://schemas.microsoft.com/office/drawing/2014/main" id="{F46009AE-FC79-9D2D-61EF-2A0C08E7AE7D}"/>
-              </a:ext>
-            </a:extLst>
-          </p:cNvPr>
-          <p:cNvSpPr>
-            <a:spLocks noGrp="1"/>
-          </p:cNvSpPr>
-          <p:nvPr>
-            <p:ph type="title"/>
-          </p:nvPr>
-        </p:nvSpPr>
-        <p:spPr/>
-        <p:txBody>
-          <a:bodyPr/>
-          <a:lstStyle/>
-          <a:p>
-            <a:r>
-              <a:rPr lang="en-CA" dirty="0"/>
-              <a:t>Categories</a:t>
-            </a:r>
-            <a:endParaRPr lang="en-US" dirty="0"/>
-          </a:p>
-        </p:txBody>
-      </p:sp>
-      <p:sp>
-        <p:nvSpPr>
-          <p:cNvPr id="3" name="Content Placeholder 2">
-            <a:extLst>
-              <a:ext uri="{FF2B5EF4-FFF2-40B4-BE49-F238E27FC236}">
-                <a16:creationId xmlns:a16="http://schemas.microsoft.com/office/drawing/2014/main" id="{F54CD475-00EA-85CF-318A-DD9C80F09357}"/>
-              </a:ext>
-            </a:extLst>
-          </p:cNvPr>
-          <p:cNvSpPr>
-            <a:spLocks noGrp="1"/>
-          </p:cNvSpPr>
-          <p:nvPr>
-            <p:ph idx="1"/>
-          </p:nvPr>
-        </p:nvSpPr>
-        <p:spPr/>
-        <p:txBody>
-          <a:bodyPr>
-            <a:normAutofit fontScale="92500" lnSpcReduction="10000"/>
-          </a:bodyPr>
-          <a:lstStyle/>
-          <a:p>
-            <a:pPr marL="0" indent="0">
-              <a:buNone/>
-            </a:pPr>
-            <a:r>
-              <a:rPr lang="en-CA" dirty="0"/>
-              <a:t>See </a:t>
-            </a:r>
-            <a:r>
-              <a:rPr lang="en-CA" dirty="0">
-                <a:hlinkClick r:id="rId2"/>
-              </a:rPr>
-              <a:t>https://w3c.github.io/wot-usecases/#sec-use-case-categories</a:t>
-            </a:r>
-            <a:r>
-              <a:rPr lang="en-CA" dirty="0"/>
-              <a:t>  </a:t>
-            </a:r>
-          </a:p>
-          <a:p>
-            <a:r>
-              <a:rPr lang="en-CA" dirty="0"/>
-              <a:t>Intermediate, </a:t>
-            </a:r>
-            <a:r>
-              <a:rPr lang="en-CA" i="1" dirty="0"/>
-              <a:t>optional</a:t>
-            </a:r>
-            <a:r>
-              <a:rPr lang="en-CA" dirty="0"/>
-              <a:t> step but allows for generalization</a:t>
-            </a:r>
-          </a:p>
-          <a:p>
-            <a:pPr lvl="1"/>
-            <a:r>
-              <a:rPr lang="en-CA" dirty="0"/>
-              <a:t>Avoids having to constantly update “requirement” to “use case” mapping</a:t>
-            </a:r>
-          </a:p>
-          <a:p>
-            <a:pPr lvl="1"/>
-            <a:r>
-              <a:rPr lang="en-CA" b="1" i="1" dirty="0"/>
-              <a:t>JUST A CONVENIENCE </a:t>
-            </a:r>
-            <a:r>
-              <a:rPr lang="en-CA" dirty="0"/>
-              <a:t>when many use cases share common requirements</a:t>
-            </a:r>
-          </a:p>
-          <a:p>
-            <a:pPr marL="0" indent="0">
-              <a:buNone/>
-            </a:pPr>
-            <a:r>
-              <a:rPr lang="en-CA" dirty="0"/>
-              <a:t>Some possible categories:</a:t>
-            </a:r>
-          </a:p>
-          <a:p>
-            <a:r>
-              <a:rPr lang="en-CA" dirty="0"/>
-              <a:t>Private (handles personal or confidential information)</a:t>
-            </a:r>
-          </a:p>
-          <a:p>
-            <a:r>
-              <a:rPr lang="en-CA" dirty="0"/>
-              <a:t>Flexible Protocol Usage (use multiple protocols)</a:t>
-            </a:r>
-          </a:p>
-          <a:p>
-            <a:r>
-              <a:rPr lang="en-CA" dirty="0"/>
-              <a:t>Cloud Integration (shares data with remote servers)</a:t>
-            </a:r>
-          </a:p>
-          <a:p>
-            <a:r>
-              <a:rPr lang="en-CA" dirty="0"/>
-              <a:t>Local Access (needs to operate without a global connection)</a:t>
-            </a:r>
-          </a:p>
-          <a:p>
-            <a:r>
-              <a:rPr lang="en-CA" dirty="0"/>
-              <a:t>Mobile (location is subject to change)</a:t>
-            </a:r>
-          </a:p>
-          <a:p>
-            <a:r>
-              <a:rPr lang="en-CA" dirty="0"/>
-              <a:t>Resiliency (needs to be robust to failures and attacks of various kinds)</a:t>
-            </a:r>
-          </a:p>
-        </p:txBody>
-      </p:sp>
-      <p:sp>
-        <p:nvSpPr>
-          <p:cNvPr id="4" name="Footer Placeholder 3">
-            <a:extLst>
-              <a:ext uri="{FF2B5EF4-FFF2-40B4-BE49-F238E27FC236}">
-                <a16:creationId xmlns:a16="http://schemas.microsoft.com/office/drawing/2014/main" id="{FC0324D6-CCAD-24D7-9788-A5224D187440}"/>
-              </a:ext>
-            </a:extLst>
-          </p:cNvPr>
-          <p:cNvSpPr>
-            <a:spLocks noGrp="1"/>
-          </p:cNvSpPr>
-          <p:nvPr>
-            <p:ph type="ftr" sz="quarter" idx="11"/>
-          </p:nvPr>
-        </p:nvSpPr>
-        <p:spPr/>
-        <p:txBody>
-          <a:bodyPr/>
-          <a:lstStyle/>
-          <a:p>
-            <a:r>
-              <a:rPr lang="en-US" dirty="0"/>
-              <a:t>W3C Web of Things (WoT) WG/IG – TPAC 2024</a:t>
-            </a:r>
-          </a:p>
-        </p:txBody>
-      </p:sp>
-      <p:sp>
-        <p:nvSpPr>
-          <p:cNvPr id="5" name="Slide Number Placeholder 4">
-            <a:extLst>
-              <a:ext uri="{FF2B5EF4-FFF2-40B4-BE49-F238E27FC236}">
-                <a16:creationId xmlns:a16="http://schemas.microsoft.com/office/drawing/2014/main" id="{5A3C13F2-8181-81B2-4822-21E8A07DAD75}"/>
-              </a:ext>
-            </a:extLst>
-          </p:cNvPr>
-          <p:cNvSpPr>
-            <a:spLocks noGrp="1"/>
-          </p:cNvSpPr>
-          <p:nvPr>
-            <p:ph type="sldNum" sz="quarter" idx="12"/>
-          </p:nvPr>
-        </p:nvSpPr>
-        <p:spPr/>
-        <p:txBody>
-          <a:bodyPr/>
-          <a:lstStyle/>
-          <a:p>
-            <a:fld id="{055BDE2E-7167-1944-9FEE-E44668D91CB6}" type="slidenum">
-              <a:rPr lang="en-US" smtClean="0"/>
-              <a:t>13</a:t>
-            </a:fld>
-            <a:endParaRPr lang="en-US"/>
-          </a:p>
-        </p:txBody>
-      </p:sp>
-      <p:sp>
-        <p:nvSpPr>
-          <p:cNvPr id="6" name="Date Placeholder 5">
-            <a:extLst>
-              <a:ext uri="{FF2B5EF4-FFF2-40B4-BE49-F238E27FC236}">
-                <a16:creationId xmlns:a16="http://schemas.microsoft.com/office/drawing/2014/main" id="{A36BA347-3135-66B1-99D6-45003D29F880}"/>
-              </a:ext>
-            </a:extLst>
-          </p:cNvPr>
-          <p:cNvSpPr>
-            <a:spLocks noGrp="1"/>
-          </p:cNvSpPr>
-          <p:nvPr>
-            <p:ph type="dt" sz="half" idx="10"/>
-          </p:nvPr>
-        </p:nvSpPr>
-        <p:spPr/>
-        <p:txBody>
-          <a:bodyPr/>
-          <a:lstStyle/>
-          <a:p>
-            <a:r>
-              <a:rPr lang="en-US" dirty="0"/>
-              <a:t>2024-09-26</a:t>
-            </a:r>
-          </a:p>
-        </p:txBody>
-      </p:sp>
-    </p:spTree>
-    <p:extLst>
-      <p:ext uri="{BB962C8B-B14F-4D97-AF65-F5344CB8AC3E}">
-        <p14:creationId xmlns:p14="http://schemas.microsoft.com/office/powerpoint/2010/main" val="868142888"/>
-      </p:ext>
-    </p:extLst>
-  </p:cSld>
-  <p:clrMapOvr>
-    <a:masterClrMapping/>
-  </p:clrMapOvr>
-</p:sld>
-</file>
-
 <file path=ppt/slides/slide14.xml><?xml version="1.0" encoding="utf-8"?>
 <p:sld xmlns:a="http://schemas.openxmlformats.org/drawingml/2006/main" xmlns:r="http://schemas.openxmlformats.org/officeDocument/2006/relationships" xmlns:p="http://schemas.openxmlformats.org/presentationml/2006/main">
   <p:cSld>
@@ -7084,7 +7517,7 @@
           <p:cNvPr id="2" name="Title 1">
             <a:extLst>
               <a:ext uri="{FF2B5EF4-FFF2-40B4-BE49-F238E27FC236}">
-                <a16:creationId xmlns:a16="http://schemas.microsoft.com/office/drawing/2014/main" id="{FBF35013-05C7-BCB2-216E-DEF805EAF466}"/>
+                <a16:creationId xmlns:a16="http://schemas.microsoft.com/office/drawing/2014/main" id="{F46009AE-FC79-9D2D-61EF-2A0C08E7AE7D}"/>
               </a:ext>
             </a:extLst>
           </p:cNvPr>
@@ -7102,8 +7535,9 @@
           <a:p>
             <a:r>
               <a:rPr lang="en-CA" dirty="0"/>
-              <a:t>Workflow Considerations</a:t>
-            </a:r>
+              <a:t>Categories</a:t>
+            </a:r>
+            <a:endParaRPr lang="en-US" dirty="0"/>
           </a:p>
         </p:txBody>
       </p:sp>
@@ -7112,7 +7546,7 @@
           <p:cNvPr id="3" name="Content Placeholder 2">
             <a:extLst>
               <a:ext uri="{FF2B5EF4-FFF2-40B4-BE49-F238E27FC236}">
-                <a16:creationId xmlns:a16="http://schemas.microsoft.com/office/drawing/2014/main" id="{652DC16E-7555-6742-B909-8BEC914D39C5}"/>
+                <a16:creationId xmlns:a16="http://schemas.microsoft.com/office/drawing/2014/main" id="{F54CD475-00EA-85CF-318A-DD9C80F09357}"/>
               </a:ext>
             </a:extLst>
           </p:cNvPr>
@@ -7125,194 +7559,132 @@
         </p:nvSpPr>
         <p:spPr/>
         <p:txBody>
+          <a:bodyPr>
+            <a:normAutofit fontScale="92500" lnSpcReduction="10000"/>
+          </a:bodyPr>
+          <a:lstStyle/>
+          <a:p>
+            <a:pPr marL="0" indent="0">
+              <a:buNone/>
+            </a:pPr>
+            <a:r>
+              <a:rPr lang="en-CA" dirty="0"/>
+              <a:t>See </a:t>
+            </a:r>
+            <a:r>
+              <a:rPr lang="en-CA" dirty="0">
+                <a:hlinkClick r:id="rId2"/>
+              </a:rPr>
+              <a:t>https://w3c.github.io/wot-usecases/#sec-use-case-categories</a:t>
+            </a:r>
+            <a:r>
+              <a:rPr lang="en-CA" dirty="0"/>
+              <a:t>  </a:t>
+            </a:r>
+          </a:p>
+          <a:p>
+            <a:r>
+              <a:rPr lang="en-CA" dirty="0"/>
+              <a:t>Intermediate, </a:t>
+            </a:r>
+            <a:r>
+              <a:rPr lang="en-CA" i="1" dirty="0"/>
+              <a:t>optional</a:t>
+            </a:r>
+            <a:r>
+              <a:rPr lang="en-CA" dirty="0"/>
+              <a:t> step but allows for generalization</a:t>
+            </a:r>
+          </a:p>
+          <a:p>
+            <a:pPr lvl="1"/>
+            <a:r>
+              <a:rPr lang="en-CA" dirty="0"/>
+              <a:t>Avoids having to constantly update “requirement” to “use case” mapping</a:t>
+            </a:r>
+          </a:p>
+          <a:p>
+            <a:pPr lvl="1"/>
+            <a:r>
+              <a:rPr lang="en-CA" b="1" i="1" dirty="0"/>
+              <a:t>JUST A CONVENIENCE </a:t>
+            </a:r>
+            <a:r>
+              <a:rPr lang="en-CA" dirty="0"/>
+              <a:t>when many use cases share common requirements</a:t>
+            </a:r>
+          </a:p>
+          <a:p>
+            <a:pPr marL="0" indent="0">
+              <a:buNone/>
+            </a:pPr>
+            <a:r>
+              <a:rPr lang="en-CA" dirty="0"/>
+              <a:t>Some possible categories:</a:t>
+            </a:r>
+          </a:p>
+          <a:p>
+            <a:r>
+              <a:rPr lang="en-CA" dirty="0"/>
+              <a:t>Private (handles personal or confidential information)</a:t>
+            </a:r>
+          </a:p>
+          <a:p>
+            <a:r>
+              <a:rPr lang="en-CA" dirty="0"/>
+              <a:t>Flexible Protocol Usage (use multiple protocols)</a:t>
+            </a:r>
+          </a:p>
+          <a:p>
+            <a:r>
+              <a:rPr lang="en-CA" dirty="0"/>
+              <a:t>Cloud Integration (shares data with remote servers)</a:t>
+            </a:r>
+          </a:p>
+          <a:p>
+            <a:r>
+              <a:rPr lang="en-CA" dirty="0"/>
+              <a:t>Local Access (needs to operate without a global connection)</a:t>
+            </a:r>
+          </a:p>
+          <a:p>
+            <a:r>
+              <a:rPr lang="en-CA" dirty="0"/>
+              <a:t>Mobile (location is subject to change)</a:t>
+            </a:r>
+          </a:p>
+          <a:p>
+            <a:r>
+              <a:rPr lang="en-CA" dirty="0"/>
+              <a:t>Resiliency (needs to be robust to failures and attacks of various kinds)</a:t>
+            </a:r>
+          </a:p>
+        </p:txBody>
+      </p:sp>
+      <p:sp>
+        <p:nvSpPr>
+          <p:cNvPr id="4" name="Footer Placeholder 3">
+            <a:extLst>
+              <a:ext uri="{FF2B5EF4-FFF2-40B4-BE49-F238E27FC236}">
+                <a16:creationId xmlns:a16="http://schemas.microsoft.com/office/drawing/2014/main" id="{FC0324D6-CCAD-24D7-9788-A5224D187440}"/>
+              </a:ext>
+            </a:extLst>
+          </p:cNvPr>
+          <p:cNvSpPr>
+            <a:spLocks noGrp="1"/>
+          </p:cNvSpPr>
+          <p:nvPr>
+            <p:ph type="ftr" sz="quarter" idx="11"/>
+          </p:nvPr>
+        </p:nvSpPr>
+        <p:spPr/>
+        <p:txBody>
           <a:bodyPr/>
           <a:lstStyle/>
           <a:p>
             <a:r>
-              <a:rPr lang="en-US" dirty="0">
-                <a:latin typeface="-apple-system"/>
-              </a:rPr>
-              <a:t>I</a:t>
-            </a:r>
-            <a:r>
-              <a:rPr lang="en-US" b="0" i="0" dirty="0">
-                <a:effectLst/>
-                <a:latin typeface="-apple-system"/>
-              </a:rPr>
-              <a:t>t is up to each TF to decide how to organize work items </a:t>
-            </a:r>
-          </a:p>
-          <a:p>
-            <a:pPr lvl="1"/>
-            <a:r>
-              <a:rPr lang="en-US" b="0" i="0" dirty="0">
-                <a:effectLst/>
-                <a:latin typeface="-apple-system"/>
-              </a:rPr>
-              <a:t>MD files </a:t>
-            </a:r>
-            <a:r>
-              <a:rPr lang="en-US" b="0" i="0" dirty="0">
-                <a:effectLst/>
-                <a:latin typeface="-apple-system"/>
-                <a:sym typeface="Wingdings" panose="05000000000000000000" pitchFamily="2" charset="2"/>
-              </a:rPr>
-              <a:t> issues  </a:t>
-            </a:r>
-            <a:r>
-              <a:rPr lang="en-US" b="0" i="0" dirty="0">
-                <a:effectLst/>
-                <a:latin typeface="-apple-system"/>
-              </a:rPr>
-              <a:t>PRs</a:t>
-            </a:r>
-            <a:r>
-              <a:rPr lang="en-US" dirty="0">
-                <a:latin typeface="-apple-system"/>
-              </a:rPr>
-              <a:t> </a:t>
-            </a:r>
-            <a:r>
-              <a:rPr lang="en-US" dirty="0">
-                <a:latin typeface="-apple-system"/>
-                <a:sym typeface="Wingdings" panose="05000000000000000000" pitchFamily="2" charset="2"/>
-              </a:rPr>
-              <a:t> </a:t>
-            </a:r>
-            <a:r>
-              <a:rPr lang="en-US" b="0" i="0" dirty="0">
-                <a:effectLst/>
-                <a:latin typeface="-apple-system"/>
-              </a:rPr>
-              <a:t>assertions</a:t>
-            </a:r>
-          </a:p>
-          <a:p>
-            <a:pPr lvl="1"/>
-            <a:r>
-              <a:rPr lang="en-US" dirty="0">
-                <a:latin typeface="-apple-system"/>
-              </a:rPr>
-              <a:t>E</a:t>
-            </a:r>
-            <a:r>
-              <a:rPr lang="en-US" b="0" i="0" dirty="0">
-                <a:effectLst/>
-                <a:latin typeface="-apple-system"/>
-              </a:rPr>
-              <a:t>nd state should be an assertion, however (e.g. a feature in a specification) for "capabilities”.</a:t>
-            </a:r>
-          </a:p>
-          <a:p>
-            <a:r>
-              <a:rPr lang="en-US" b="0" i="0" dirty="0">
-                <a:effectLst/>
-                <a:latin typeface="-apple-system"/>
-              </a:rPr>
-              <a:t>For Use cases</a:t>
-            </a:r>
-          </a:p>
-          <a:p>
-            <a:pPr lvl="1"/>
-            <a:r>
-              <a:rPr lang="en-US" dirty="0">
-                <a:latin typeface="-apple-system"/>
-              </a:rPr>
-              <a:t>I</a:t>
-            </a:r>
-            <a:r>
-              <a:rPr lang="en-US" b="0" i="0" dirty="0">
-                <a:effectLst/>
-                <a:latin typeface="-apple-system"/>
-              </a:rPr>
-              <a:t>f one does not exist, it should be created</a:t>
-            </a:r>
-          </a:p>
-          <a:p>
-            <a:pPr lvl="1"/>
-            <a:r>
-              <a:rPr lang="en-US" dirty="0">
-                <a:latin typeface="-apple-system"/>
-              </a:rPr>
-              <a:t>K</a:t>
-            </a:r>
-            <a:r>
-              <a:rPr lang="en-US" b="0" i="0" dirty="0">
-                <a:effectLst/>
-                <a:latin typeface="-apple-system"/>
-              </a:rPr>
-              <a:t>eep it abstract</a:t>
-            </a:r>
-          </a:p>
-          <a:p>
-            <a:pPr lvl="1"/>
-            <a:r>
-              <a:rPr lang="en-US" b="0" i="0" dirty="0">
-                <a:effectLst/>
-                <a:latin typeface="-apple-system"/>
-              </a:rPr>
-              <a:t>Don't need a ton of implementation details in use case, it should just state the purpose</a:t>
-            </a:r>
-          </a:p>
-          <a:p>
-            <a:pPr lvl="1"/>
-            <a:r>
-              <a:rPr lang="en-US" dirty="0">
-                <a:latin typeface="-apple-system"/>
-              </a:rPr>
-              <a:t>A </a:t>
-            </a:r>
-            <a:r>
-              <a:rPr lang="en-US" b="0" i="0" dirty="0">
-                <a:effectLst/>
-                <a:latin typeface="-apple-system"/>
-              </a:rPr>
-              <a:t>category can be suggested in the user story</a:t>
-            </a:r>
-          </a:p>
-          <a:p>
-            <a:pPr lvl="2"/>
-            <a:r>
-              <a:rPr lang="en-US" dirty="0">
-                <a:latin typeface="-apple-system"/>
-              </a:rPr>
-              <a:t>G</a:t>
-            </a:r>
-            <a:r>
-              <a:rPr lang="en-US" b="0" i="0" dirty="0">
-                <a:effectLst/>
-                <a:latin typeface="-apple-system"/>
-              </a:rPr>
-              <a:t>ive a definition or link to at least one use case in the "details" section</a:t>
-            </a:r>
-            <a:endParaRPr lang="en-CA" dirty="0"/>
-          </a:p>
-        </p:txBody>
-      </p:sp>
-      <p:sp>
-        <p:nvSpPr>
-          <p:cNvPr id="4" name="Footer Placeholder 3">
-            <a:extLst>
-              <a:ext uri="{FF2B5EF4-FFF2-40B4-BE49-F238E27FC236}">
-                <a16:creationId xmlns:a16="http://schemas.microsoft.com/office/drawing/2014/main" id="{D1B5EC43-454F-9F9A-6AAF-35DECCEA12C9}"/>
-              </a:ext>
-            </a:extLst>
-          </p:cNvPr>
-          <p:cNvSpPr>
-            <a:spLocks noGrp="1"/>
-          </p:cNvSpPr>
-          <p:nvPr>
-            <p:ph type="ftr" sz="quarter" idx="11"/>
-          </p:nvPr>
-        </p:nvSpPr>
-        <p:spPr/>
-        <p:txBody>
-          <a:bodyPr/>
-          <a:lstStyle/>
-          <a:p>
-            <a:r>
-              <a:rPr lang="en-US" dirty="0"/>
-              <a:t>W3C Web of Things (WoT) WG/IG - Updates</a:t>
+              <a:rPr lang="en-US" dirty="0"/>
+              <a:t>W3C Web of Things (WoT) WG/IG</a:t>
             </a:r>
           </a:p>
         </p:txBody>
@@ -7322,7 +7694,7 @@
           <p:cNvPr id="5" name="Slide Number Placeholder 4">
             <a:extLst>
               <a:ext uri="{FF2B5EF4-FFF2-40B4-BE49-F238E27FC236}">
-                <a16:creationId xmlns:a16="http://schemas.microsoft.com/office/drawing/2014/main" id="{7F2E39FC-8EAA-4AE1-9D56-79465C4E0F6A}"/>
+                <a16:creationId xmlns:a16="http://schemas.microsoft.com/office/drawing/2014/main" id="{5A3C13F2-8181-81B2-4822-21E8A07DAD75}"/>
               </a:ext>
             </a:extLst>
           </p:cNvPr>
@@ -7351,7 +7723,7 @@
           <p:cNvPr id="6" name="Date Placeholder 5">
             <a:extLst>
               <a:ext uri="{FF2B5EF4-FFF2-40B4-BE49-F238E27FC236}">
-                <a16:creationId xmlns:a16="http://schemas.microsoft.com/office/drawing/2014/main" id="{8BC8FF72-5B9B-36B9-05D6-085027FF98B1}"/>
+                <a16:creationId xmlns:a16="http://schemas.microsoft.com/office/drawing/2014/main" id="{A36BA347-3135-66B1-99D6-45003D29F880}"/>
               </a:ext>
             </a:extLst>
           </p:cNvPr>
@@ -7367,18 +7739,17 @@
           <a:bodyPr/>
           <a:lstStyle/>
           <a:p>
-            <a:fld id="{B929AB1E-7FD9-0A40-B7C0-508CCACB3E9A}" type="datetime1">
-              <a:rPr lang="en-CA" smtClean="0"/>
-              <a:t>2024-11-29</a:t>
-            </a:fld>
-            <a:endParaRPr lang="en-US"/>
+            <a:r>
+              <a:rPr lang="en-US" dirty="0"/>
+              <a:t>2024-09-26</a:t>
+            </a:r>
           </a:p>
         </p:txBody>
       </p:sp>
     </p:spTree>
     <p:extLst>
       <p:ext uri="{BB962C8B-B14F-4D97-AF65-F5344CB8AC3E}">
-        <p14:creationId xmlns:p14="http://schemas.microsoft.com/office/powerpoint/2010/main" val="380438929"/>
+        <p14:creationId xmlns:p14="http://schemas.microsoft.com/office/powerpoint/2010/main" val="868142888"/>
       </p:ext>
     </p:extLst>
   </p:cSld>
@@ -7410,7 +7781,7 @@
           <p:cNvPr id="2" name="Title 1">
             <a:extLst>
               <a:ext uri="{FF2B5EF4-FFF2-40B4-BE49-F238E27FC236}">
-                <a16:creationId xmlns:a16="http://schemas.microsoft.com/office/drawing/2014/main" id="{F6BE134B-66C4-1D89-1049-4EF2CFB07ED3}"/>
+                <a16:creationId xmlns:a16="http://schemas.microsoft.com/office/drawing/2014/main" id="{FBF35013-05C7-BCB2-216E-DEF805EAF466}"/>
               </a:ext>
             </a:extLst>
           </p:cNvPr>
@@ -7427,8 +7798,8 @@
           <a:lstStyle/>
           <a:p>
             <a:r>
-              <a:rPr lang="en-US" dirty="0"/>
-              <a:t>Security and Privacy Requirements</a:t>
+              <a:rPr lang="en-CA" dirty="0"/>
+              <a:t>Workflow Considerations</a:t>
             </a:r>
           </a:p>
         </p:txBody>
@@ -7438,7 +7809,7 @@
           <p:cNvPr id="3" name="Content Placeholder 2">
             <a:extLst>
               <a:ext uri="{FF2B5EF4-FFF2-40B4-BE49-F238E27FC236}">
-                <a16:creationId xmlns:a16="http://schemas.microsoft.com/office/drawing/2014/main" id="{E1C9EC77-521A-A3BD-492F-9365062B6645}"/>
+                <a16:creationId xmlns:a16="http://schemas.microsoft.com/office/drawing/2014/main" id="{652DC16E-7555-6742-B909-8BEC914D39C5}"/>
               </a:ext>
             </a:extLst>
           </p:cNvPr>
@@ -7454,59 +7825,164 @@
           <a:bodyPr/>
           <a:lstStyle/>
           <a:p>
-            <a:pPr marL="0" indent="0">
-              <a:buNone/>
-            </a:pPr>
-            <a:r>
-              <a:rPr lang="en-US" b="1" dirty="0"/>
-              <a:t>Special case:</a:t>
-            </a:r>
-          </a:p>
-          <a:p>
-            <a:r>
-              <a:rPr lang="en-US" dirty="0"/>
-              <a:t>Security/Privacy features are generally to mitigate “risks”</a:t>
+            <a:r>
+              <a:rPr lang="en-US" dirty="0">
+                <a:latin typeface="-apple-system"/>
+              </a:rPr>
+              <a:t>I</a:t>
+            </a:r>
+            <a:r>
+              <a:rPr lang="en-US" b="0" i="0" dirty="0">
+                <a:effectLst/>
+                <a:latin typeface="-apple-system"/>
+              </a:rPr>
+              <a:t>t is up to each TF to decide how to organize work items </a:t>
             </a:r>
           </a:p>
           <a:p>
             <a:pPr lvl="1"/>
             <a:r>
-              <a:rPr lang="en-US" dirty="0"/>
-              <a:t>S&amp;P sections generally each have a defined risk</a:t>
+              <a:rPr lang="en-US" b="0" i="0" dirty="0">
+                <a:effectLst/>
+                <a:latin typeface="-apple-system"/>
+              </a:rPr>
+              <a:t>MD files </a:t>
+            </a:r>
+            <a:r>
+              <a:rPr lang="en-US" b="0" i="0" dirty="0">
+                <a:effectLst/>
+                <a:latin typeface="-apple-system"/>
+                <a:sym typeface="Wingdings" panose="05000000000000000000" pitchFamily="2" charset="2"/>
+              </a:rPr>
+              <a:t> issues  </a:t>
+            </a:r>
+            <a:r>
+              <a:rPr lang="en-US" b="0" i="0" dirty="0">
+                <a:effectLst/>
+                <a:latin typeface="-apple-system"/>
+              </a:rPr>
+              <a:t>PRs</a:t>
+            </a:r>
+            <a:r>
+              <a:rPr lang="en-US" dirty="0">
+                <a:latin typeface="-apple-system"/>
+              </a:rPr>
+              <a:t> </a:t>
+            </a:r>
+            <a:r>
+              <a:rPr lang="en-US" dirty="0">
+                <a:latin typeface="-apple-system"/>
+                <a:sym typeface="Wingdings" panose="05000000000000000000" pitchFamily="2" charset="2"/>
+              </a:rPr>
+              <a:t> </a:t>
+            </a:r>
+            <a:r>
+              <a:rPr lang="en-US" b="0" i="0" dirty="0">
+                <a:effectLst/>
+                <a:latin typeface="-apple-system"/>
+              </a:rPr>
+              <a:t>assertions</a:t>
             </a:r>
           </a:p>
           <a:p>
             <a:pPr lvl="1"/>
             <a:r>
-              <a:rPr lang="en-US" dirty="0"/>
-              <a:t>… then list mitigations for each risk, some of which may be normative</a:t>
+              <a:rPr lang="en-US" dirty="0">
+                <a:latin typeface="-apple-system"/>
+              </a:rPr>
+              <a:t>E</a:t>
+            </a:r>
+            <a:r>
+              <a:rPr lang="en-US" b="0" i="0" dirty="0">
+                <a:effectLst/>
+                <a:latin typeface="-apple-system"/>
+              </a:rPr>
+              <a:t>nd state should be an assertion, however (e.g. a feature in a specification) for "capabilities”.</a:t>
+            </a:r>
+          </a:p>
+          <a:p>
+            <a:r>
+              <a:rPr lang="en-US" b="0" i="0" dirty="0">
+                <a:effectLst/>
+                <a:latin typeface="-apple-system"/>
+              </a:rPr>
+              <a:t>For Use cases</a:t>
             </a:r>
           </a:p>
           <a:p>
             <a:pPr lvl="1"/>
             <a:r>
-              <a:rPr lang="en-US" dirty="0"/>
-              <a:t>In general, mitigations map to capabilities and avoiding risks are purposes</a:t>
-            </a:r>
-          </a:p>
-          <a:p>
-            <a:r>
-              <a:rPr lang="en-US" dirty="0"/>
-              <a:t>Risks are documented in “Security and Privacy Guidelines” document</a:t>
+              <a:rPr lang="en-US" dirty="0">
+                <a:latin typeface="-apple-system"/>
+              </a:rPr>
+              <a:t>I</a:t>
+            </a:r>
+            <a:r>
+              <a:rPr lang="en-US" b="0" i="0" dirty="0">
+                <a:effectLst/>
+                <a:latin typeface="-apple-system"/>
+              </a:rPr>
+              <a:t>f one does not exist, it should be created</a:t>
             </a:r>
           </a:p>
           <a:p>
             <a:pPr lvl="1"/>
             <a:r>
-              <a:rPr lang="en-US" dirty="0"/>
-              <a:t>Stakeholders need to be made consistent with other documents</a:t>
-            </a:r>
-          </a:p>
-          <a:p>
-            <a:r>
-              <a:rPr lang="en-US" b="1" i="1" dirty="0"/>
-              <a:t>Need to identify which use cases have which risks</a:t>
-            </a:r>
+              <a:rPr lang="en-US" dirty="0">
+                <a:latin typeface="-apple-system"/>
+              </a:rPr>
+              <a:t>K</a:t>
+            </a:r>
+            <a:r>
+              <a:rPr lang="en-US" b="0" i="0" dirty="0">
+                <a:effectLst/>
+                <a:latin typeface="-apple-system"/>
+              </a:rPr>
+              <a:t>eep it abstract</a:t>
+            </a:r>
+          </a:p>
+          <a:p>
+            <a:pPr lvl="1"/>
+            <a:r>
+              <a:rPr lang="en-US" b="0" i="0" dirty="0">
+                <a:effectLst/>
+                <a:latin typeface="-apple-system"/>
+              </a:rPr>
+              <a:t>Don't need a ton of implementation details in use case, it should just state the purpose</a:t>
+            </a:r>
+          </a:p>
+          <a:p>
+            <a:pPr lvl="1"/>
+            <a:r>
+              <a:rPr lang="en-US" dirty="0">
+                <a:latin typeface="-apple-system"/>
+              </a:rPr>
+              <a:t>A </a:t>
+            </a:r>
+            <a:r>
+              <a:rPr lang="en-US" b="0" i="0" dirty="0">
+                <a:effectLst/>
+                <a:latin typeface="-apple-system"/>
+              </a:rPr>
+              <a:t>category can be suggested in the user story</a:t>
+            </a:r>
+          </a:p>
+          <a:p>
+            <a:pPr lvl="2"/>
+            <a:r>
+              <a:rPr lang="en-US" dirty="0">
+                <a:latin typeface="-apple-system"/>
+              </a:rPr>
+              <a:t>G</a:t>
+            </a:r>
+            <a:r>
+              <a:rPr lang="en-US" b="0" i="0" dirty="0">
+                <a:effectLst/>
+                <a:latin typeface="-apple-system"/>
+              </a:rPr>
+              <a:t>ive a definition or link to at least one use case in the "details" section</a:t>
+            </a:r>
+            <a:endParaRPr lang="en-CA" dirty="0"/>
           </a:p>
         </p:txBody>
       </p:sp>
@@ -7515,7 +7991,7 @@
           <p:cNvPr id="4" name="Footer Placeholder 3">
             <a:extLst>
               <a:ext uri="{FF2B5EF4-FFF2-40B4-BE49-F238E27FC236}">
-                <a16:creationId xmlns:a16="http://schemas.microsoft.com/office/drawing/2014/main" id="{8EC9F71E-D9A0-1887-F7E3-880607CCFD88}"/>
+                <a16:creationId xmlns:a16="http://schemas.microsoft.com/office/drawing/2014/main" id="{D1B5EC43-454F-9F9A-6AAF-35DECCEA12C9}"/>
               </a:ext>
             </a:extLst>
           </p:cNvPr>
@@ -7533,7 +8009,7 @@
           <a:p>
             <a:r>
               <a:rPr lang="en-US" dirty="0"/>
-              <a:t>W3C Web of Things (WoT) WG/IG – TPAC 2024</a:t>
+              <a:t>W3C Web of Things (WoT) WG/IG</a:t>
             </a:r>
           </a:p>
         </p:txBody>
@@ -7543,7 +8019,7 @@
           <p:cNvPr id="5" name="Slide Number Placeholder 4">
             <a:extLst>
               <a:ext uri="{FF2B5EF4-FFF2-40B4-BE49-F238E27FC236}">
-                <a16:creationId xmlns:a16="http://schemas.microsoft.com/office/drawing/2014/main" id="{F6D66143-2605-6E52-90A1-373D4AF392EC}"/>
+                <a16:creationId xmlns:a16="http://schemas.microsoft.com/office/drawing/2014/main" id="{7F2E39FC-8EAA-4AE1-9D56-79465C4E0F6A}"/>
               </a:ext>
             </a:extLst>
           </p:cNvPr>
@@ -7572,7 +8048,7 @@
           <p:cNvPr id="6" name="Date Placeholder 5">
             <a:extLst>
               <a:ext uri="{FF2B5EF4-FFF2-40B4-BE49-F238E27FC236}">
-                <a16:creationId xmlns:a16="http://schemas.microsoft.com/office/drawing/2014/main" id="{0884D1E5-BEEA-BC78-5C89-F302C72FA45A}"/>
+                <a16:creationId xmlns:a16="http://schemas.microsoft.com/office/drawing/2014/main" id="{8BC8FF72-5B9B-36B9-05D6-085027FF98B1}"/>
               </a:ext>
             </a:extLst>
           </p:cNvPr>
@@ -7588,17 +8064,18 @@
           <a:bodyPr/>
           <a:lstStyle/>
           <a:p>
-            <a:r>
-              <a:rPr lang="en-US" dirty="0"/>
-              <a:t>2024-09-26</a:t>
-            </a:r>
+            <a:fld id="{B929AB1E-7FD9-0A40-B7C0-508CCACB3E9A}" type="datetime1">
+              <a:rPr lang="en-CA" smtClean="0"/>
+              <a:t>2024-11-29</a:t>
+            </a:fld>
+            <a:endParaRPr lang="en-US"/>
           </a:p>
         </p:txBody>
       </p:sp>
     </p:spTree>
     <p:extLst>
       <p:ext uri="{BB962C8B-B14F-4D97-AF65-F5344CB8AC3E}">
-        <p14:creationId xmlns:p14="http://schemas.microsoft.com/office/powerpoint/2010/main" val="1516491476"/>
+        <p14:creationId xmlns:p14="http://schemas.microsoft.com/office/powerpoint/2010/main" val="380438929"/>
       </p:ext>
     </p:extLst>
   </p:cSld>
@@ -7630,7 +8107,7 @@
           <p:cNvPr id="2" name="Title 1">
             <a:extLst>
               <a:ext uri="{FF2B5EF4-FFF2-40B4-BE49-F238E27FC236}">
-                <a16:creationId xmlns:a16="http://schemas.microsoft.com/office/drawing/2014/main" id="{0F5849BF-AC29-3257-C464-2CADC02E3F3F}"/>
+                <a16:creationId xmlns:a16="http://schemas.microsoft.com/office/drawing/2014/main" id="{F6BE134B-66C4-1D89-1049-4EF2CFB07ED3}"/>
               </a:ext>
             </a:extLst>
           </p:cNvPr>
@@ -7648,7 +8125,7 @@
           <a:p>
             <a:r>
               <a:rPr lang="en-US" dirty="0"/>
-              <a:t>Suggested Plan</a:t>
+              <a:t>Security and Privacy Requirements</a:t>
             </a:r>
           </a:p>
         </p:txBody>
@@ -7658,7 +8135,7 @@
           <p:cNvPr id="3" name="Content Placeholder 2">
             <a:extLst>
               <a:ext uri="{FF2B5EF4-FFF2-40B4-BE49-F238E27FC236}">
-                <a16:creationId xmlns:a16="http://schemas.microsoft.com/office/drawing/2014/main" id="{7F0EBC67-8742-919E-17D8-C6F2A6E96979}"/>
+                <a16:creationId xmlns:a16="http://schemas.microsoft.com/office/drawing/2014/main" id="{E1C9EC77-521A-A3BD-492F-9365062B6645}"/>
               </a:ext>
             </a:extLst>
           </p:cNvPr>
@@ -7671,97 +8148,62 @@
         </p:nvSpPr>
         <p:spPr/>
         <p:txBody>
-          <a:bodyPr>
-            <a:normAutofit lnSpcReduction="10000"/>
-          </a:bodyPr>
-          <a:lstStyle/>
-          <a:p>
-            <a:r>
-              <a:rPr lang="en-US" dirty="0"/>
-              <a:t>Expand “Requirements” Section in Use Cases and Requirements document to define requirements and connect them to use cases.</a:t>
+          <a:bodyPr/>
+          <a:lstStyle/>
+          <a:p>
+            <a:pPr marL="0" indent="0">
+              <a:buNone/>
+            </a:pPr>
+            <a:r>
+              <a:rPr lang="en-US" b="1" dirty="0"/>
+              <a:t>Special case:</a:t>
+            </a:r>
+          </a:p>
+          <a:p>
+            <a:r>
+              <a:rPr lang="en-US" dirty="0"/>
+              <a:t>Security/Privacy features are generally to mitigate “risks”</a:t>
             </a:r>
           </a:p>
           <a:p>
             <a:pPr lvl="1"/>
             <a:r>
               <a:rPr lang="en-US" dirty="0"/>
-              <a:t>Want to avoid editing use cases themselves for authorship and consolidation reasons</a:t>
+              <a:t>S&amp;P sections generally each have a defined risk</a:t>
             </a:r>
           </a:p>
           <a:p>
             <a:pPr lvl="1"/>
             <a:r>
               <a:rPr lang="en-US" dirty="0"/>
-              <a:t>Consolidate: move requirements out of other documents, e.g. Architecture</a:t>
-            </a:r>
-          </a:p>
-          <a:p>
-            <a:r>
-              <a:rPr lang="en-US" dirty="0"/>
-              <a:t>Keep it simple: </a:t>
+              <a:t>… then list mitigations for each risk, some of which may be normative</a:t>
             </a:r>
           </a:p>
           <a:p>
             <a:pPr lvl="1"/>
             <a:r>
               <a:rPr lang="en-US" dirty="0"/>
-              <a:t>A named requirement and a user story defining each one is enough. </a:t>
-            </a:r>
-          </a:p>
-          <a:p>
-            <a:pPr lvl="2"/>
-            <a:r>
-              <a:rPr lang="en-US" dirty="0"/>
-              <a:t>Optionally can have additional description paragraph </a:t>
+              <a:t>In general, mitigations map to capabilities and avoiding risks are purposes</a:t>
+            </a:r>
+          </a:p>
+          <a:p>
+            <a:r>
+              <a:rPr lang="en-US" dirty="0"/>
+              <a:t>Risks are documented in “Security and Privacy Guidelines” document</a:t>
             </a:r>
           </a:p>
           <a:p>
             <a:pPr lvl="1"/>
             <a:r>
               <a:rPr lang="en-US" dirty="0"/>
-              <a:t>Can link to another document for more detailed definitions, e.g. security risks.</a:t>
-            </a:r>
-          </a:p>
-          <a:p>
-            <a:pPr lvl="2"/>
-            <a:r>
-              <a:rPr lang="en-US" dirty="0"/>
-              <a:t>Ideally, linked details should be in a “published” document, not a random MD file somewhere…</a:t>
-            </a:r>
-          </a:p>
-          <a:p>
-            <a:pPr lvl="1"/>
-            <a:r>
-              <a:rPr lang="en-US" dirty="0"/>
-              <a:t>Links to use cases motivating each requirement</a:t>
-            </a:r>
-          </a:p>
-          <a:p>
-            <a:pPr lvl="1"/>
-            <a:r>
-              <a:rPr lang="en-US" dirty="0"/>
-              <a:t>Do not have to link each requirement to ALL use cases motivating it</a:t>
-            </a:r>
-          </a:p>
-          <a:p>
-            <a:pPr lvl="2"/>
-            <a:r>
-              <a:rPr lang="en-US" dirty="0"/>
-              <a:t>Use categories </a:t>
-            </a:r>
-            <a:r>
-              <a:rPr lang="en-US" i="1" dirty="0"/>
-              <a:t>only</a:t>
-            </a:r>
-            <a:r>
-              <a:rPr lang="en-US" dirty="0"/>
-              <a:t> if requirement is motivated by large set of </a:t>
-            </a:r>
-            <a:r>
-              <a:rPr lang="en-US"/>
-              <a:t>use cases</a:t>
-            </a:r>
-            <a:endParaRPr lang="en-US" dirty="0"/>
+              <a:t>Stakeholders need to be made consistent with other documents</a:t>
+            </a:r>
+          </a:p>
+          <a:p>
+            <a:r>
+              <a:rPr lang="en-US" b="1" i="1" dirty="0"/>
+              <a:t>Need to identify which use cases have which risks</a:t>
+            </a:r>
           </a:p>
         </p:txBody>
       </p:sp>
@@ -7770,7 +8212,7 @@
           <p:cNvPr id="4" name="Footer Placeholder 3">
             <a:extLst>
               <a:ext uri="{FF2B5EF4-FFF2-40B4-BE49-F238E27FC236}">
-                <a16:creationId xmlns:a16="http://schemas.microsoft.com/office/drawing/2014/main" id="{AB1CC309-C96B-D3EF-4F11-81381327840A}"/>
+                <a16:creationId xmlns:a16="http://schemas.microsoft.com/office/drawing/2014/main" id="{8EC9F71E-D9A0-1887-F7E3-880607CCFD88}"/>
               </a:ext>
             </a:extLst>
           </p:cNvPr>
@@ -7788,7 +8230,7 @@
           <a:p>
             <a:r>
               <a:rPr lang="en-US" dirty="0"/>
-              <a:t>W3C Web of Things (WoT) WG/IG – TPAC 2024</a:t>
+              <a:t>W3C Web of Things (WoT) WG/IG</a:t>
             </a:r>
           </a:p>
         </p:txBody>
@@ -7798,7 +8240,7 @@
           <p:cNvPr id="5" name="Slide Number Placeholder 4">
             <a:extLst>
               <a:ext uri="{FF2B5EF4-FFF2-40B4-BE49-F238E27FC236}">
-                <a16:creationId xmlns:a16="http://schemas.microsoft.com/office/drawing/2014/main" id="{47AAB1C2-C330-271D-94DC-C8A8B47E9638}"/>
+                <a16:creationId xmlns:a16="http://schemas.microsoft.com/office/drawing/2014/main" id="{F6D66143-2605-6E52-90A1-373D4AF392EC}"/>
               </a:ext>
             </a:extLst>
           </p:cNvPr>
@@ -7827,7 +8269,7 @@
           <p:cNvPr id="6" name="Date Placeholder 5">
             <a:extLst>
               <a:ext uri="{FF2B5EF4-FFF2-40B4-BE49-F238E27FC236}">
-                <a16:creationId xmlns:a16="http://schemas.microsoft.com/office/drawing/2014/main" id="{D2E853E6-C281-22D9-611E-E690D5D0E8A9}"/>
+                <a16:creationId xmlns:a16="http://schemas.microsoft.com/office/drawing/2014/main" id="{0884D1E5-BEEA-BC78-5C89-F302C72FA45A}"/>
               </a:ext>
             </a:extLst>
           </p:cNvPr>
@@ -7853,7 +8295,7 @@
     </p:spTree>
     <p:extLst>
       <p:ext uri="{BB962C8B-B14F-4D97-AF65-F5344CB8AC3E}">
-        <p14:creationId xmlns:p14="http://schemas.microsoft.com/office/powerpoint/2010/main" val="946746563"/>
+        <p14:creationId xmlns:p14="http://schemas.microsoft.com/office/powerpoint/2010/main" val="1516491476"/>
       </p:ext>
     </p:extLst>
   </p:cSld>
@@ -7885,7 +8327,7 @@
           <p:cNvPr id="2" name="Title 1">
             <a:extLst>
               <a:ext uri="{FF2B5EF4-FFF2-40B4-BE49-F238E27FC236}">
-                <a16:creationId xmlns:a16="http://schemas.microsoft.com/office/drawing/2014/main" id="{85810A6D-1173-B005-E564-1FA04B68B225}"/>
+                <a16:creationId xmlns:a16="http://schemas.microsoft.com/office/drawing/2014/main" id="{0F5849BF-AC29-3257-C464-2CADC02E3F3F}"/>
               </a:ext>
             </a:extLst>
           </p:cNvPr>
@@ -7902,8 +8344,8 @@
           <a:lstStyle/>
           <a:p>
             <a:r>
-              <a:rPr lang="en-CA" dirty="0"/>
-              <a:t>Discussion</a:t>
+              <a:rPr lang="en-US" dirty="0"/>
+              <a:t>Suggested Plan</a:t>
             </a:r>
           </a:p>
         </p:txBody>
@@ -7913,7 +8355,7 @@
           <p:cNvPr id="3" name="Content Placeholder 2">
             <a:extLst>
               <a:ext uri="{FF2B5EF4-FFF2-40B4-BE49-F238E27FC236}">
-                <a16:creationId xmlns:a16="http://schemas.microsoft.com/office/drawing/2014/main" id="{7A577F4D-199E-8A53-CD69-5BE279ACD686}"/>
+                <a16:creationId xmlns:a16="http://schemas.microsoft.com/office/drawing/2014/main" id="{7F0EBC67-8742-919E-17D8-C6F2A6E96979}"/>
               </a:ext>
             </a:extLst>
           </p:cNvPr>
@@ -7926,37 +8368,124 @@
         </p:nvSpPr>
         <p:spPr/>
         <p:txBody>
+          <a:bodyPr>
+            <a:normAutofit lnSpcReduction="10000"/>
+          </a:bodyPr>
+          <a:lstStyle/>
+          <a:p>
+            <a:r>
+              <a:rPr lang="en-US" dirty="0"/>
+              <a:t>Expand “Requirements” Section in Use Cases and Requirements document to define requirements and connect them to use cases.</a:t>
+            </a:r>
+          </a:p>
+          <a:p>
+            <a:pPr lvl="1"/>
+            <a:r>
+              <a:rPr lang="en-US" dirty="0"/>
+              <a:t>Want to avoid editing use cases themselves for authorship and consolidation reasons</a:t>
+            </a:r>
+          </a:p>
+          <a:p>
+            <a:pPr lvl="1"/>
+            <a:r>
+              <a:rPr lang="en-US" dirty="0"/>
+              <a:t>Consolidate: move requirements out of other documents, e.g. Architecture</a:t>
+            </a:r>
+          </a:p>
+          <a:p>
+            <a:r>
+              <a:rPr lang="en-US" dirty="0"/>
+              <a:t>Keep it simple: </a:t>
+            </a:r>
+          </a:p>
+          <a:p>
+            <a:pPr lvl="1"/>
+            <a:r>
+              <a:rPr lang="en-US" dirty="0"/>
+              <a:t>A named requirement and a user story defining each one is enough. </a:t>
+            </a:r>
+          </a:p>
+          <a:p>
+            <a:pPr lvl="2"/>
+            <a:r>
+              <a:rPr lang="en-US" dirty="0"/>
+              <a:t>Optionally can have additional description paragraph </a:t>
+            </a:r>
+          </a:p>
+          <a:p>
+            <a:pPr lvl="1"/>
+            <a:r>
+              <a:rPr lang="en-US" dirty="0"/>
+              <a:t>Can link to another document for more detailed definitions, e.g. security risks.</a:t>
+            </a:r>
+          </a:p>
+          <a:p>
+            <a:pPr lvl="2"/>
+            <a:r>
+              <a:rPr lang="en-US" dirty="0"/>
+              <a:t>Ideally, linked details should be in a “published” document, not a random MD file somewhere…</a:t>
+            </a:r>
+          </a:p>
+          <a:p>
+            <a:pPr lvl="1"/>
+            <a:r>
+              <a:rPr lang="en-US" dirty="0"/>
+              <a:t>Links to use cases motivating each requirement</a:t>
+            </a:r>
+          </a:p>
+          <a:p>
+            <a:pPr lvl="1"/>
+            <a:r>
+              <a:rPr lang="en-US" dirty="0"/>
+              <a:t>Do not have to link each requirement to ALL use cases motivating it</a:t>
+            </a:r>
+          </a:p>
+          <a:p>
+            <a:pPr lvl="2"/>
+            <a:r>
+              <a:rPr lang="en-US" dirty="0"/>
+              <a:t>Use categories </a:t>
+            </a:r>
+            <a:r>
+              <a:rPr lang="en-US" i="1" dirty="0"/>
+              <a:t>only</a:t>
+            </a:r>
+            <a:r>
+              <a:rPr lang="en-US" dirty="0"/>
+              <a:t> if requirement is motivated by large set of </a:t>
+            </a:r>
+            <a:r>
+              <a:rPr lang="en-US"/>
+              <a:t>use cases</a:t>
+            </a:r>
+            <a:endParaRPr lang="en-US" dirty="0"/>
+          </a:p>
+        </p:txBody>
+      </p:sp>
+      <p:sp>
+        <p:nvSpPr>
+          <p:cNvPr id="4" name="Footer Placeholder 3">
+            <a:extLst>
+              <a:ext uri="{FF2B5EF4-FFF2-40B4-BE49-F238E27FC236}">
+                <a16:creationId xmlns:a16="http://schemas.microsoft.com/office/drawing/2014/main" id="{AB1CC309-C96B-D3EF-4F11-81381327840A}"/>
+              </a:ext>
+            </a:extLst>
+          </p:cNvPr>
+          <p:cNvSpPr>
+            <a:spLocks noGrp="1"/>
+          </p:cNvSpPr>
+          <p:nvPr>
+            <p:ph type="ftr" sz="quarter" idx="11"/>
+          </p:nvPr>
+        </p:nvSpPr>
+        <p:spPr/>
+        <p:txBody>
           <a:bodyPr/>
           <a:lstStyle/>
           <a:p>
-            <a:endParaRPr lang="en-CA"/>
-          </a:p>
-        </p:txBody>
-      </p:sp>
-      <p:sp>
-        <p:nvSpPr>
-          <p:cNvPr id="4" name="Footer Placeholder 3">
-            <a:extLst>
-              <a:ext uri="{FF2B5EF4-FFF2-40B4-BE49-F238E27FC236}">
-                <a16:creationId xmlns:a16="http://schemas.microsoft.com/office/drawing/2014/main" id="{F0163247-FC3A-0E7A-B262-3D59C7A10154}"/>
-              </a:ext>
-            </a:extLst>
-          </p:cNvPr>
-          <p:cNvSpPr>
-            <a:spLocks noGrp="1"/>
-          </p:cNvSpPr>
-          <p:nvPr>
-            <p:ph type="ftr" sz="quarter" idx="11"/>
-          </p:nvPr>
-        </p:nvSpPr>
-        <p:spPr/>
-        <p:txBody>
-          <a:bodyPr/>
-          <a:lstStyle/>
-          <a:p>
-            <a:r>
-              <a:rPr lang="en-US" dirty="0"/>
-              <a:t>W3C Web of Things (WoT) WG/IG – TPAC 2024</a:t>
+            <a:r>
+              <a:rPr lang="en-US" dirty="0"/>
+              <a:t>W3C Web of Things (WoT) WG/IG</a:t>
             </a:r>
           </a:p>
         </p:txBody>
@@ -7966,7 +8495,7 @@
           <p:cNvPr id="5" name="Slide Number Placeholder 4">
             <a:extLst>
               <a:ext uri="{FF2B5EF4-FFF2-40B4-BE49-F238E27FC236}">
-                <a16:creationId xmlns:a16="http://schemas.microsoft.com/office/drawing/2014/main" id="{1C0916BE-0BA4-C7AF-F770-2431352203B7}"/>
+                <a16:creationId xmlns:a16="http://schemas.microsoft.com/office/drawing/2014/main" id="{47AAB1C2-C330-271D-94DC-C8A8B47E9638}"/>
               </a:ext>
             </a:extLst>
           </p:cNvPr>
@@ -7985,6 +8514,174 @@
             <a:fld id="{055BDE2E-7167-1944-9FEE-E44668D91CB6}" type="slidenum">
               <a:rPr lang="en-US" smtClean="0"/>
               <a:t>17</a:t>
+            </a:fld>
+            <a:endParaRPr lang="en-US"/>
+          </a:p>
+        </p:txBody>
+      </p:sp>
+      <p:sp>
+        <p:nvSpPr>
+          <p:cNvPr id="6" name="Date Placeholder 5">
+            <a:extLst>
+              <a:ext uri="{FF2B5EF4-FFF2-40B4-BE49-F238E27FC236}">
+                <a16:creationId xmlns:a16="http://schemas.microsoft.com/office/drawing/2014/main" id="{D2E853E6-C281-22D9-611E-E690D5D0E8A9}"/>
+              </a:ext>
+            </a:extLst>
+          </p:cNvPr>
+          <p:cNvSpPr>
+            <a:spLocks noGrp="1"/>
+          </p:cNvSpPr>
+          <p:nvPr>
+            <p:ph type="dt" sz="half" idx="10"/>
+          </p:nvPr>
+        </p:nvSpPr>
+        <p:spPr/>
+        <p:txBody>
+          <a:bodyPr/>
+          <a:lstStyle/>
+          <a:p>
+            <a:r>
+              <a:rPr lang="en-US" dirty="0"/>
+              <a:t>2024-09-26</a:t>
+            </a:r>
+          </a:p>
+        </p:txBody>
+      </p:sp>
+    </p:spTree>
+    <p:extLst>
+      <p:ext uri="{BB962C8B-B14F-4D97-AF65-F5344CB8AC3E}">
+        <p14:creationId xmlns:p14="http://schemas.microsoft.com/office/powerpoint/2010/main" val="946746563"/>
+      </p:ext>
+    </p:extLst>
+  </p:cSld>
+  <p:clrMapOvr>
+    <a:masterClrMapping/>
+  </p:clrMapOvr>
+</p:sld>
+</file>
+
+<file path=ppt/slides/slide18.xml><?xml version="1.0" encoding="utf-8"?>
+<p:sld xmlns:a="http://schemas.openxmlformats.org/drawingml/2006/main" xmlns:r="http://schemas.openxmlformats.org/officeDocument/2006/relationships" xmlns:p="http://schemas.openxmlformats.org/presentationml/2006/main">
+  <p:cSld>
+    <p:spTree>
+      <p:nvGrpSpPr>
+        <p:cNvPr id="1" name=""/>
+        <p:cNvGrpSpPr/>
+        <p:nvPr/>
+      </p:nvGrpSpPr>
+      <p:grpSpPr>
+        <a:xfrm>
+          <a:off x="0" y="0"/>
+          <a:ext cx="0" cy="0"/>
+          <a:chOff x="0" y="0"/>
+          <a:chExt cx="0" cy="0"/>
+        </a:xfrm>
+      </p:grpSpPr>
+      <p:sp>
+        <p:nvSpPr>
+          <p:cNvPr id="2" name="Title 1">
+            <a:extLst>
+              <a:ext uri="{FF2B5EF4-FFF2-40B4-BE49-F238E27FC236}">
+                <a16:creationId xmlns:a16="http://schemas.microsoft.com/office/drawing/2014/main" id="{85810A6D-1173-B005-E564-1FA04B68B225}"/>
+              </a:ext>
+            </a:extLst>
+          </p:cNvPr>
+          <p:cNvSpPr>
+            <a:spLocks noGrp="1"/>
+          </p:cNvSpPr>
+          <p:nvPr>
+            <p:ph type="title"/>
+          </p:nvPr>
+        </p:nvSpPr>
+        <p:spPr/>
+        <p:txBody>
+          <a:bodyPr/>
+          <a:lstStyle/>
+          <a:p>
+            <a:r>
+              <a:rPr lang="en-CA" dirty="0"/>
+              <a:t>Discussion</a:t>
+            </a:r>
+          </a:p>
+        </p:txBody>
+      </p:sp>
+      <p:sp>
+        <p:nvSpPr>
+          <p:cNvPr id="3" name="Content Placeholder 2">
+            <a:extLst>
+              <a:ext uri="{FF2B5EF4-FFF2-40B4-BE49-F238E27FC236}">
+                <a16:creationId xmlns:a16="http://schemas.microsoft.com/office/drawing/2014/main" id="{7A577F4D-199E-8A53-CD69-5BE279ACD686}"/>
+              </a:ext>
+            </a:extLst>
+          </p:cNvPr>
+          <p:cNvSpPr>
+            <a:spLocks noGrp="1"/>
+          </p:cNvSpPr>
+          <p:nvPr>
+            <p:ph idx="1"/>
+          </p:nvPr>
+        </p:nvSpPr>
+        <p:spPr/>
+        <p:txBody>
+          <a:bodyPr/>
+          <a:lstStyle/>
+          <a:p>
+            <a:endParaRPr lang="en-CA"/>
+          </a:p>
+        </p:txBody>
+      </p:sp>
+      <p:sp>
+        <p:nvSpPr>
+          <p:cNvPr id="4" name="Footer Placeholder 3">
+            <a:extLst>
+              <a:ext uri="{FF2B5EF4-FFF2-40B4-BE49-F238E27FC236}">
+                <a16:creationId xmlns:a16="http://schemas.microsoft.com/office/drawing/2014/main" id="{F0163247-FC3A-0E7A-B262-3D59C7A10154}"/>
+              </a:ext>
+            </a:extLst>
+          </p:cNvPr>
+          <p:cNvSpPr>
+            <a:spLocks noGrp="1"/>
+          </p:cNvSpPr>
+          <p:nvPr>
+            <p:ph type="ftr" sz="quarter" idx="11"/>
+          </p:nvPr>
+        </p:nvSpPr>
+        <p:spPr/>
+        <p:txBody>
+          <a:bodyPr/>
+          <a:lstStyle/>
+          <a:p>
+            <a:r>
+              <a:rPr lang="en-US" dirty="0"/>
+              <a:t>W3C Web of Things (WoT) WG/IG</a:t>
+            </a:r>
+          </a:p>
+        </p:txBody>
+      </p:sp>
+      <p:sp>
+        <p:nvSpPr>
+          <p:cNvPr id="5" name="Slide Number Placeholder 4">
+            <a:extLst>
+              <a:ext uri="{FF2B5EF4-FFF2-40B4-BE49-F238E27FC236}">
+                <a16:creationId xmlns:a16="http://schemas.microsoft.com/office/drawing/2014/main" id="{1C0916BE-0BA4-C7AF-F770-2431352203B7}"/>
+              </a:ext>
+            </a:extLst>
+          </p:cNvPr>
+          <p:cNvSpPr>
+            <a:spLocks noGrp="1"/>
+          </p:cNvSpPr>
+          <p:nvPr>
+            <p:ph type="sldNum" sz="quarter" idx="12"/>
+          </p:nvPr>
+        </p:nvSpPr>
+        <p:spPr/>
+        <p:txBody>
+          <a:bodyPr/>
+          <a:lstStyle/>
+          <a:p>
+            <a:fld id="{055BDE2E-7167-1944-9FEE-E44668D91CB6}" type="slidenum">
+              <a:rPr lang="en-US" smtClean="0"/>
+              <a:t>18</a:t>
             </a:fld>
             <a:endParaRPr lang="en-US"/>
           </a:p>
@@ -8214,7 +8911,7 @@
           <a:p>
             <a:r>
               <a:rPr lang="en-US" dirty="0"/>
-              <a:t>W3C Web of Things (WoT) WG/IG – TPAC 2024</a:t>
+              <a:t>W3C Web of Things (WoT) WG/IG</a:t>
             </a:r>
           </a:p>
         </p:txBody>
@@ -8301,7 +8998,7 @@
           <a:p>
             <a:r>
               <a:rPr lang="en-US" dirty="0"/>
-              <a:t>UC </a:t>
+              <a:t>WIP: UC </a:t>
             </a:r>
             <a:r>
               <a:rPr lang="en-US" dirty="0">
@@ -8336,7 +9033,7 @@
           <a:p>
             <a:r>
               <a:rPr lang="en-US" dirty="0"/>
-              <a:t>W3C Web of Things (WoT) WG/IG – TPAC 2024</a:t>
+              <a:t>W3C Web of Things (WoT) WG/IG</a:t>
             </a:r>
           </a:p>
         </p:txBody>
@@ -8592,7 +9289,14 @@
             <a:pPr algn="ctr"/>
             <a:r>
               <a:rPr lang="en-US" dirty="0"/>
-              <a:t>Requirement 2</a:t>
+              <a:t>Requirement 2:</a:t>
+            </a:r>
+          </a:p>
+          <a:p>
+            <a:pPr algn="ctr"/>
+            <a:r>
+              <a:rPr lang="en-US" dirty="0"/>
+              <a:t>User Story</a:t>
             </a:r>
           </a:p>
         </p:txBody>
@@ -8644,7 +9348,14 @@
             <a:pPr algn="ctr"/>
             <a:r>
               <a:rPr lang="en-US" dirty="0"/>
-              <a:t>Requirement 1</a:t>
+              <a:t>Requirement 1:</a:t>
+            </a:r>
+            <a:br>
+              <a:rPr lang="en-US" dirty="0"/>
+            </a:br>
+            <a:r>
+              <a:rPr lang="en-US" dirty="0"/>
+              <a:t>User Story</a:t>
             </a:r>
           </a:p>
         </p:txBody>
@@ -8663,8 +9374,8 @@
         </p:nvSpPr>
         <p:spPr>
           <a:xfrm>
-            <a:off x="4777154" y="4891819"/>
-            <a:ext cx="2713892" cy="797169"/>
+            <a:off x="4777154" y="4641011"/>
+            <a:ext cx="2713892" cy="1449238"/>
           </a:xfrm>
           <a:prstGeom prst="rect">
             <a:avLst/>
@@ -8697,6 +9408,13 @@
             <a:r>
               <a:rPr lang="en-US" dirty="0"/>
               <a:t>Work Item</a:t>
+            </a:r>
+            <a:br>
+              <a:rPr lang="en-US" dirty="0"/>
+            </a:br>
+            <a:r>
+              <a:rPr lang="en-US" dirty="0"/>
+              <a:t>(may include more detailed technical requirements)</a:t>
             </a:r>
           </a:p>
         </p:txBody>
@@ -8891,7 +9609,7 @@
         <p:spPr>
           <a:xfrm flipV="1">
             <a:off x="6134100" y="4023518"/>
-            <a:ext cx="1553307" cy="868301"/>
+            <a:ext cx="1553307" cy="617493"/>
           </a:xfrm>
           <a:prstGeom prst="straightConnector1">
             <a:avLst/>
@@ -8934,7 +9652,7 @@
         <p:spPr>
           <a:xfrm flipH="1" flipV="1">
             <a:off x="4539761" y="4023517"/>
-            <a:ext cx="1594339" cy="868302"/>
+            <a:ext cx="1594339" cy="617494"/>
           </a:xfrm>
           <a:prstGeom prst="straightConnector1">
             <a:avLst/>
@@ -8972,8 +9690,8 @@
         </p:nvSpPr>
         <p:spPr>
           <a:xfrm>
-            <a:off x="8569569" y="4891819"/>
-            <a:ext cx="2713892" cy="797169"/>
+            <a:off x="8569569" y="4641011"/>
+            <a:ext cx="2713892" cy="1449238"/>
           </a:xfrm>
           <a:prstGeom prst="rect">
             <a:avLst/>
@@ -9005,7 +9723,14 @@
             <a:pPr algn="ctr"/>
             <a:r>
               <a:rPr lang="en-US" dirty="0"/>
-              <a:t>Feature</a:t>
+              <a:t>WIP Feature</a:t>
+            </a:r>
+            <a:br>
+              <a:rPr lang="en-US" dirty="0"/>
+            </a:br>
+            <a:r>
+              <a:rPr lang="en-US" dirty="0"/>
+              <a:t>(proposed assertions in specification, may include detailed explanation of motivations)</a:t>
             </a:r>
           </a:p>
         </p:txBody>
@@ -9021,14 +9746,14 @@
           </p:cNvPr>
           <p:cNvCxnSpPr>
             <a:cxnSpLocks/>
-            <a:stCxn id="33" idx="1"/>
-            <a:endCxn id="12" idx="3"/>
+            <a:stCxn id="12" idx="3"/>
+            <a:endCxn id="33" idx="1"/>
           </p:cNvCxnSpPr>
           <p:nvPr/>
         </p:nvCxnSpPr>
         <p:spPr>
-          <a:xfrm flipH="1">
-            <a:off x="7491046" y="5290404"/>
+          <a:xfrm>
+            <a:off x="7491046" y="5365630"/>
             <a:ext cx="1078523" cy="0"/>
           </a:xfrm>
           <a:prstGeom prst="straightConnector1">
@@ -9131,7 +9856,7 @@
           <p:cNvPr id="2" name="Title 1">
             <a:extLst>
               <a:ext uri="{FF2B5EF4-FFF2-40B4-BE49-F238E27FC236}">
-                <a16:creationId xmlns:a16="http://schemas.microsoft.com/office/drawing/2014/main" id="{D86E8DF4-3B4B-EB5A-2E08-9B34FA101400}"/>
+                <a16:creationId xmlns:a16="http://schemas.microsoft.com/office/drawing/2014/main" id="{CA69588A-E604-DC85-2066-D7B5C1DC2F29}"/>
               </a:ext>
             </a:extLst>
           </p:cNvPr>
@@ -9148,26 +9873,33 @@
           <a:lstStyle/>
           <a:p>
             <a:r>
-              <a:rPr lang="en-CA" dirty="0"/>
-              <a:t>Requirements: Definition</a:t>
-            </a:r>
-          </a:p>
-        </p:txBody>
-      </p:sp>
-      <p:sp>
-        <p:nvSpPr>
-          <p:cNvPr id="3" name="Content Placeholder 2">
-            <a:extLst>
-              <a:ext uri="{FF2B5EF4-FFF2-40B4-BE49-F238E27FC236}">
-                <a16:creationId xmlns:a16="http://schemas.microsoft.com/office/drawing/2014/main" id="{CC4B03C7-BD25-6DA3-709A-63410BB7D456}"/>
-              </a:ext>
-            </a:extLst>
-          </p:cNvPr>
-          <p:cNvSpPr>
-            <a:spLocks noGrp="1"/>
-          </p:cNvSpPr>
-          <p:nvPr>
-            <p:ph idx="1"/>
+              <a:rPr lang="en-US" dirty="0"/>
+              <a:t>Finalized: UC </a:t>
+            </a:r>
+            <a:r>
+              <a:rPr lang="en-US" dirty="0">
+                <a:sym typeface="Wingdings" panose="05000000000000000000" pitchFamily="2" charset="2"/>
+              </a:rPr>
+              <a:t> Req  Feature</a:t>
+            </a:r>
+            <a:endParaRPr lang="en-US" dirty="0"/>
+          </a:p>
+        </p:txBody>
+      </p:sp>
+      <p:sp>
+        <p:nvSpPr>
+          <p:cNvPr id="4" name="Footer Placeholder 3">
+            <a:extLst>
+              <a:ext uri="{FF2B5EF4-FFF2-40B4-BE49-F238E27FC236}">
+                <a16:creationId xmlns:a16="http://schemas.microsoft.com/office/drawing/2014/main" id="{3FB245D6-3D50-A687-FDC6-1E7069C831BB}"/>
+              </a:ext>
+            </a:extLst>
+          </p:cNvPr>
+          <p:cNvSpPr>
+            <a:spLocks noGrp="1"/>
+          </p:cNvSpPr>
+          <p:nvPr>
+            <p:ph type="ftr" sz="quarter" idx="11"/>
           </p:nvPr>
         </p:nvSpPr>
         <p:spPr/>
@@ -9175,137 +9907,9 @@
           <a:bodyPr/>
           <a:lstStyle/>
           <a:p>
-            <a:pPr marL="0" indent="0">
-              <a:buNone/>
-            </a:pPr>
-            <a:r>
-              <a:rPr lang="en-CA" b="1" dirty="0"/>
-              <a:t>From </a:t>
-            </a:r>
-            <a:r>
-              <a:rPr lang="en-CA" b="1" dirty="0">
-                <a:hlinkClick r:id="rId2"/>
-              </a:rPr>
-              <a:t>IEEE SWEBOK</a:t>
-            </a:r>
-            <a:r>
-              <a:rPr lang="en-CA" b="1" dirty="0"/>
-              <a:t>:</a:t>
-            </a:r>
-          </a:p>
-          <a:p>
-            <a:r>
-              <a:rPr lang="en-US" dirty="0"/>
-              <a:t>a </a:t>
-            </a:r>
-            <a:r>
-              <a:rPr lang="en-US" b="1" dirty="0"/>
-              <a:t>condition or capability </a:t>
-            </a:r>
-            <a:r>
-              <a:rPr lang="en-US" dirty="0"/>
-              <a:t>needed by a </a:t>
-            </a:r>
-            <a:r>
-              <a:rPr lang="en-US" b="1" dirty="0"/>
-              <a:t>user</a:t>
-            </a:r>
-            <a:r>
-              <a:rPr lang="en-US" dirty="0"/>
-              <a:t> to </a:t>
-            </a:r>
-            <a:r>
-              <a:rPr lang="en-US" b="1" dirty="0"/>
-              <a:t>solve a problem or achieve an objective</a:t>
-            </a:r>
-            <a:r>
-              <a:rPr lang="en-US" dirty="0"/>
-              <a:t>;</a:t>
-            </a:r>
-          </a:p>
-          <a:p>
-            <a:r>
-              <a:rPr lang="en-US" dirty="0"/>
-              <a:t>a </a:t>
-            </a:r>
-            <a:r>
-              <a:rPr lang="en-US" b="1" dirty="0"/>
-              <a:t>condition or capability </a:t>
-            </a:r>
-            <a:r>
-              <a:rPr lang="en-US" dirty="0"/>
-              <a:t>that must be </a:t>
-            </a:r>
-            <a:r>
-              <a:rPr lang="en-US" b="1" dirty="0"/>
-              <a:t>met or possessed by a system or system component </a:t>
-            </a:r>
-            <a:r>
-              <a:rPr lang="en-US" dirty="0"/>
-              <a:t>to </a:t>
-            </a:r>
-            <a:r>
-              <a:rPr lang="en-US" b="1" dirty="0"/>
-              <a:t>satisfy a contract, standard, specification or other formally imposed document</a:t>
-            </a:r>
-          </a:p>
-          <a:p>
-            <a:endParaRPr lang="en-US" b="1" dirty="0"/>
-          </a:p>
-          <a:p>
-            <a:r>
-              <a:rPr lang="en-US" b="1" dirty="0"/>
-              <a:t>Summary:</a:t>
-            </a:r>
-          </a:p>
-          <a:p>
-            <a:pPr lvl="1"/>
-            <a:r>
-              <a:rPr lang="en-US" dirty="0"/>
-              <a:t>Condition or capability: What</a:t>
-            </a:r>
-          </a:p>
-          <a:p>
-            <a:pPr lvl="1"/>
-            <a:r>
-              <a:rPr lang="en-US" dirty="0"/>
-              <a:t>User or contract/specification (from some stakeholder…): Who</a:t>
-            </a:r>
-          </a:p>
-          <a:p>
-            <a:pPr lvl="1"/>
-            <a:r>
-              <a:rPr lang="en-US" dirty="0"/>
-              <a:t>Solve a problem or achieve an objective: Why</a:t>
-            </a:r>
-            <a:endParaRPr lang="en-CA" dirty="0"/>
-          </a:p>
-        </p:txBody>
-      </p:sp>
-      <p:sp>
-        <p:nvSpPr>
-          <p:cNvPr id="4" name="Footer Placeholder 3">
-            <a:extLst>
-              <a:ext uri="{FF2B5EF4-FFF2-40B4-BE49-F238E27FC236}">
-                <a16:creationId xmlns:a16="http://schemas.microsoft.com/office/drawing/2014/main" id="{2612E129-339C-67B4-536E-1621186A7AC1}"/>
-              </a:ext>
-            </a:extLst>
-          </p:cNvPr>
-          <p:cNvSpPr>
-            <a:spLocks noGrp="1"/>
-          </p:cNvSpPr>
-          <p:nvPr>
-            <p:ph type="ftr" sz="quarter" idx="11"/>
-          </p:nvPr>
-        </p:nvSpPr>
-        <p:spPr/>
-        <p:txBody>
-          <a:bodyPr/>
-          <a:lstStyle/>
-          <a:p>
-            <a:r>
-              <a:rPr lang="en-US" dirty="0"/>
-              <a:t>W3C Web of Things (WoT) WG/IG - Update</a:t>
+            <a:r>
+              <a:rPr lang="en-US" dirty="0"/>
+              <a:t>W3C Web of Things (WoT) WG/IG</a:t>
             </a:r>
           </a:p>
         </p:txBody>
@@ -9315,7 +9919,7 @@
           <p:cNvPr id="5" name="Slide Number Placeholder 4">
             <a:extLst>
               <a:ext uri="{FF2B5EF4-FFF2-40B4-BE49-F238E27FC236}">
-                <a16:creationId xmlns:a16="http://schemas.microsoft.com/office/drawing/2014/main" id="{2BC8557E-C886-E6EF-3F48-1D88B8BB65DE}"/>
+                <a16:creationId xmlns:a16="http://schemas.microsoft.com/office/drawing/2014/main" id="{E31811FE-79B6-DD76-9F6D-68B037CC1EE3}"/>
               </a:ext>
             </a:extLst>
           </p:cNvPr>
@@ -9344,7 +9948,7 @@
           <p:cNvPr id="6" name="Date Placeholder 5">
             <a:extLst>
               <a:ext uri="{FF2B5EF4-FFF2-40B4-BE49-F238E27FC236}">
-                <a16:creationId xmlns:a16="http://schemas.microsoft.com/office/drawing/2014/main" id="{5965CBF6-7085-1ADF-2F70-0BAFE4274144}"/>
+                <a16:creationId xmlns:a16="http://schemas.microsoft.com/office/drawing/2014/main" id="{F8299A7B-FAAA-1A86-EF17-30845A81B4AA}"/>
               </a:ext>
             </a:extLst>
           </p:cNvPr>
@@ -9360,24 +9964,776 @@
           <a:bodyPr/>
           <a:lstStyle/>
           <a:p>
-            <a:fld id="{B929AB1E-7FD9-0A40-B7C0-508CCACB3E9A}" type="datetime1">
-              <a:rPr lang="en-CA" smtClean="0"/>
-              <a:t>2024-11-29</a:t>
-            </a:fld>
-            <a:endParaRPr lang="en-US"/>
+            <a:r>
+              <a:rPr lang="en-US" dirty="0"/>
+              <a:t>2024-09-26</a:t>
+            </a:r>
+          </a:p>
+        </p:txBody>
+      </p:sp>
+      <p:sp>
+        <p:nvSpPr>
+          <p:cNvPr id="7" name="Rectangle 6">
+            <a:extLst>
+              <a:ext uri="{FF2B5EF4-FFF2-40B4-BE49-F238E27FC236}">
+                <a16:creationId xmlns:a16="http://schemas.microsoft.com/office/drawing/2014/main" id="{C7442F1F-3F84-7058-7CBE-0045236058FD}"/>
+              </a:ext>
+            </a:extLst>
+          </p:cNvPr>
+          <p:cNvSpPr/>
+          <p:nvPr/>
+        </p:nvSpPr>
+        <p:spPr>
+          <a:xfrm>
+            <a:off x="4736123" y="1576754"/>
+            <a:ext cx="2713892" cy="797169"/>
+          </a:xfrm>
+          <a:prstGeom prst="rect">
+            <a:avLst/>
+          </a:prstGeom>
+        </p:spPr>
+        <p:style>
+          <a:lnRef idx="2">
+            <a:schemeClr val="accent1">
+              <a:shade val="15000"/>
+            </a:schemeClr>
+          </a:lnRef>
+          <a:fillRef idx="1">
+            <a:schemeClr val="accent1"/>
+          </a:fillRef>
+          <a:effectRef idx="0">
+            <a:schemeClr val="accent1"/>
+          </a:effectRef>
+          <a:fontRef idx="minor">
+            <a:schemeClr val="lt1"/>
+          </a:fontRef>
+        </p:style>
+        <p:txBody>
+          <a:bodyPr rtlCol="0" anchor="ctr"/>
+          <a:lstStyle/>
+          <a:p>
+            <a:pPr algn="ctr"/>
+            <a:r>
+              <a:rPr lang="en-US" dirty="0"/>
+              <a:t>Use Case 2</a:t>
+            </a:r>
+          </a:p>
+        </p:txBody>
+      </p:sp>
+      <p:sp>
+        <p:nvSpPr>
+          <p:cNvPr id="8" name="Rectangle 7">
+            <a:extLst>
+              <a:ext uri="{FF2B5EF4-FFF2-40B4-BE49-F238E27FC236}">
+                <a16:creationId xmlns:a16="http://schemas.microsoft.com/office/drawing/2014/main" id="{97B14BDC-B353-4C5B-B3C8-6C09D2D09641}"/>
+              </a:ext>
+            </a:extLst>
+          </p:cNvPr>
+          <p:cNvSpPr/>
+          <p:nvPr/>
+        </p:nvSpPr>
+        <p:spPr>
+          <a:xfrm>
+            <a:off x="7883769" y="1576753"/>
+            <a:ext cx="2713892" cy="797169"/>
+          </a:xfrm>
+          <a:prstGeom prst="rect">
+            <a:avLst/>
+          </a:prstGeom>
+        </p:spPr>
+        <p:style>
+          <a:lnRef idx="2">
+            <a:schemeClr val="accent1">
+              <a:shade val="15000"/>
+            </a:schemeClr>
+          </a:lnRef>
+          <a:fillRef idx="1">
+            <a:schemeClr val="accent1"/>
+          </a:fillRef>
+          <a:effectRef idx="0">
+            <a:schemeClr val="accent1"/>
+          </a:effectRef>
+          <a:fontRef idx="minor">
+            <a:schemeClr val="lt1"/>
+          </a:fontRef>
+        </p:style>
+        <p:txBody>
+          <a:bodyPr rtlCol="0" anchor="ctr"/>
+          <a:lstStyle/>
+          <a:p>
+            <a:pPr algn="ctr"/>
+            <a:r>
+              <a:rPr lang="en-US" dirty="0"/>
+              <a:t>Use Case 3</a:t>
+            </a:r>
+          </a:p>
+        </p:txBody>
+      </p:sp>
+      <p:sp>
+        <p:nvSpPr>
+          <p:cNvPr id="9" name="Rectangle 8">
+            <a:extLst>
+              <a:ext uri="{FF2B5EF4-FFF2-40B4-BE49-F238E27FC236}">
+                <a16:creationId xmlns:a16="http://schemas.microsoft.com/office/drawing/2014/main" id="{2720DD90-F0C6-6B69-C51F-9E755A239EAF}"/>
+              </a:ext>
+            </a:extLst>
+          </p:cNvPr>
+          <p:cNvSpPr/>
+          <p:nvPr/>
+        </p:nvSpPr>
+        <p:spPr>
+          <a:xfrm>
+            <a:off x="1588477" y="1576753"/>
+            <a:ext cx="2713892" cy="797169"/>
+          </a:xfrm>
+          <a:prstGeom prst="rect">
+            <a:avLst/>
+          </a:prstGeom>
+        </p:spPr>
+        <p:style>
+          <a:lnRef idx="2">
+            <a:schemeClr val="accent1">
+              <a:shade val="15000"/>
+            </a:schemeClr>
+          </a:lnRef>
+          <a:fillRef idx="1">
+            <a:schemeClr val="accent1"/>
+          </a:fillRef>
+          <a:effectRef idx="0">
+            <a:schemeClr val="accent1"/>
+          </a:effectRef>
+          <a:fontRef idx="minor">
+            <a:schemeClr val="lt1"/>
+          </a:fontRef>
+        </p:style>
+        <p:txBody>
+          <a:bodyPr rtlCol="0" anchor="ctr"/>
+          <a:lstStyle/>
+          <a:p>
+            <a:pPr algn="ctr"/>
+            <a:r>
+              <a:rPr lang="en-US" dirty="0"/>
+              <a:t>Use Case 1</a:t>
+            </a:r>
+          </a:p>
+        </p:txBody>
+      </p:sp>
+      <p:sp>
+        <p:nvSpPr>
+          <p:cNvPr id="10" name="Rectangle 9">
+            <a:extLst>
+              <a:ext uri="{FF2B5EF4-FFF2-40B4-BE49-F238E27FC236}">
+                <a16:creationId xmlns:a16="http://schemas.microsoft.com/office/drawing/2014/main" id="{1E88C1A4-0BAA-FF6E-F1DE-A404DCE185F4}"/>
+              </a:ext>
+            </a:extLst>
+          </p:cNvPr>
+          <p:cNvSpPr/>
+          <p:nvPr/>
+        </p:nvSpPr>
+        <p:spPr>
+          <a:xfrm>
+            <a:off x="6330461" y="3226349"/>
+            <a:ext cx="2713892" cy="797169"/>
+          </a:xfrm>
+          <a:prstGeom prst="rect">
+            <a:avLst/>
+          </a:prstGeom>
+          <a:solidFill>
+            <a:srgbClr val="C00000"/>
+          </a:solidFill>
+        </p:spPr>
+        <p:style>
+          <a:lnRef idx="2">
+            <a:schemeClr val="accent1">
+              <a:shade val="15000"/>
+            </a:schemeClr>
+          </a:lnRef>
+          <a:fillRef idx="1">
+            <a:schemeClr val="accent1"/>
+          </a:fillRef>
+          <a:effectRef idx="0">
+            <a:schemeClr val="accent1"/>
+          </a:effectRef>
+          <a:fontRef idx="minor">
+            <a:schemeClr val="lt1"/>
+          </a:fontRef>
+        </p:style>
+        <p:txBody>
+          <a:bodyPr rtlCol="0" anchor="ctr"/>
+          <a:lstStyle/>
+          <a:p>
+            <a:pPr algn="ctr"/>
+            <a:r>
+              <a:rPr lang="en-US" dirty="0"/>
+              <a:t>Requirement 2:</a:t>
+            </a:r>
+          </a:p>
+          <a:p>
+            <a:pPr algn="ctr"/>
+            <a:r>
+              <a:rPr lang="en-US" dirty="0"/>
+              <a:t>User Story</a:t>
+            </a:r>
+          </a:p>
+        </p:txBody>
+      </p:sp>
+      <p:sp>
+        <p:nvSpPr>
+          <p:cNvPr id="11" name="Rectangle 10">
+            <a:extLst>
+              <a:ext uri="{FF2B5EF4-FFF2-40B4-BE49-F238E27FC236}">
+                <a16:creationId xmlns:a16="http://schemas.microsoft.com/office/drawing/2014/main" id="{5700AC7F-180D-45CF-5638-5E2C1E9F4FDC}"/>
+              </a:ext>
+            </a:extLst>
+          </p:cNvPr>
+          <p:cNvSpPr/>
+          <p:nvPr/>
+        </p:nvSpPr>
+        <p:spPr>
+          <a:xfrm>
+            <a:off x="3182815" y="3226348"/>
+            <a:ext cx="2713892" cy="797169"/>
+          </a:xfrm>
+          <a:prstGeom prst="rect">
+            <a:avLst/>
+          </a:prstGeom>
+          <a:solidFill>
+            <a:srgbClr val="C00000"/>
+          </a:solidFill>
+        </p:spPr>
+        <p:style>
+          <a:lnRef idx="2">
+            <a:schemeClr val="accent1">
+              <a:shade val="15000"/>
+            </a:schemeClr>
+          </a:lnRef>
+          <a:fillRef idx="1">
+            <a:schemeClr val="accent1"/>
+          </a:fillRef>
+          <a:effectRef idx="0">
+            <a:schemeClr val="accent1"/>
+          </a:effectRef>
+          <a:fontRef idx="minor">
+            <a:schemeClr val="lt1"/>
+          </a:fontRef>
+        </p:style>
+        <p:txBody>
+          <a:bodyPr rtlCol="0" anchor="ctr"/>
+          <a:lstStyle/>
+          <a:p>
+            <a:pPr algn="ctr"/>
+            <a:r>
+              <a:rPr lang="en-US" dirty="0"/>
+              <a:t>Requirement 1:</a:t>
+            </a:r>
+            <a:br>
+              <a:rPr lang="en-US" dirty="0"/>
+            </a:br>
+            <a:r>
+              <a:rPr lang="en-US" dirty="0"/>
+              <a:t>User Story</a:t>
+            </a:r>
+          </a:p>
+        </p:txBody>
+      </p:sp>
+      <p:cxnSp>
+        <p:nvCxnSpPr>
+          <p:cNvPr id="14" name="Straight Arrow Connector 13">
+            <a:extLst>
+              <a:ext uri="{FF2B5EF4-FFF2-40B4-BE49-F238E27FC236}">
+                <a16:creationId xmlns:a16="http://schemas.microsoft.com/office/drawing/2014/main" id="{D6719C89-F426-30D4-FBF5-930B78819C96}"/>
+              </a:ext>
+            </a:extLst>
+          </p:cNvPr>
+          <p:cNvCxnSpPr>
+            <a:stCxn id="11" idx="0"/>
+            <a:endCxn id="9" idx="2"/>
+          </p:cNvCxnSpPr>
+          <p:nvPr/>
+        </p:nvCxnSpPr>
+        <p:spPr>
+          <a:xfrm flipH="1" flipV="1">
+            <a:off x="2945423" y="2373922"/>
+            <a:ext cx="1594338" cy="852426"/>
+          </a:xfrm>
+          <a:prstGeom prst="straightConnector1">
+            <a:avLst/>
+          </a:prstGeom>
+          <a:ln>
+            <a:tailEnd type="triangle"/>
+          </a:ln>
+        </p:spPr>
+        <p:style>
+          <a:lnRef idx="3">
+            <a:schemeClr val="dk1"/>
+          </a:lnRef>
+          <a:fillRef idx="0">
+            <a:schemeClr val="dk1"/>
+          </a:fillRef>
+          <a:effectRef idx="2">
+            <a:schemeClr val="dk1"/>
+          </a:effectRef>
+          <a:fontRef idx="minor">
+            <a:schemeClr val="tx1"/>
+          </a:fontRef>
+        </p:style>
+      </p:cxnSp>
+      <p:cxnSp>
+        <p:nvCxnSpPr>
+          <p:cNvPr id="15" name="Straight Arrow Connector 13">
+            <a:extLst>
+              <a:ext uri="{FF2B5EF4-FFF2-40B4-BE49-F238E27FC236}">
+                <a16:creationId xmlns:a16="http://schemas.microsoft.com/office/drawing/2014/main" id="{955874CB-72C4-0E08-42FF-D9D441E8619E}"/>
+              </a:ext>
+            </a:extLst>
+          </p:cNvPr>
+          <p:cNvCxnSpPr>
+            <a:cxnSpLocks/>
+            <a:stCxn id="11" idx="0"/>
+            <a:endCxn id="7" idx="2"/>
+          </p:cNvCxnSpPr>
+          <p:nvPr/>
+        </p:nvCxnSpPr>
+        <p:spPr>
+          <a:xfrm flipV="1">
+            <a:off x="4539761" y="2373923"/>
+            <a:ext cx="1553308" cy="852425"/>
+          </a:xfrm>
+          <a:prstGeom prst="straightConnector1">
+            <a:avLst/>
+          </a:prstGeom>
+          <a:ln>
+            <a:tailEnd type="triangle"/>
+          </a:ln>
+        </p:spPr>
+        <p:style>
+          <a:lnRef idx="3">
+            <a:schemeClr val="dk1"/>
+          </a:lnRef>
+          <a:fillRef idx="0">
+            <a:schemeClr val="dk1"/>
+          </a:fillRef>
+          <a:effectRef idx="2">
+            <a:schemeClr val="dk1"/>
+          </a:effectRef>
+          <a:fontRef idx="minor">
+            <a:schemeClr val="tx1"/>
+          </a:fontRef>
+        </p:style>
+      </p:cxnSp>
+      <p:cxnSp>
+        <p:nvCxnSpPr>
+          <p:cNvPr id="21" name="Straight Arrow Connector 13">
+            <a:extLst>
+              <a:ext uri="{FF2B5EF4-FFF2-40B4-BE49-F238E27FC236}">
+                <a16:creationId xmlns:a16="http://schemas.microsoft.com/office/drawing/2014/main" id="{2EEF0C79-59C5-6A03-0997-501C41D69358}"/>
+              </a:ext>
+            </a:extLst>
+          </p:cNvPr>
+          <p:cNvCxnSpPr>
+            <a:cxnSpLocks/>
+            <a:stCxn id="10" idx="0"/>
+            <a:endCxn id="7" idx="2"/>
+          </p:cNvCxnSpPr>
+          <p:nvPr/>
+        </p:nvCxnSpPr>
+        <p:spPr>
+          <a:xfrm flipH="1" flipV="1">
+            <a:off x="6093069" y="2373923"/>
+            <a:ext cx="1594338" cy="852426"/>
+          </a:xfrm>
+          <a:prstGeom prst="straightConnector1">
+            <a:avLst/>
+          </a:prstGeom>
+          <a:ln>
+            <a:tailEnd type="triangle"/>
+          </a:ln>
+        </p:spPr>
+        <p:style>
+          <a:lnRef idx="3">
+            <a:schemeClr val="dk1"/>
+          </a:lnRef>
+          <a:fillRef idx="0">
+            <a:schemeClr val="dk1"/>
+          </a:fillRef>
+          <a:effectRef idx="2">
+            <a:schemeClr val="dk1"/>
+          </a:effectRef>
+          <a:fontRef idx="minor">
+            <a:schemeClr val="tx1"/>
+          </a:fontRef>
+        </p:style>
+      </p:cxnSp>
+      <p:cxnSp>
+        <p:nvCxnSpPr>
+          <p:cNvPr id="24" name="Straight Arrow Connector 13">
+            <a:extLst>
+              <a:ext uri="{FF2B5EF4-FFF2-40B4-BE49-F238E27FC236}">
+                <a16:creationId xmlns:a16="http://schemas.microsoft.com/office/drawing/2014/main" id="{FA3855A6-C04D-5E8F-A2A0-E3495CB57FD7}"/>
+              </a:ext>
+            </a:extLst>
+          </p:cNvPr>
+          <p:cNvCxnSpPr>
+            <a:cxnSpLocks/>
+            <a:stCxn id="10" idx="0"/>
+            <a:endCxn id="8" idx="2"/>
+          </p:cNvCxnSpPr>
+          <p:nvPr/>
+        </p:nvCxnSpPr>
+        <p:spPr>
+          <a:xfrm flipV="1">
+            <a:off x="7687407" y="2373922"/>
+            <a:ext cx="1553308" cy="852427"/>
+          </a:xfrm>
+          <a:prstGeom prst="straightConnector1">
+            <a:avLst/>
+          </a:prstGeom>
+          <a:ln>
+            <a:tailEnd type="triangle"/>
+          </a:ln>
+        </p:spPr>
+        <p:style>
+          <a:lnRef idx="3">
+            <a:schemeClr val="dk1"/>
+          </a:lnRef>
+          <a:fillRef idx="0">
+            <a:schemeClr val="dk1"/>
+          </a:fillRef>
+          <a:effectRef idx="2">
+            <a:schemeClr val="dk1"/>
+          </a:effectRef>
+          <a:fontRef idx="minor">
+            <a:schemeClr val="tx1"/>
+          </a:fontRef>
+        </p:style>
+      </p:cxnSp>
+      <p:cxnSp>
+        <p:nvCxnSpPr>
+          <p:cNvPr id="30" name="Straight Arrow Connector 13">
+            <a:extLst>
+              <a:ext uri="{FF2B5EF4-FFF2-40B4-BE49-F238E27FC236}">
+                <a16:creationId xmlns:a16="http://schemas.microsoft.com/office/drawing/2014/main" id="{12A1ED80-547A-C81E-98E8-085C1E1E12F2}"/>
+              </a:ext>
+            </a:extLst>
+          </p:cNvPr>
+          <p:cNvCxnSpPr>
+            <a:cxnSpLocks/>
+            <a:stCxn id="33" idx="1"/>
+            <a:endCxn id="11" idx="2"/>
+          </p:cNvCxnSpPr>
+          <p:nvPr/>
+        </p:nvCxnSpPr>
+        <p:spPr>
+          <a:xfrm flipH="1" flipV="1">
+            <a:off x="4539761" y="4023517"/>
+            <a:ext cx="4029808" cy="1342113"/>
+          </a:xfrm>
+          <a:prstGeom prst="straightConnector1">
+            <a:avLst/>
+          </a:prstGeom>
+          <a:ln>
+            <a:tailEnd type="triangle"/>
+          </a:ln>
+        </p:spPr>
+        <p:style>
+          <a:lnRef idx="3">
+            <a:schemeClr val="dk1"/>
+          </a:lnRef>
+          <a:fillRef idx="0">
+            <a:schemeClr val="dk1"/>
+          </a:fillRef>
+          <a:effectRef idx="2">
+            <a:schemeClr val="dk1"/>
+          </a:effectRef>
+          <a:fontRef idx="minor">
+            <a:schemeClr val="tx1"/>
+          </a:fontRef>
+        </p:style>
+      </p:cxnSp>
+      <p:sp>
+        <p:nvSpPr>
+          <p:cNvPr id="33" name="Rectangle 32">
+            <a:extLst>
+              <a:ext uri="{FF2B5EF4-FFF2-40B4-BE49-F238E27FC236}">
+                <a16:creationId xmlns:a16="http://schemas.microsoft.com/office/drawing/2014/main" id="{B4072504-A8CE-D749-C944-D7207B7F9578}"/>
+              </a:ext>
+            </a:extLst>
+          </p:cNvPr>
+          <p:cNvSpPr/>
+          <p:nvPr/>
+        </p:nvSpPr>
+        <p:spPr>
+          <a:xfrm>
+            <a:off x="8569569" y="4641011"/>
+            <a:ext cx="2713892" cy="1449238"/>
+          </a:xfrm>
+          <a:prstGeom prst="rect">
+            <a:avLst/>
+          </a:prstGeom>
+          <a:solidFill>
+            <a:srgbClr val="00B050"/>
+          </a:solidFill>
+        </p:spPr>
+        <p:style>
+          <a:lnRef idx="2">
+            <a:schemeClr val="accent1">
+              <a:shade val="15000"/>
+            </a:schemeClr>
+          </a:lnRef>
+          <a:fillRef idx="1">
+            <a:schemeClr val="accent1"/>
+          </a:fillRef>
+          <a:effectRef idx="0">
+            <a:schemeClr val="accent1"/>
+          </a:effectRef>
+          <a:fontRef idx="minor">
+            <a:schemeClr val="lt1"/>
+          </a:fontRef>
+        </p:style>
+        <p:txBody>
+          <a:bodyPr rtlCol="0" anchor="ctr"/>
+          <a:lstStyle/>
+          <a:p>
+            <a:pPr algn="ctr"/>
+            <a:r>
+              <a:rPr lang="en-US" dirty="0"/>
+              <a:t>Feature</a:t>
+            </a:r>
+            <a:br>
+              <a:rPr lang="en-US" dirty="0"/>
+            </a:br>
+            <a:r>
+              <a:rPr lang="en-US" dirty="0"/>
+              <a:t>(assertions in specification, may include detailed explanation of motivations)</a:t>
+            </a:r>
+          </a:p>
+        </p:txBody>
+      </p:sp>
+      <p:cxnSp>
+        <p:nvCxnSpPr>
+          <p:cNvPr id="34" name="Straight Arrow Connector 13">
+            <a:extLst>
+              <a:ext uri="{FF2B5EF4-FFF2-40B4-BE49-F238E27FC236}">
+                <a16:creationId xmlns:a16="http://schemas.microsoft.com/office/drawing/2014/main" id="{75A5CA03-3735-C5AF-BFED-C6C87F829DE1}"/>
+              </a:ext>
+            </a:extLst>
+          </p:cNvPr>
+          <p:cNvCxnSpPr>
+            <a:cxnSpLocks/>
+            <a:stCxn id="33" idx="1"/>
+          </p:cNvCxnSpPr>
+          <p:nvPr/>
+        </p:nvCxnSpPr>
+        <p:spPr>
+          <a:xfrm flipH="1" flipV="1">
+            <a:off x="7687407" y="4023518"/>
+            <a:ext cx="882162" cy="1342112"/>
+          </a:xfrm>
+          <a:prstGeom prst="straightConnector1">
+            <a:avLst/>
+          </a:prstGeom>
+          <a:ln>
+            <a:tailEnd type="triangle"/>
+          </a:ln>
+        </p:spPr>
+        <p:style>
+          <a:lnRef idx="3">
+            <a:schemeClr val="dk1"/>
+          </a:lnRef>
+          <a:fillRef idx="0">
+            <a:schemeClr val="dk1"/>
+          </a:fillRef>
+          <a:effectRef idx="2">
+            <a:schemeClr val="dk1"/>
+          </a:effectRef>
+          <a:fontRef idx="minor">
+            <a:schemeClr val="tx1"/>
+          </a:fontRef>
+        </p:style>
+      </p:cxnSp>
+      <p:cxnSp>
+        <p:nvCxnSpPr>
+          <p:cNvPr id="3" name="Straight Arrow Connector 13">
+            <a:extLst>
+              <a:ext uri="{FF2B5EF4-FFF2-40B4-BE49-F238E27FC236}">
+                <a16:creationId xmlns:a16="http://schemas.microsoft.com/office/drawing/2014/main" id="{729D172E-F3F6-C22F-7AF3-F3CE9AD2F659}"/>
+              </a:ext>
+            </a:extLst>
+          </p:cNvPr>
+          <p:cNvCxnSpPr>
+            <a:cxnSpLocks/>
+            <a:stCxn id="10" idx="0"/>
+            <a:endCxn id="9" idx="2"/>
+          </p:cNvCxnSpPr>
+          <p:nvPr/>
+        </p:nvCxnSpPr>
+        <p:spPr>
+          <a:xfrm flipH="1" flipV="1">
+            <a:off x="2945423" y="2373922"/>
+            <a:ext cx="4741984" cy="852427"/>
+          </a:xfrm>
+          <a:prstGeom prst="straightConnector1">
+            <a:avLst/>
+          </a:prstGeom>
+          <a:ln>
+            <a:tailEnd type="triangle"/>
+          </a:ln>
+        </p:spPr>
+        <p:style>
+          <a:lnRef idx="3">
+            <a:schemeClr val="dk1"/>
+          </a:lnRef>
+          <a:fillRef idx="0">
+            <a:schemeClr val="dk1"/>
+          </a:fillRef>
+          <a:effectRef idx="2">
+            <a:schemeClr val="dk1"/>
+          </a:effectRef>
+          <a:fontRef idx="minor">
+            <a:schemeClr val="tx1"/>
+          </a:fontRef>
+        </p:style>
+      </p:cxnSp>
+      <p:sp>
+        <p:nvSpPr>
+          <p:cNvPr id="23" name="TextBox 22">
+            <a:extLst>
+              <a:ext uri="{FF2B5EF4-FFF2-40B4-BE49-F238E27FC236}">
+                <a16:creationId xmlns:a16="http://schemas.microsoft.com/office/drawing/2014/main" id="{C0299CCA-0A9E-66C8-C627-8C64901EFA8C}"/>
+              </a:ext>
+            </a:extLst>
+          </p:cNvPr>
+          <p:cNvSpPr txBox="1"/>
+          <p:nvPr/>
+        </p:nvSpPr>
+        <p:spPr>
+          <a:xfrm>
+            <a:off x="5316415" y="4468184"/>
+            <a:ext cx="2726387" cy="923330"/>
+          </a:xfrm>
+          <a:prstGeom prst="rect">
+            <a:avLst/>
+          </a:prstGeom>
+          <a:solidFill>
+            <a:srgbClr val="FFFF00"/>
+          </a:solidFill>
+        </p:spPr>
+        <p:txBody>
+          <a:bodyPr wrap="none" rtlCol="0">
+            <a:spAutoFit/>
+          </a:bodyPr>
+          <a:lstStyle/>
+          <a:p>
+            <a:r>
+              <a:rPr lang="en-US" dirty="0"/>
+              <a:t>Still discussing how best to</a:t>
+            </a:r>
+            <a:br>
+              <a:rPr lang="en-US" dirty="0"/>
+            </a:br>
+            <a:r>
+              <a:rPr lang="en-US" dirty="0"/>
+              <a:t>maintain these links, which</a:t>
+            </a:r>
+            <a:br>
+              <a:rPr lang="en-US" dirty="0"/>
+            </a:br>
+            <a:r>
+              <a:rPr lang="en-US" dirty="0"/>
+              <a:t>direction they go, etc.</a:t>
+            </a:r>
+            <a:endParaRPr lang="en-CA" dirty="0"/>
           </a:p>
         </p:txBody>
       </p:sp>
     </p:spTree>
     <p:extLst>
       <p:ext uri="{BB962C8B-B14F-4D97-AF65-F5344CB8AC3E}">
-        <p14:creationId xmlns:p14="http://schemas.microsoft.com/office/powerpoint/2010/main" val="2098326459"/>
+        <p14:creationId xmlns:p14="http://schemas.microsoft.com/office/powerpoint/2010/main" val="1834871051"/>
       </p:ext>
     </p:extLst>
   </p:cSld>
   <p:clrMapOvr>
     <a:masterClrMapping/>
   </p:clrMapOvr>
+  <p:timing>
+    <p:tnLst>
+      <p:par>
+        <p:cTn id="1" dur="indefinite" restart="never" nodeType="tmRoot">
+          <p:childTnLst>
+            <p:seq concurrent="1" nextAc="seek">
+              <p:cTn id="2" dur="indefinite" nodeType="mainSeq">
+                <p:childTnLst>
+                  <p:par>
+                    <p:cTn id="3" fill="hold">
+                      <p:stCondLst>
+                        <p:cond delay="indefinite"/>
+                      </p:stCondLst>
+                      <p:childTnLst>
+                        <p:par>
+                          <p:cTn id="4" fill="hold">
+                            <p:stCondLst>
+                              <p:cond delay="0"/>
+                            </p:stCondLst>
+                            <p:childTnLst>
+                              <p:par>
+                                <p:cTn id="5" presetID="1" presetClass="entr" presetSubtype="0" fill="hold" grpId="0" nodeType="clickEffect">
+                                  <p:stCondLst>
+                                    <p:cond delay="0"/>
+                                  </p:stCondLst>
+                                  <p:childTnLst>
+                                    <p:set>
+                                      <p:cBhvr>
+                                        <p:cTn id="6" dur="1" fill="hold">
+                                          <p:stCondLst>
+                                            <p:cond delay="0"/>
+                                          </p:stCondLst>
+                                        </p:cTn>
+                                        <p:tgtEl>
+                                          <p:spTgt spid="23"/>
+                                        </p:tgtEl>
+                                        <p:attrNameLst>
+                                          <p:attrName>style.visibility</p:attrName>
+                                        </p:attrNameLst>
+                                      </p:cBhvr>
+                                      <p:to>
+                                        <p:strVal val="visible"/>
+                                      </p:to>
+                                    </p:set>
+                                  </p:childTnLst>
+                                </p:cTn>
+                              </p:par>
+                            </p:childTnLst>
+                          </p:cTn>
+                        </p:par>
+                      </p:childTnLst>
+                    </p:cTn>
+                  </p:par>
+                </p:childTnLst>
+              </p:cTn>
+              <p:prevCondLst>
+                <p:cond evt="onPrev" delay="0">
+                  <p:tgtEl>
+                    <p:sldTgt/>
+                  </p:tgtEl>
+                </p:cond>
+              </p:prevCondLst>
+              <p:nextCondLst>
+                <p:cond evt="onNext" delay="0">
+                  <p:tgtEl>
+                    <p:sldTgt/>
+                  </p:tgtEl>
+                </p:cond>
+              </p:nextCondLst>
+            </p:seq>
+          </p:childTnLst>
+        </p:cTn>
+      </p:par>
+    </p:tnLst>
+    <p:bldLst>
+      <p:bldP spid="23" grpId="0" animBg="1"/>
+    </p:bldLst>
+  </p:timing>
 </p:sld>
 </file>
 
@@ -9403,7 +10759,7 @@
           <p:cNvPr id="2" name="Title 1">
             <a:extLst>
               <a:ext uri="{FF2B5EF4-FFF2-40B4-BE49-F238E27FC236}">
-                <a16:creationId xmlns:a16="http://schemas.microsoft.com/office/drawing/2014/main" id="{769E973D-CE91-F537-C36E-42E63A38EE3B}"/>
+                <a16:creationId xmlns:a16="http://schemas.microsoft.com/office/drawing/2014/main" id="{D86E8DF4-3B4B-EB5A-2E08-9B34FA101400}"/>
               </a:ext>
             </a:extLst>
           </p:cNvPr>
@@ -9421,7 +10777,7 @@
           <a:p>
             <a:r>
               <a:rPr lang="en-CA" dirty="0"/>
-              <a:t>Requirements: Format</a:t>
+              <a:t>Requirements: Definition</a:t>
             </a:r>
           </a:p>
         </p:txBody>
@@ -9431,7 +10787,7 @@
           <p:cNvPr id="3" name="Content Placeholder 2">
             <a:extLst>
               <a:ext uri="{FF2B5EF4-FFF2-40B4-BE49-F238E27FC236}">
-                <a16:creationId xmlns:a16="http://schemas.microsoft.com/office/drawing/2014/main" id="{D013F29C-27EF-B00F-BC36-D2551C84A203}"/>
+                <a16:creationId xmlns:a16="http://schemas.microsoft.com/office/drawing/2014/main" id="{CC4B03C7-BD25-6DA3-709A-63410BB7D456}"/>
               </a:ext>
             </a:extLst>
           </p:cNvPr>
@@ -9444,155 +10800,112 @@
         </p:nvSpPr>
         <p:spPr/>
         <p:txBody>
-          <a:bodyPr>
-            <a:normAutofit lnSpcReduction="10000"/>
-          </a:bodyPr>
+          <a:bodyPr/>
           <a:lstStyle/>
           <a:p>
             <a:pPr marL="0" indent="0">
               <a:buNone/>
             </a:pPr>
             <a:r>
-              <a:rPr lang="en-CA" dirty="0">
+              <a:rPr lang="en-CA" b="1" dirty="0"/>
+              <a:t>From </a:t>
+            </a:r>
+            <a:r>
+              <a:rPr lang="en-CA" b="1" dirty="0">
                 <a:hlinkClick r:id="rId2"/>
               </a:rPr>
-              <a:t>User Story Template</a:t>
-            </a:r>
-            <a:r>
-              <a:rPr lang="en-CA" dirty="0"/>
+              <a:t>IEEE SWEBOK</a:t>
+            </a:r>
+            <a:r>
+              <a:rPr lang="en-CA" b="1" dirty="0"/>
               <a:t>:</a:t>
             </a:r>
           </a:p>
           <a:p>
-            <a:pPr marL="457200" lvl="1" indent="0">
-              <a:buNone/>
-            </a:pPr>
-            <a:r>
-              <a:rPr lang="en-CA" dirty="0"/>
-              <a:t>As a </a:t>
-            </a:r>
-            <a:r>
-              <a:rPr lang="en-CA" b="1" dirty="0"/>
-              <a:t>STAKEHOLDER</a:t>
-            </a:r>
-            <a:r>
-              <a:rPr lang="en-CA" dirty="0"/>
-              <a:t>, I want </a:t>
-            </a:r>
-            <a:r>
-              <a:rPr lang="en-CA" b="1" dirty="0"/>
-              <a:t>CAPABILITY</a:t>
-            </a:r>
-            <a:r>
-              <a:rPr lang="en-CA" dirty="0"/>
-              <a:t> so that </a:t>
-            </a:r>
-            <a:r>
-              <a:rPr lang="en-CA" b="1" dirty="0"/>
-              <a:t>PURPOSE</a:t>
-            </a:r>
-            <a:r>
-              <a:rPr lang="en-CA" dirty="0"/>
-              <a:t>.</a:t>
-            </a:r>
-          </a:p>
-          <a:p>
-            <a:pPr marL="0" indent="0">
-              <a:buNone/>
-            </a:pPr>
-            <a:r>
-              <a:rPr lang="en-CA" b="1" dirty="0"/>
-              <a:t>STAKEHOLDER</a:t>
-            </a:r>
-            <a:r>
-              <a:rPr lang="en-CA" dirty="0"/>
-              <a:t>: Who (As a…)</a:t>
+            <a:r>
+              <a:rPr lang="en-US" dirty="0"/>
+              <a:t>a </a:t>
+            </a:r>
+            <a:r>
+              <a:rPr lang="en-US" b="1" dirty="0"/>
+              <a:t>condition or capability </a:t>
+            </a:r>
+            <a:r>
+              <a:rPr lang="en-US" dirty="0"/>
+              <a:t>needed by a </a:t>
+            </a:r>
+            <a:r>
+              <a:rPr lang="en-US" b="1" dirty="0"/>
+              <a:t>user</a:t>
+            </a:r>
+            <a:r>
+              <a:rPr lang="en-US" dirty="0"/>
+              <a:t> to </a:t>
+            </a:r>
+            <a:r>
+              <a:rPr lang="en-US" b="1" dirty="0"/>
+              <a:t>solve a problem or achieve an objective</a:t>
+            </a:r>
+            <a:r>
+              <a:rPr lang="en-US" dirty="0"/>
+              <a:t>;</a:t>
+            </a:r>
+          </a:p>
+          <a:p>
+            <a:r>
+              <a:rPr lang="en-US" dirty="0"/>
+              <a:t>a </a:t>
+            </a:r>
+            <a:r>
+              <a:rPr lang="en-US" b="1" dirty="0"/>
+              <a:t>condition or capability </a:t>
+            </a:r>
+            <a:r>
+              <a:rPr lang="en-US" dirty="0"/>
+              <a:t>that must be </a:t>
+            </a:r>
+            <a:r>
+              <a:rPr lang="en-US" b="1" dirty="0"/>
+              <a:t>met or possessed by a system or system component </a:t>
+            </a:r>
+            <a:r>
+              <a:rPr lang="en-US" dirty="0"/>
+              <a:t>to </a:t>
+            </a:r>
+            <a:r>
+              <a:rPr lang="en-US" b="1" dirty="0"/>
+              <a:t>satisfy a contract, standard, specification or other formally imposed document</a:t>
+            </a:r>
+          </a:p>
+          <a:p>
+            <a:endParaRPr lang="en-US" b="1" dirty="0"/>
+          </a:p>
+          <a:p>
+            <a:r>
+              <a:rPr lang="en-US" b="1" dirty="0"/>
+              <a:t>Summary:</a:t>
             </a:r>
           </a:p>
           <a:p>
             <a:pPr lvl="1"/>
             <a:r>
-              <a:rPr lang="en-CA" dirty="0"/>
-              <a:t>Identifies primary user or beneficiary.  </a:t>
+              <a:rPr lang="en-US" dirty="0"/>
+              <a:t>Condition or capability: What</a:t>
             </a:r>
           </a:p>
           <a:p>
             <a:pPr lvl="1"/>
             <a:r>
-              <a:rPr lang="en-CA" dirty="0"/>
-              <a:t>Secondary stakeholders may also be identified in </a:t>
-            </a:r>
-            <a:r>
-              <a:rPr lang="en-CA" b="1" dirty="0"/>
-              <a:t>PURPOSE</a:t>
-            </a:r>
-            <a:r>
-              <a:rPr lang="en-CA" dirty="0"/>
-              <a:t>.</a:t>
-            </a:r>
-          </a:p>
-          <a:p>
-            <a:pPr marL="0" indent="0">
-              <a:buNone/>
-            </a:pPr>
-            <a:r>
-              <a:rPr lang="en-CA" b="1" dirty="0"/>
-              <a:t>CAPABILITY</a:t>
-            </a:r>
-            <a:r>
-              <a:rPr lang="en-CA" dirty="0"/>
-              <a:t>: What (I need…)</a:t>
+              <a:rPr lang="en-US" dirty="0"/>
+              <a:t>User or contract/specification (from some stakeholder…): Who</a:t>
             </a:r>
           </a:p>
           <a:p>
             <a:pPr lvl="1"/>
             <a:r>
-              <a:rPr lang="en-CA" dirty="0"/>
-              <a:t>May or may not map onto a single specific work item or feature (discuss).</a:t>
-            </a:r>
-          </a:p>
-          <a:p>
-            <a:pPr lvl="1"/>
-            <a:r>
-              <a:rPr lang="en-CA" dirty="0"/>
-              <a:t>Should be specific enough that it is clear when it is satisfied.</a:t>
-            </a:r>
-          </a:p>
-          <a:p>
-            <a:pPr lvl="1"/>
-            <a:r>
-              <a:rPr lang="en-CA" dirty="0"/>
-              <a:t>Should be satisfiable with finite effort.</a:t>
-            </a:r>
-          </a:p>
-          <a:p>
-            <a:pPr marL="0" indent="0">
-              <a:buNone/>
-            </a:pPr>
-            <a:r>
-              <a:rPr lang="en-CA" b="1" dirty="0"/>
-              <a:t>PURPOSE</a:t>
-            </a:r>
-            <a:r>
-              <a:rPr lang="en-CA" dirty="0"/>
-              <a:t>: Why (so I can…)</a:t>
-            </a:r>
-          </a:p>
-          <a:p>
-            <a:pPr lvl="1"/>
-            <a:r>
-              <a:rPr lang="en-CA" dirty="0"/>
-              <a:t>Larger context of goal, other stakeholders (e.g. support another SDO)</a:t>
-            </a:r>
-          </a:p>
-          <a:p>
-            <a:pPr lvl="1"/>
-            <a:r>
-              <a:rPr lang="en-CA" dirty="0"/>
-              <a:t>May not be finitely satisfiable.</a:t>
-            </a:r>
-          </a:p>
-          <a:p>
+              <a:rPr lang="en-US" dirty="0"/>
+              <a:t>Solve a problem or achieve an objective: Why</a:t>
+            </a:r>
             <a:endParaRPr lang="en-CA" dirty="0"/>
           </a:p>
         </p:txBody>
@@ -9602,7 +10915,7 @@
           <p:cNvPr id="4" name="Footer Placeholder 3">
             <a:extLst>
               <a:ext uri="{FF2B5EF4-FFF2-40B4-BE49-F238E27FC236}">
-                <a16:creationId xmlns:a16="http://schemas.microsoft.com/office/drawing/2014/main" id="{DA4CFF18-CB81-C769-6110-7D2674DA1D38}"/>
+                <a16:creationId xmlns:a16="http://schemas.microsoft.com/office/drawing/2014/main" id="{2612E129-339C-67B4-536E-1621186A7AC1}"/>
               </a:ext>
             </a:extLst>
           </p:cNvPr>
@@ -9620,7 +10933,7 @@
           <a:p>
             <a:r>
               <a:rPr lang="en-US" dirty="0"/>
-              <a:t>W3C Web of Things (WoT) WG/IG – TPAC 2024 - Update</a:t>
+              <a:t>W3C Web of Things (WoT) WG/IG</a:t>
             </a:r>
           </a:p>
         </p:txBody>
@@ -9630,7 +10943,7 @@
           <p:cNvPr id="5" name="Slide Number Placeholder 4">
             <a:extLst>
               <a:ext uri="{FF2B5EF4-FFF2-40B4-BE49-F238E27FC236}">
-                <a16:creationId xmlns:a16="http://schemas.microsoft.com/office/drawing/2014/main" id="{79A95C01-BB2A-CD05-C1DE-85A40A68DCAE}"/>
+                <a16:creationId xmlns:a16="http://schemas.microsoft.com/office/drawing/2014/main" id="{2BC8557E-C886-E6EF-3F48-1D88B8BB65DE}"/>
               </a:ext>
             </a:extLst>
           </p:cNvPr>
@@ -9659,7 +10972,7 @@
           <p:cNvPr id="6" name="Date Placeholder 5">
             <a:extLst>
               <a:ext uri="{FF2B5EF4-FFF2-40B4-BE49-F238E27FC236}">
-                <a16:creationId xmlns:a16="http://schemas.microsoft.com/office/drawing/2014/main" id="{DF295013-68B0-18F5-660A-EF1F187929AE}"/>
+                <a16:creationId xmlns:a16="http://schemas.microsoft.com/office/drawing/2014/main" id="{5965CBF6-7085-1ADF-2F70-0BAFE4274144}"/>
               </a:ext>
             </a:extLst>
           </p:cNvPr>
@@ -9675,17 +10988,18 @@
           <a:bodyPr/>
           <a:lstStyle/>
           <a:p>
-            <a:r>
-              <a:rPr lang="en-CA" dirty="0"/>
-              <a:t>2024-09-26</a:t>
-            </a:r>
+            <a:fld id="{B929AB1E-7FD9-0A40-B7C0-508CCACB3E9A}" type="datetime1">
+              <a:rPr lang="en-CA" smtClean="0"/>
+              <a:t>2024-11-29</a:t>
+            </a:fld>
+            <a:endParaRPr lang="en-US"/>
           </a:p>
         </p:txBody>
       </p:sp>
     </p:spTree>
     <p:extLst>
       <p:ext uri="{BB962C8B-B14F-4D97-AF65-F5344CB8AC3E}">
-        <p14:creationId xmlns:p14="http://schemas.microsoft.com/office/powerpoint/2010/main" val="2251823845"/>
+        <p14:creationId xmlns:p14="http://schemas.microsoft.com/office/powerpoint/2010/main" val="2098326459"/>
       </p:ext>
     </p:extLst>
   </p:cSld>
@@ -9717,7 +11031,7 @@
           <p:cNvPr id="2" name="Title 1">
             <a:extLst>
               <a:ext uri="{FF2B5EF4-FFF2-40B4-BE49-F238E27FC236}">
-                <a16:creationId xmlns:a16="http://schemas.microsoft.com/office/drawing/2014/main" id="{9D19EE1C-913C-CA33-74A2-224F8423C6CE}"/>
+                <a16:creationId xmlns:a16="http://schemas.microsoft.com/office/drawing/2014/main" id="{769E973D-CE91-F537-C36E-42E63A38EE3B}"/>
               </a:ext>
             </a:extLst>
           </p:cNvPr>
@@ -9735,7 +11049,7 @@
           <a:p>
             <a:r>
               <a:rPr lang="en-CA" dirty="0"/>
-              <a:t>Requirements: Template</a:t>
+              <a:t>Requirements: Format</a:t>
             </a:r>
           </a:p>
         </p:txBody>
@@ -9745,7 +11059,7 @@
           <p:cNvPr id="3" name="Content Placeholder 2">
             <a:extLst>
               <a:ext uri="{FF2B5EF4-FFF2-40B4-BE49-F238E27FC236}">
-                <a16:creationId xmlns:a16="http://schemas.microsoft.com/office/drawing/2014/main" id="{CE9D554D-E812-52D9-DCA3-924CC17CB971}"/>
+                <a16:creationId xmlns:a16="http://schemas.microsoft.com/office/drawing/2014/main" id="{D013F29C-27EF-B00F-BC36-D2551C84A203}"/>
               </a:ext>
             </a:extLst>
           </p:cNvPr>
@@ -9756,15 +11070,10 @@
             <p:ph idx="1"/>
           </p:nvPr>
         </p:nvSpPr>
-        <p:spPr>
-          <a:xfrm>
-            <a:off x="838200" y="1120240"/>
-            <a:ext cx="10515600" cy="5056724"/>
-          </a:xfrm>
-        </p:spPr>
+        <p:spPr/>
         <p:txBody>
           <a:bodyPr>
-            <a:normAutofit fontScale="85000" lnSpcReduction="20000"/>
+            <a:normAutofit lnSpcReduction="10000"/>
           </a:bodyPr>
           <a:lstStyle/>
           <a:p>
@@ -9772,119 +11081,148 @@
               <a:buNone/>
             </a:pPr>
             <a:r>
-              <a:rPr lang="en-CA" dirty="0"/>
-              <a:t>See </a:t>
-            </a:r>
-            <a:r>
               <a:rPr lang="en-CA" dirty="0">
                 <a:hlinkClick r:id="rId2"/>
               </a:rPr>
-              <a:t>https://github.com/w3c/wot-usecases/issues/308</a:t>
-            </a:r>
+              <a:t>User Story Template</a:t>
+            </a:r>
+            <a:r>
+              <a:rPr lang="en-CA" dirty="0"/>
+              <a:t>:</a:t>
+            </a:r>
+          </a:p>
+          <a:p>
+            <a:pPr marL="457200" lvl="1" indent="0">
+              <a:buNone/>
+            </a:pPr>
+            <a:r>
+              <a:rPr lang="en-CA" dirty="0"/>
+              <a:t>As a </a:t>
+            </a:r>
+            <a:r>
+              <a:rPr lang="en-CA" b="1" dirty="0"/>
+              <a:t>STAKEHOLDER</a:t>
+            </a:r>
+            <a:r>
+              <a:rPr lang="en-CA" dirty="0"/>
+              <a:t>, I want </a:t>
+            </a:r>
+            <a:r>
+              <a:rPr lang="en-CA" b="1" dirty="0"/>
+              <a:t>CAPABILITY</a:t>
+            </a:r>
+            <a:r>
+              <a:rPr lang="en-CA" dirty="0"/>
+              <a:t> so that </a:t>
+            </a:r>
+            <a:r>
+              <a:rPr lang="en-CA" b="1" dirty="0"/>
+              <a:t>PURPOSE</a:t>
+            </a:r>
+            <a:r>
+              <a:rPr lang="en-CA" dirty="0"/>
+              <a:t>.</a:t>
+            </a:r>
+          </a:p>
+          <a:p>
+            <a:pPr marL="0" indent="0">
+              <a:buNone/>
+            </a:pPr>
+            <a:r>
+              <a:rPr lang="en-CA" b="1" dirty="0"/>
+              <a:t>STAKEHOLDER</a:t>
+            </a:r>
+            <a:r>
+              <a:rPr lang="en-CA" dirty="0"/>
+              <a:t>: Who (As a…)</a:t>
+            </a:r>
+          </a:p>
+          <a:p>
+            <a:pPr lvl="1"/>
+            <a:r>
+              <a:rPr lang="en-CA" dirty="0"/>
+              <a:t>Identifies primary user or beneficiary.  </a:t>
+            </a:r>
+          </a:p>
+          <a:p>
+            <a:pPr lvl="1"/>
+            <a:r>
+              <a:rPr lang="en-CA" dirty="0"/>
+              <a:t>Secondary stakeholders may also be identified in </a:t>
+            </a:r>
+            <a:r>
+              <a:rPr lang="en-CA" b="1" dirty="0"/>
+              <a:t>PURPOSE</a:t>
+            </a:r>
+            <a:r>
+              <a:rPr lang="en-CA" dirty="0"/>
+              <a:t>.</a:t>
+            </a:r>
+          </a:p>
+          <a:p>
+            <a:pPr marL="0" indent="0">
+              <a:buNone/>
+            </a:pPr>
+            <a:r>
+              <a:rPr lang="en-CA" b="1" dirty="0"/>
+              <a:t>CAPABILITY</a:t>
+            </a:r>
+            <a:r>
+              <a:rPr lang="en-CA" dirty="0"/>
+              <a:t>: What (I need…)</a:t>
+            </a:r>
+          </a:p>
+          <a:p>
+            <a:pPr lvl="1"/>
+            <a:r>
+              <a:rPr lang="en-CA" dirty="0"/>
+              <a:t>May or may not map onto a single specific work item or feature (discuss).</a:t>
+            </a:r>
+          </a:p>
+          <a:p>
+            <a:pPr lvl="1"/>
+            <a:r>
+              <a:rPr lang="en-CA" dirty="0"/>
+              <a:t>Should be specific enough that it is clear when it is satisfied.</a:t>
+            </a:r>
+          </a:p>
+          <a:p>
+            <a:pPr lvl="1"/>
+            <a:r>
+              <a:rPr lang="en-CA" dirty="0"/>
+              <a:t>Should be satisfiable with finite effort.</a:t>
+            </a:r>
+          </a:p>
+          <a:p>
+            <a:pPr marL="0" indent="0">
+              <a:buNone/>
+            </a:pPr>
+            <a:r>
+              <a:rPr lang="en-CA" b="1" dirty="0"/>
+              <a:t>PURPOSE</a:t>
+            </a:r>
+            <a:r>
+              <a:rPr lang="en-CA" dirty="0"/>
+              <a:t>: Why (so I can…)</a:t>
+            </a:r>
+          </a:p>
+          <a:p>
+            <a:pPr lvl="1"/>
+            <a:r>
+              <a:rPr lang="en-CA" dirty="0"/>
+              <a:t>Larger context of goal, other stakeholders (e.g. support another SDO)</a:t>
+            </a:r>
+          </a:p>
+          <a:p>
+            <a:pPr lvl="1"/>
+            <a:r>
+              <a:rPr lang="en-CA" dirty="0"/>
+              <a:t>May not be finitely satisfiable.</a:t>
+            </a:r>
+          </a:p>
+          <a:p>
             <a:endParaRPr lang="en-CA" dirty="0"/>
           </a:p>
-          <a:p>
-            <a:r>
-              <a:rPr lang="en-CA" b="1" dirty="0"/>
-              <a:t>Who: Stakeholder (As a…)</a:t>
-            </a:r>
-          </a:p>
-          <a:p>
-            <a:pPr lvl="1"/>
-            <a:r>
-              <a:rPr lang="en-CA" dirty="0"/>
-              <a:t>User or Org (e.g. SDO)</a:t>
-            </a:r>
-          </a:p>
-          <a:p>
-            <a:pPr lvl="1"/>
-            <a:r>
-              <a:rPr lang="en-CA" i="1" dirty="0"/>
-              <a:t>Entity that needs stated capability</a:t>
-            </a:r>
-          </a:p>
-          <a:p>
-            <a:pPr lvl="1"/>
-            <a:r>
-              <a:rPr lang="en-CA" dirty="0"/>
-              <a:t>Note: there may be other impacted stakeholders, e.g. implementors</a:t>
-            </a:r>
-          </a:p>
-          <a:p>
-            <a:r>
-              <a:rPr lang="en-CA" b="1" dirty="0"/>
-              <a:t>What: Capability (I need…)</a:t>
-            </a:r>
-          </a:p>
-          <a:p>
-            <a:pPr lvl="1"/>
-            <a:r>
-              <a:rPr lang="en-CA" dirty="0"/>
-              <a:t>Technical requirement</a:t>
-            </a:r>
-          </a:p>
-          <a:p>
-            <a:pPr lvl="1"/>
-            <a:r>
-              <a:rPr lang="en-CA" dirty="0"/>
-              <a:t>May also be a Condition that needs to be satisfied (e.g. “minimize size”)</a:t>
-            </a:r>
-          </a:p>
-          <a:p>
-            <a:pPr lvl="1"/>
-            <a:r>
-              <a:rPr lang="en-CA" i="1" dirty="0"/>
-              <a:t>Link to at least one work item/issue/PR/assertion</a:t>
-            </a:r>
-          </a:p>
-          <a:p>
-            <a:pPr lvl="1"/>
-            <a:r>
-              <a:rPr lang="en-CA" i="1" dirty="0"/>
-              <a:t>Optional Details</a:t>
-            </a:r>
-          </a:p>
-          <a:p>
-            <a:r>
-              <a:rPr lang="en-CA" b="1" dirty="0"/>
-              <a:t>Why: Purpose (so I can…)</a:t>
-            </a:r>
-          </a:p>
-          <a:p>
-            <a:pPr lvl="1"/>
-            <a:r>
-              <a:rPr lang="en-CA" dirty="0"/>
-              <a:t>Functional requirement</a:t>
-            </a:r>
-          </a:p>
-          <a:p>
-            <a:pPr lvl="1"/>
-            <a:r>
-              <a:rPr lang="en-CA" dirty="0"/>
-              <a:t>Solve a Problem</a:t>
-            </a:r>
-          </a:p>
-          <a:p>
-            <a:pPr lvl="1"/>
-            <a:r>
-              <a:rPr lang="en-CA" dirty="0"/>
-              <a:t>Meet an Objective</a:t>
-            </a:r>
-          </a:p>
-          <a:p>
-            <a:pPr lvl="1"/>
-            <a:r>
-              <a:rPr lang="en-CA" i="1" dirty="0"/>
-              <a:t>Link to at least one Use Case or Use Case Category (e.g. “ease of use”)</a:t>
-            </a:r>
-          </a:p>
-          <a:p>
-            <a:pPr lvl="1"/>
-            <a:r>
-              <a:rPr lang="en-CA" i="1" dirty="0"/>
-              <a:t>Optional details</a:t>
-            </a:r>
-          </a:p>
         </p:txBody>
       </p:sp>
       <p:sp>
@@ -9892,7 +11230,7 @@
           <p:cNvPr id="4" name="Footer Placeholder 3">
             <a:extLst>
               <a:ext uri="{FF2B5EF4-FFF2-40B4-BE49-F238E27FC236}">
-                <a16:creationId xmlns:a16="http://schemas.microsoft.com/office/drawing/2014/main" id="{6E94C948-FC6C-16B5-8840-C8832351E29E}"/>
+                <a16:creationId xmlns:a16="http://schemas.microsoft.com/office/drawing/2014/main" id="{DA4CFF18-CB81-C769-6110-7D2674DA1D38}"/>
               </a:ext>
             </a:extLst>
           </p:cNvPr>
@@ -9910,7 +11248,7 @@
           <a:p>
             <a:r>
               <a:rPr lang="en-US" dirty="0"/>
-              <a:t>W3C Web of Things (WoT) WG/IG - Update</a:t>
+              <a:t>W3C Web of Things (WoT) WG/IG</a:t>
             </a:r>
           </a:p>
         </p:txBody>
@@ -9920,7 +11258,7 @@
           <p:cNvPr id="5" name="Slide Number Placeholder 4">
             <a:extLst>
               <a:ext uri="{FF2B5EF4-FFF2-40B4-BE49-F238E27FC236}">
-                <a16:creationId xmlns:a16="http://schemas.microsoft.com/office/drawing/2014/main" id="{A26DF515-4575-A86C-37A4-3F88E5F18B37}"/>
+                <a16:creationId xmlns:a16="http://schemas.microsoft.com/office/drawing/2014/main" id="{79A95C01-BB2A-CD05-C1DE-85A40A68DCAE}"/>
               </a:ext>
             </a:extLst>
           </p:cNvPr>
@@ -9949,7 +11287,7 @@
           <p:cNvPr id="6" name="Date Placeholder 5">
             <a:extLst>
               <a:ext uri="{FF2B5EF4-FFF2-40B4-BE49-F238E27FC236}">
-                <a16:creationId xmlns:a16="http://schemas.microsoft.com/office/drawing/2014/main" id="{3C4ABCC1-920F-45A4-AAAF-B47A76BBE0E7}"/>
+                <a16:creationId xmlns:a16="http://schemas.microsoft.com/office/drawing/2014/main" id="{DF295013-68B0-18F5-660A-EF1F187929AE}"/>
               </a:ext>
             </a:extLst>
           </p:cNvPr>
@@ -9965,18 +11303,17 @@
           <a:bodyPr/>
           <a:lstStyle/>
           <a:p>
-            <a:fld id="{B929AB1E-7FD9-0A40-B7C0-508CCACB3E9A}" type="datetime1">
-              <a:rPr lang="en-CA" smtClean="0"/>
-              <a:t>2024-11-29</a:t>
-            </a:fld>
-            <a:endParaRPr lang="en-US"/>
+            <a:r>
+              <a:rPr lang="en-CA" dirty="0"/>
+              <a:t>2024-09-26</a:t>
+            </a:r>
           </a:p>
         </p:txBody>
       </p:sp>
     </p:spTree>
     <p:extLst>
       <p:ext uri="{BB962C8B-B14F-4D97-AF65-F5344CB8AC3E}">
-        <p14:creationId xmlns:p14="http://schemas.microsoft.com/office/powerpoint/2010/main" val="647747090"/>
+        <p14:creationId xmlns:p14="http://schemas.microsoft.com/office/powerpoint/2010/main" val="2251823845"/>
       </p:ext>
     </p:extLst>
   </p:cSld>
@@ -10008,7 +11345,7 @@
           <p:cNvPr id="2" name="Title 1">
             <a:extLst>
               <a:ext uri="{FF2B5EF4-FFF2-40B4-BE49-F238E27FC236}">
-                <a16:creationId xmlns:a16="http://schemas.microsoft.com/office/drawing/2014/main" id="{A7EC807C-20BE-39AE-00D3-0D562B7BF99C}"/>
+                <a16:creationId xmlns:a16="http://schemas.microsoft.com/office/drawing/2014/main" id="{9D19EE1C-913C-CA33-74A2-224F8423C6CE}"/>
               </a:ext>
             </a:extLst>
           </p:cNvPr>
@@ -10026,7 +11363,7 @@
           <a:p>
             <a:r>
               <a:rPr lang="en-CA" dirty="0"/>
-              <a:t>Functional vs. Technical Requirements</a:t>
+              <a:t>Requirements: Template</a:t>
             </a:r>
           </a:p>
         </p:txBody>
@@ -10036,7 +11373,7 @@
           <p:cNvPr id="3" name="Content Placeholder 2">
             <a:extLst>
               <a:ext uri="{FF2B5EF4-FFF2-40B4-BE49-F238E27FC236}">
-                <a16:creationId xmlns:a16="http://schemas.microsoft.com/office/drawing/2014/main" id="{8B9A6113-0237-4E2D-4853-929D9ED9E514}"/>
+                <a16:creationId xmlns:a16="http://schemas.microsoft.com/office/drawing/2014/main" id="{CE9D554D-E812-52D9-DCA3-924CC17CB971}"/>
               </a:ext>
             </a:extLst>
           </p:cNvPr>
@@ -10047,10 +11384,15 @@
             <p:ph idx="1"/>
           </p:nvPr>
         </p:nvSpPr>
-        <p:spPr/>
+        <p:spPr>
+          <a:xfrm>
+            <a:off x="838200" y="1120240"/>
+            <a:ext cx="10515600" cy="5056724"/>
+          </a:xfrm>
+        </p:spPr>
         <p:txBody>
           <a:bodyPr>
-            <a:normAutofit fontScale="92500"/>
+            <a:normAutofit fontScale="85000" lnSpcReduction="20000"/>
           </a:bodyPr>
           <a:lstStyle/>
           <a:p>
@@ -10058,101 +11400,117 @@
               <a:buNone/>
             </a:pPr>
             <a:r>
+              <a:rPr lang="en-CA" dirty="0"/>
+              <a:t>See </a:t>
+            </a:r>
+            <a:r>
+              <a:rPr lang="en-CA" dirty="0">
+                <a:hlinkClick r:id="rId2"/>
+              </a:rPr>
+              <a:t>https://github.com/w3c/wot-usecases/issues/308</a:t>
+            </a:r>
+            <a:endParaRPr lang="en-CA" dirty="0"/>
+          </a:p>
+          <a:p>
+            <a:r>
               <a:rPr lang="en-CA" b="1" dirty="0"/>
-              <a:t>Functional: </a:t>
-            </a:r>
+              <a:t>Who: Stakeholder (As a…)</a:t>
+            </a:r>
+          </a:p>
+          <a:p>
+            <a:pPr lvl="1"/>
             <a:r>
               <a:rPr lang="en-CA" dirty="0"/>
-              <a:t>Why</a:t>
+              <a:t>User or Org (e.g. SDO)</a:t>
             </a:r>
           </a:p>
           <a:p>
             <a:pPr lvl="1"/>
             <a:r>
-              <a:rPr lang="en-CA" b="1" i="1" dirty="0"/>
-              <a:t>Purpose</a:t>
-            </a:r>
+              <a:rPr lang="en-CA" i="1" dirty="0"/>
+              <a:t>Entity that needs stated capability</a:t>
+            </a:r>
+          </a:p>
+          <a:p>
+            <a:pPr lvl="1"/>
             <a:r>
               <a:rPr lang="en-CA" dirty="0"/>
-              <a:t> of needed functionality</a:t>
-            </a:r>
-          </a:p>
-          <a:p>
-            <a:pPr marL="0" indent="0">
-              <a:buNone/>
-            </a:pPr>
+              <a:t>Note: there may be other impacted stakeholders, e.g. implementors</a:t>
+            </a:r>
+          </a:p>
+          <a:p>
             <a:r>
               <a:rPr lang="en-CA" b="1" dirty="0"/>
-              <a:t>Technical: </a:t>
-            </a:r>
+              <a:t>What: Capability (I need…)</a:t>
+            </a:r>
+          </a:p>
+          <a:p>
+            <a:pPr lvl="1"/>
             <a:r>
               <a:rPr lang="en-CA" dirty="0"/>
-              <a:t>What</a:t>
+              <a:t>Technical requirement</a:t>
             </a:r>
           </a:p>
           <a:p>
             <a:pPr lvl="1"/>
             <a:r>
-              <a:rPr lang="en-CA" b="1" i="1" dirty="0"/>
-              <a:t>Capability</a:t>
-            </a:r>
-            <a:r>
               <a:rPr lang="en-CA" dirty="0"/>
-              <a:t> to support needed functionality</a:t>
-            </a:r>
-          </a:p>
-          <a:p>
-            <a:pPr marL="457200" lvl="1" indent="0">
-              <a:buNone/>
-            </a:pPr>
-            <a:endParaRPr lang="en-CA" dirty="0"/>
-          </a:p>
-          <a:p>
+              <a:t>May also be a Condition that needs to be satisfied (e.g. “minimize size”)</a:t>
+            </a:r>
+          </a:p>
+          <a:p>
+            <a:pPr lvl="1"/>
+            <a:r>
+              <a:rPr lang="en-CA" i="1" dirty="0"/>
+              <a:t>Link to at least one work item/issue/PR/assertion</a:t>
+            </a:r>
+          </a:p>
+          <a:p>
+            <a:pPr lvl="1"/>
+            <a:r>
+              <a:rPr lang="en-CA" i="1" dirty="0"/>
+              <a:t>Optional Details</a:t>
+            </a:r>
+          </a:p>
+          <a:p>
+            <a:r>
+              <a:rPr lang="en-CA" b="1" dirty="0"/>
+              <a:t>Why: Purpose (so I can…)</a:t>
+            </a:r>
+          </a:p>
+          <a:p>
+            <a:pPr lvl="1"/>
             <a:r>
               <a:rPr lang="en-CA" dirty="0"/>
-              <a:t>Don’t need to separate functional and technical requirements</a:t>
+              <a:t>Functional requirement</a:t>
             </a:r>
           </a:p>
           <a:p>
             <a:pPr lvl="1"/>
             <a:r>
               <a:rPr lang="en-CA" dirty="0"/>
-              <a:t>User story format includes both!</a:t>
+              <a:t>Solve a Problem</a:t>
             </a:r>
           </a:p>
           <a:p>
             <a:pPr lvl="1"/>
             <a:r>
               <a:rPr lang="en-CA" dirty="0"/>
-              <a:t>Tends to form a natural hierarchy: many “capabilities” may support one “purpose”</a:t>
-            </a:r>
-          </a:p>
-          <a:p>
-            <a:r>
-              <a:rPr lang="en-CA" dirty="0"/>
-              <a:t>Technical requirements (capabilities) should be finitely satisfiable!</a:t>
+              <a:t>Meet an Objective</a:t>
             </a:r>
           </a:p>
           <a:p>
             <a:pPr lvl="1"/>
             <a:r>
-              <a:rPr lang="en-CA" dirty="0"/>
-              <a:t>For example, “WoT systems should have good security” is a bad technical requirement, it’s unclear when it is (or can ever be) fully satisfied.</a:t>
+              <a:rPr lang="en-CA" i="1" dirty="0"/>
+              <a:t>Link to at least one Use Case or Use Case Category (e.g. “ease of use”)</a:t>
             </a:r>
           </a:p>
           <a:p>
             <a:pPr lvl="1"/>
             <a:r>
-              <a:rPr lang="en-CA" dirty="0"/>
-              <a:t>It </a:t>
-            </a:r>
-            <a:r>
               <a:rPr lang="en-CA" i="1" dirty="0"/>
-              <a:t>may</a:t>
-            </a:r>
-            <a:r>
-              <a:rPr lang="en-CA" dirty="0"/>
-              <a:t> be acceptable as a functional requirement, although it’s still a bit vague</a:t>
+              <a:t>Optional details</a:t>
             </a:r>
           </a:p>
         </p:txBody>
@@ -10162,7 +11520,7 @@
           <p:cNvPr id="4" name="Footer Placeholder 3">
             <a:extLst>
               <a:ext uri="{FF2B5EF4-FFF2-40B4-BE49-F238E27FC236}">
-                <a16:creationId xmlns:a16="http://schemas.microsoft.com/office/drawing/2014/main" id="{88B61E79-BDC2-AE20-45FB-743225958058}"/>
+                <a16:creationId xmlns:a16="http://schemas.microsoft.com/office/drawing/2014/main" id="{6E94C948-FC6C-16B5-8840-C8832351E29E}"/>
               </a:ext>
             </a:extLst>
           </p:cNvPr>
@@ -10180,7 +11538,7 @@
           <a:p>
             <a:r>
               <a:rPr lang="en-US" dirty="0"/>
-              <a:t>W3C Web of Things (WoT) WG/IG – TPAC 2024</a:t>
+              <a:t>W3C Web of Things (WoT) WG/IG</a:t>
             </a:r>
           </a:p>
         </p:txBody>
@@ -10190,7 +11548,7 @@
           <p:cNvPr id="5" name="Slide Number Placeholder 4">
             <a:extLst>
               <a:ext uri="{FF2B5EF4-FFF2-40B4-BE49-F238E27FC236}">
-                <a16:creationId xmlns:a16="http://schemas.microsoft.com/office/drawing/2014/main" id="{1432A74F-0E06-C041-46F2-AC723166DDC8}"/>
+                <a16:creationId xmlns:a16="http://schemas.microsoft.com/office/drawing/2014/main" id="{A26DF515-4575-A86C-37A4-3F88E5F18B37}"/>
               </a:ext>
             </a:extLst>
           </p:cNvPr>
@@ -10219,7 +11577,7 @@
           <p:cNvPr id="6" name="Date Placeholder 5">
             <a:extLst>
               <a:ext uri="{FF2B5EF4-FFF2-40B4-BE49-F238E27FC236}">
-                <a16:creationId xmlns:a16="http://schemas.microsoft.com/office/drawing/2014/main" id="{1B7E0AF0-6FBE-FAEE-CF3C-A0C6B7B81C04}"/>
+                <a16:creationId xmlns:a16="http://schemas.microsoft.com/office/drawing/2014/main" id="{3C4ABCC1-920F-45A4-AAAF-B47A76BBE0E7}"/>
               </a:ext>
             </a:extLst>
           </p:cNvPr>
@@ -10235,17 +11593,18 @@
           <a:bodyPr/>
           <a:lstStyle/>
           <a:p>
-            <a:r>
-              <a:rPr lang="en-US" dirty="0"/>
-              <a:t>2024-09-26</a:t>
-            </a:r>
+            <a:fld id="{B929AB1E-7FD9-0A40-B7C0-508CCACB3E9A}" type="datetime1">
+              <a:rPr lang="en-CA" smtClean="0"/>
+              <a:t>2024-11-29</a:t>
+            </a:fld>
+            <a:endParaRPr lang="en-US"/>
           </a:p>
         </p:txBody>
       </p:sp>
     </p:spTree>
     <p:extLst>
       <p:ext uri="{BB962C8B-B14F-4D97-AF65-F5344CB8AC3E}">
-        <p14:creationId xmlns:p14="http://schemas.microsoft.com/office/powerpoint/2010/main" val="1689043559"/>
+        <p14:creationId xmlns:p14="http://schemas.microsoft.com/office/powerpoint/2010/main" val="647747090"/>
       </p:ext>
     </p:extLst>
   </p:cSld>
@@ -10277,6 +11636,275 @@
           <p:cNvPr id="2" name="Title 1">
             <a:extLst>
               <a:ext uri="{FF2B5EF4-FFF2-40B4-BE49-F238E27FC236}">
+                <a16:creationId xmlns:a16="http://schemas.microsoft.com/office/drawing/2014/main" id="{A7EC807C-20BE-39AE-00D3-0D562B7BF99C}"/>
+              </a:ext>
+            </a:extLst>
+          </p:cNvPr>
+          <p:cNvSpPr>
+            <a:spLocks noGrp="1"/>
+          </p:cNvSpPr>
+          <p:nvPr>
+            <p:ph type="title"/>
+          </p:nvPr>
+        </p:nvSpPr>
+        <p:spPr/>
+        <p:txBody>
+          <a:bodyPr/>
+          <a:lstStyle/>
+          <a:p>
+            <a:r>
+              <a:rPr lang="en-CA" dirty="0"/>
+              <a:t>Functional vs. Technical Requirements</a:t>
+            </a:r>
+          </a:p>
+        </p:txBody>
+      </p:sp>
+      <p:sp>
+        <p:nvSpPr>
+          <p:cNvPr id="3" name="Content Placeholder 2">
+            <a:extLst>
+              <a:ext uri="{FF2B5EF4-FFF2-40B4-BE49-F238E27FC236}">
+                <a16:creationId xmlns:a16="http://schemas.microsoft.com/office/drawing/2014/main" id="{8B9A6113-0237-4E2D-4853-929D9ED9E514}"/>
+              </a:ext>
+            </a:extLst>
+          </p:cNvPr>
+          <p:cNvSpPr>
+            <a:spLocks noGrp="1"/>
+          </p:cNvSpPr>
+          <p:nvPr>
+            <p:ph idx="1"/>
+          </p:nvPr>
+        </p:nvSpPr>
+        <p:spPr/>
+        <p:txBody>
+          <a:bodyPr>
+            <a:normAutofit fontScale="92500"/>
+          </a:bodyPr>
+          <a:lstStyle/>
+          <a:p>
+            <a:pPr marL="0" indent="0">
+              <a:buNone/>
+            </a:pPr>
+            <a:r>
+              <a:rPr lang="en-CA" b="1" dirty="0"/>
+              <a:t>Functional: </a:t>
+            </a:r>
+            <a:r>
+              <a:rPr lang="en-CA" dirty="0"/>
+              <a:t>Why</a:t>
+            </a:r>
+          </a:p>
+          <a:p>
+            <a:pPr lvl="1"/>
+            <a:r>
+              <a:rPr lang="en-CA" b="1" i="1" dirty="0"/>
+              <a:t>Purpose</a:t>
+            </a:r>
+            <a:r>
+              <a:rPr lang="en-CA" dirty="0"/>
+              <a:t> of needed functionality</a:t>
+            </a:r>
+          </a:p>
+          <a:p>
+            <a:pPr marL="0" indent="0">
+              <a:buNone/>
+            </a:pPr>
+            <a:r>
+              <a:rPr lang="en-CA" b="1" dirty="0"/>
+              <a:t>Technical: </a:t>
+            </a:r>
+            <a:r>
+              <a:rPr lang="en-CA" dirty="0"/>
+              <a:t>What</a:t>
+            </a:r>
+          </a:p>
+          <a:p>
+            <a:pPr lvl="1"/>
+            <a:r>
+              <a:rPr lang="en-CA" b="1" i="1" dirty="0"/>
+              <a:t>Capability</a:t>
+            </a:r>
+            <a:r>
+              <a:rPr lang="en-CA" dirty="0"/>
+              <a:t> to support needed functionality</a:t>
+            </a:r>
+          </a:p>
+          <a:p>
+            <a:pPr marL="457200" lvl="1" indent="0">
+              <a:buNone/>
+            </a:pPr>
+            <a:endParaRPr lang="en-CA" dirty="0"/>
+          </a:p>
+          <a:p>
+            <a:r>
+              <a:rPr lang="en-CA" dirty="0"/>
+              <a:t>Don’t need to separate functional and technical requirements</a:t>
+            </a:r>
+          </a:p>
+          <a:p>
+            <a:pPr lvl="1"/>
+            <a:r>
+              <a:rPr lang="en-CA" dirty="0"/>
+              <a:t>User story format includes both!</a:t>
+            </a:r>
+          </a:p>
+          <a:p>
+            <a:pPr lvl="1"/>
+            <a:r>
+              <a:rPr lang="en-CA" dirty="0"/>
+              <a:t>Tends to form a natural hierarchy: many “capabilities” may support one “purpose”</a:t>
+            </a:r>
+          </a:p>
+          <a:p>
+            <a:r>
+              <a:rPr lang="en-CA" dirty="0"/>
+              <a:t>Technical requirements (capabilities) should be finitely satisfiable!</a:t>
+            </a:r>
+          </a:p>
+          <a:p>
+            <a:pPr lvl="1"/>
+            <a:r>
+              <a:rPr lang="en-CA" dirty="0"/>
+              <a:t>For example, “WoT systems should have good security” is a bad technical requirement, it’s unclear when it is (or can ever be) fully satisfied.</a:t>
+            </a:r>
+          </a:p>
+          <a:p>
+            <a:pPr lvl="1"/>
+            <a:r>
+              <a:rPr lang="en-CA" dirty="0"/>
+              <a:t>It </a:t>
+            </a:r>
+            <a:r>
+              <a:rPr lang="en-CA" i="1" dirty="0"/>
+              <a:t>may</a:t>
+            </a:r>
+            <a:r>
+              <a:rPr lang="en-CA" dirty="0"/>
+              <a:t> be acceptable as a functional requirement, although it’s still a bit vague</a:t>
+            </a:r>
+          </a:p>
+        </p:txBody>
+      </p:sp>
+      <p:sp>
+        <p:nvSpPr>
+          <p:cNvPr id="4" name="Footer Placeholder 3">
+            <a:extLst>
+              <a:ext uri="{FF2B5EF4-FFF2-40B4-BE49-F238E27FC236}">
+                <a16:creationId xmlns:a16="http://schemas.microsoft.com/office/drawing/2014/main" id="{88B61E79-BDC2-AE20-45FB-743225958058}"/>
+              </a:ext>
+            </a:extLst>
+          </p:cNvPr>
+          <p:cNvSpPr>
+            <a:spLocks noGrp="1"/>
+          </p:cNvSpPr>
+          <p:nvPr>
+            <p:ph type="ftr" sz="quarter" idx="11"/>
+          </p:nvPr>
+        </p:nvSpPr>
+        <p:spPr/>
+        <p:txBody>
+          <a:bodyPr/>
+          <a:lstStyle/>
+          <a:p>
+            <a:r>
+              <a:rPr lang="en-US" dirty="0"/>
+              <a:t>W3C Web of Things (WoT) WG/IG</a:t>
+            </a:r>
+          </a:p>
+        </p:txBody>
+      </p:sp>
+      <p:sp>
+        <p:nvSpPr>
+          <p:cNvPr id="5" name="Slide Number Placeholder 4">
+            <a:extLst>
+              <a:ext uri="{FF2B5EF4-FFF2-40B4-BE49-F238E27FC236}">
+                <a16:creationId xmlns:a16="http://schemas.microsoft.com/office/drawing/2014/main" id="{1432A74F-0E06-C041-46F2-AC723166DDC8}"/>
+              </a:ext>
+            </a:extLst>
+          </p:cNvPr>
+          <p:cNvSpPr>
+            <a:spLocks noGrp="1"/>
+          </p:cNvSpPr>
+          <p:nvPr>
+            <p:ph type="sldNum" sz="quarter" idx="12"/>
+          </p:nvPr>
+        </p:nvSpPr>
+        <p:spPr/>
+        <p:txBody>
+          <a:bodyPr/>
+          <a:lstStyle/>
+          <a:p>
+            <a:fld id="{055BDE2E-7167-1944-9FEE-E44668D91CB6}" type="slidenum">
+              <a:rPr lang="en-US" smtClean="0"/>
+              <a:t>8</a:t>
+            </a:fld>
+            <a:endParaRPr lang="en-US"/>
+          </a:p>
+        </p:txBody>
+      </p:sp>
+      <p:sp>
+        <p:nvSpPr>
+          <p:cNvPr id="6" name="Date Placeholder 5">
+            <a:extLst>
+              <a:ext uri="{FF2B5EF4-FFF2-40B4-BE49-F238E27FC236}">
+                <a16:creationId xmlns:a16="http://schemas.microsoft.com/office/drawing/2014/main" id="{1B7E0AF0-6FBE-FAEE-CF3C-A0C6B7B81C04}"/>
+              </a:ext>
+            </a:extLst>
+          </p:cNvPr>
+          <p:cNvSpPr>
+            <a:spLocks noGrp="1"/>
+          </p:cNvSpPr>
+          <p:nvPr>
+            <p:ph type="dt" sz="half" idx="10"/>
+          </p:nvPr>
+        </p:nvSpPr>
+        <p:spPr/>
+        <p:txBody>
+          <a:bodyPr/>
+          <a:lstStyle/>
+          <a:p>
+            <a:r>
+              <a:rPr lang="en-US" dirty="0"/>
+              <a:t>2024-09-26</a:t>
+            </a:r>
+          </a:p>
+        </p:txBody>
+      </p:sp>
+    </p:spTree>
+    <p:extLst>
+      <p:ext uri="{BB962C8B-B14F-4D97-AF65-F5344CB8AC3E}">
+        <p14:creationId xmlns:p14="http://schemas.microsoft.com/office/powerpoint/2010/main" val="1689043559"/>
+      </p:ext>
+    </p:extLst>
+  </p:cSld>
+  <p:clrMapOvr>
+    <a:masterClrMapping/>
+  </p:clrMapOvr>
+</p:sld>
+</file>
+
+<file path=ppt/slides/slide9.xml><?xml version="1.0" encoding="utf-8"?>
+<p:sld xmlns:a="http://schemas.openxmlformats.org/drawingml/2006/main" xmlns:r="http://schemas.openxmlformats.org/officeDocument/2006/relationships" xmlns:p="http://schemas.openxmlformats.org/presentationml/2006/main">
+  <p:cSld>
+    <p:spTree>
+      <p:nvGrpSpPr>
+        <p:cNvPr id="1" name=""/>
+        <p:cNvGrpSpPr/>
+        <p:nvPr/>
+      </p:nvGrpSpPr>
+      <p:grpSpPr>
+        <a:xfrm>
+          <a:off x="0" y="0"/>
+          <a:ext cx="0" cy="0"/>
+          <a:chOff x="0" y="0"/>
+          <a:chExt cx="0" cy="0"/>
+        </a:xfrm>
+      </p:grpSpPr>
+      <p:sp>
+        <p:nvSpPr>
+          <p:cNvPr id="2" name="Title 1">
+            <a:extLst>
+              <a:ext uri="{FF2B5EF4-FFF2-40B4-BE49-F238E27FC236}">
                 <a16:creationId xmlns:a16="http://schemas.microsoft.com/office/drawing/2014/main" id="{769E973D-CE91-F537-C36E-42E63A38EE3B}"/>
               </a:ext>
             </a:extLst>
@@ -10498,7 +12126,7 @@
                 <a:ea typeface="+mn-ea"/>
                 <a:cs typeface="+mn-cs"/>
               </a:rPr>
-              <a:t>W3C Web of Things (WoT) WG/IG – TPAC 2024</a:t>
+              <a:t>W3C Web of Things (WoT) WG/IG</a:t>
             </a:r>
           </a:p>
         </p:txBody>
@@ -10576,7 +12204,7 @@
                 <a:tabLst/>
                 <a:defRPr/>
               </a:pPr>
-              <a:t>8</a:t>
+              <a:t>9</a:t>
             </a:fld>
             <a:endParaRPr kumimoji="0" lang="en-US" sz="1800" b="0" i="0" u="none" strike="noStrike" kern="1200" cap="none" spc="0" normalizeH="0" baseline="0" noProof="0">
               <a:ln>
@@ -10663,325 +12291,6 @@
     <p:extLst>
       <p:ext uri="{BB962C8B-B14F-4D97-AF65-F5344CB8AC3E}">
         <p14:creationId xmlns:p14="http://schemas.microsoft.com/office/powerpoint/2010/main" val="1388342694"/>
-      </p:ext>
-    </p:extLst>
-  </p:cSld>
-  <p:clrMapOvr>
-    <a:masterClrMapping/>
-  </p:clrMapOvr>
-</p:sld>
-</file>
-
-<file path=ppt/slides/slide9.xml><?xml version="1.0" encoding="utf-8"?>
-<p:sld xmlns:a="http://schemas.openxmlformats.org/drawingml/2006/main" xmlns:r="http://schemas.openxmlformats.org/officeDocument/2006/relationships" xmlns:p="http://schemas.openxmlformats.org/presentationml/2006/main">
-  <p:cSld>
-    <p:spTree>
-      <p:nvGrpSpPr>
-        <p:cNvPr id="1" name=""/>
-        <p:cNvGrpSpPr/>
-        <p:nvPr/>
-      </p:nvGrpSpPr>
-      <p:grpSpPr>
-        <a:xfrm>
-          <a:off x="0" y="0"/>
-          <a:ext cx="0" cy="0"/>
-          <a:chOff x="0" y="0"/>
-          <a:chExt cx="0" cy="0"/>
-        </a:xfrm>
-      </p:grpSpPr>
-      <p:sp>
-        <p:nvSpPr>
-          <p:cNvPr id="2" name="Title 1">
-            <a:extLst>
-              <a:ext uri="{FF2B5EF4-FFF2-40B4-BE49-F238E27FC236}">
-                <a16:creationId xmlns:a16="http://schemas.microsoft.com/office/drawing/2014/main" id="{769E973D-CE91-F537-C36E-42E63A38EE3B}"/>
-              </a:ext>
-            </a:extLst>
-          </p:cNvPr>
-          <p:cNvSpPr>
-            <a:spLocks noGrp="1"/>
-          </p:cNvSpPr>
-          <p:nvPr>
-            <p:ph type="title"/>
-          </p:nvPr>
-        </p:nvSpPr>
-        <p:spPr/>
-        <p:txBody>
-          <a:bodyPr/>
-          <a:lstStyle/>
-          <a:p>
-            <a:r>
-              <a:rPr lang="en-CA" dirty="0"/>
-              <a:t>Requirements: Examples </a:t>
-            </a:r>
-          </a:p>
-        </p:txBody>
-      </p:sp>
-      <p:sp>
-        <p:nvSpPr>
-          <p:cNvPr id="3" name="Content Placeholder 2">
-            <a:extLst>
-              <a:ext uri="{FF2B5EF4-FFF2-40B4-BE49-F238E27FC236}">
-                <a16:creationId xmlns:a16="http://schemas.microsoft.com/office/drawing/2014/main" id="{D013F29C-27EF-B00F-BC36-D2551C84A203}"/>
-              </a:ext>
-            </a:extLst>
-          </p:cNvPr>
-          <p:cNvSpPr>
-            <a:spLocks noGrp="1"/>
-          </p:cNvSpPr>
-          <p:nvPr>
-            <p:ph idx="1"/>
-          </p:nvPr>
-        </p:nvSpPr>
-        <p:spPr/>
-        <p:txBody>
-          <a:bodyPr>
-            <a:normAutofit fontScale="92500" lnSpcReduction="10000"/>
-          </a:bodyPr>
-          <a:lstStyle/>
-          <a:p>
-            <a:pPr marL="0" indent="0">
-              <a:buNone/>
-            </a:pPr>
-            <a:r>
-              <a:rPr lang="en-CA" dirty="0"/>
-              <a:t>Based on </a:t>
-            </a:r>
-            <a:r>
-              <a:rPr lang="en-CA" dirty="0">
-                <a:hlinkClick r:id="rId2"/>
-              </a:rPr>
-              <a:t>https://github.com/w3c/wot-thing-description/issues/2039</a:t>
-            </a:r>
-            <a:endParaRPr lang="en-CA" dirty="0"/>
-          </a:p>
-          <a:p>
-            <a:r>
-              <a:rPr lang="en-CA" dirty="0"/>
-              <a:t>As a </a:t>
-            </a:r>
-            <a:r>
-              <a:rPr lang="en-CA" b="1" i="1" dirty="0"/>
-              <a:t>consumer of WoT TDs</a:t>
-            </a:r>
-            <a:r>
-              <a:rPr lang="en-CA" dirty="0"/>
-              <a:t>, </a:t>
-            </a:r>
-            <a:br>
-              <a:rPr lang="en-CA" dirty="0"/>
-            </a:br>
-            <a:r>
-              <a:rPr lang="en-CA" dirty="0"/>
-              <a:t>I want </a:t>
-            </a:r>
-            <a:r>
-              <a:rPr lang="en-CA" b="1" i="1" dirty="0"/>
-              <a:t>to know when or if writing a property returns a value</a:t>
-            </a:r>
-            <a:br>
-              <a:rPr lang="en-CA" dirty="0"/>
-            </a:br>
-            <a:r>
-              <a:rPr lang="en-CA" dirty="0"/>
-              <a:t>so that </a:t>
-            </a:r>
-            <a:r>
-              <a:rPr lang="en-CA" b="1" i="1" dirty="0"/>
-              <a:t>I can understand when I can use this value to confirm writes.</a:t>
-            </a:r>
-          </a:p>
-          <a:p>
-            <a:r>
-              <a:rPr lang="en-CA" dirty="0"/>
-              <a:t>As a </a:t>
-            </a:r>
-            <a:r>
-              <a:rPr lang="en-CA" b="1" i="1" dirty="0"/>
-              <a:t>producer of WoT TDs</a:t>
-            </a:r>
-            <a:r>
-              <a:rPr lang="en-CA" dirty="0"/>
-              <a:t>, </a:t>
-            </a:r>
-            <a:br>
-              <a:rPr lang="en-CA" dirty="0"/>
-            </a:br>
-            <a:r>
-              <a:rPr lang="en-CA" dirty="0"/>
-              <a:t>I want </a:t>
-            </a:r>
-            <a:r>
-              <a:rPr lang="en-CA" b="1" i="1" dirty="0"/>
-              <a:t>to be able to specify simple security schemes inline</a:t>
-            </a:r>
-            <a:br>
-              <a:rPr lang="en-CA" i="1" dirty="0"/>
-            </a:br>
-            <a:r>
-              <a:rPr lang="en-CA" dirty="0"/>
-              <a:t>so that </a:t>
-            </a:r>
-            <a:r>
-              <a:rPr lang="en-CA" b="1" i="1" dirty="0"/>
-              <a:t>TDs are less verbose and easier to write in simple cases.</a:t>
-            </a:r>
-          </a:p>
-          <a:p>
-            <a:r>
-              <a:rPr lang="en-CA" dirty="0"/>
-              <a:t>As a </a:t>
-            </a:r>
-            <a:r>
-              <a:rPr lang="en-CA" b="1" i="1" dirty="0"/>
-              <a:t>consumer of WoT TDs,</a:t>
-            </a:r>
-            <a:br>
-              <a:rPr lang="en-CA" b="1" i="1" dirty="0"/>
-            </a:br>
-            <a:r>
-              <a:rPr lang="en-CA" dirty="0"/>
-              <a:t>I want </a:t>
-            </a:r>
-            <a:r>
-              <a:rPr lang="en-CA" b="1" i="1" dirty="0"/>
-              <a:t>to identify TDs limited to a finite feature subset</a:t>
-            </a:r>
-            <a:br>
-              <a:rPr lang="en-CA" b="1" i="1" dirty="0"/>
-            </a:br>
-            <a:r>
-              <a:rPr lang="en-CA" dirty="0"/>
-              <a:t>so that </a:t>
-            </a:r>
-            <a:r>
-              <a:rPr lang="en-CA" b="1" i="1" dirty="0"/>
-              <a:t>I can ensure interoperability.</a:t>
-            </a:r>
-          </a:p>
-          <a:p>
-            <a:r>
-              <a:rPr lang="en-CA" dirty="0"/>
-              <a:t>As a </a:t>
-            </a:r>
-            <a:r>
-              <a:rPr lang="en-CA" b="1" i="1" dirty="0"/>
-              <a:t>producer of WoT TDs,</a:t>
-            </a:r>
-            <a:br>
-              <a:rPr lang="en-CA" b="1" i="1" dirty="0"/>
-            </a:br>
-            <a:r>
-              <a:rPr lang="en-CA" dirty="0"/>
-              <a:t>I want </a:t>
-            </a:r>
-            <a:r>
-              <a:rPr lang="en-CA" b="1" i="1" dirty="0"/>
-              <a:t>to signal when TDs have been limited to a finite feature subset</a:t>
-            </a:r>
-            <a:br>
-              <a:rPr lang="en-CA" b="1" i="1" dirty="0"/>
-            </a:br>
-            <a:r>
-              <a:rPr lang="en-CA" dirty="0"/>
-              <a:t>so that </a:t>
-            </a:r>
-            <a:r>
-              <a:rPr lang="en-CA" b="1" i="1" dirty="0"/>
-              <a:t>I can ensure interoperability.</a:t>
-            </a:r>
-          </a:p>
-        </p:txBody>
-      </p:sp>
-      <p:sp>
-        <p:nvSpPr>
-          <p:cNvPr id="4" name="Footer Placeholder 3">
-            <a:extLst>
-              <a:ext uri="{FF2B5EF4-FFF2-40B4-BE49-F238E27FC236}">
-                <a16:creationId xmlns:a16="http://schemas.microsoft.com/office/drawing/2014/main" id="{DA4CFF18-CB81-C769-6110-7D2674DA1D38}"/>
-              </a:ext>
-            </a:extLst>
-          </p:cNvPr>
-          <p:cNvSpPr>
-            <a:spLocks noGrp="1"/>
-          </p:cNvSpPr>
-          <p:nvPr>
-            <p:ph type="ftr" sz="quarter" idx="11"/>
-          </p:nvPr>
-        </p:nvSpPr>
-        <p:spPr/>
-        <p:txBody>
-          <a:bodyPr/>
-          <a:lstStyle/>
-          <a:p>
-            <a:r>
-              <a:rPr lang="en-US" dirty="0"/>
-              <a:t>W3C Web of Things (WoT) WG/IG – TPAC 2024</a:t>
-            </a:r>
-          </a:p>
-        </p:txBody>
-      </p:sp>
-      <p:sp>
-        <p:nvSpPr>
-          <p:cNvPr id="5" name="Slide Number Placeholder 4">
-            <a:extLst>
-              <a:ext uri="{FF2B5EF4-FFF2-40B4-BE49-F238E27FC236}">
-                <a16:creationId xmlns:a16="http://schemas.microsoft.com/office/drawing/2014/main" id="{79A95C01-BB2A-CD05-C1DE-85A40A68DCAE}"/>
-              </a:ext>
-            </a:extLst>
-          </p:cNvPr>
-          <p:cNvSpPr>
-            <a:spLocks noGrp="1"/>
-          </p:cNvSpPr>
-          <p:nvPr>
-            <p:ph type="sldNum" sz="quarter" idx="12"/>
-          </p:nvPr>
-        </p:nvSpPr>
-        <p:spPr/>
-        <p:txBody>
-          <a:bodyPr/>
-          <a:lstStyle/>
-          <a:p>
-            <a:fld id="{055BDE2E-7167-1944-9FEE-E44668D91CB6}" type="slidenum">
-              <a:rPr lang="en-US" smtClean="0"/>
-              <a:t>9</a:t>
-            </a:fld>
-            <a:endParaRPr lang="en-US"/>
-          </a:p>
-        </p:txBody>
-      </p:sp>
-      <p:sp>
-        <p:nvSpPr>
-          <p:cNvPr id="6" name="Date Placeholder 5">
-            <a:extLst>
-              <a:ext uri="{FF2B5EF4-FFF2-40B4-BE49-F238E27FC236}">
-                <a16:creationId xmlns:a16="http://schemas.microsoft.com/office/drawing/2014/main" id="{DF295013-68B0-18F5-660A-EF1F187929AE}"/>
-              </a:ext>
-            </a:extLst>
-          </p:cNvPr>
-          <p:cNvSpPr>
-            <a:spLocks noGrp="1"/>
-          </p:cNvSpPr>
-          <p:nvPr>
-            <p:ph type="dt" sz="half" idx="10"/>
-          </p:nvPr>
-        </p:nvSpPr>
-        <p:spPr/>
-        <p:txBody>
-          <a:bodyPr/>
-          <a:lstStyle/>
-          <a:p>
-            <a:r>
-              <a:rPr lang="en-CA" dirty="0"/>
-              <a:t>2024-09-26</a:t>
-            </a:r>
-          </a:p>
-        </p:txBody>
-      </p:sp>
-    </p:spTree>
-    <p:extLst>
-      <p:ext uri="{BB962C8B-B14F-4D97-AF65-F5344CB8AC3E}">
-        <p14:creationId xmlns:p14="http://schemas.microsoft.com/office/powerpoint/2010/main" val="2351600870"/>
       </p:ext>
     </p:extLst>
   </p:cSld>
